--- a/PowerPoint-Presentation/Shareable-Cloud-Custodian-PowerPoint.pptx
+++ b/PowerPoint-Presentation/Shareable-Cloud-Custodian-PowerPoint.pptx
@@ -5,24 +5,25 @@
     <p:sldMasterId id="2147483660" r:id="rId1"/>
   </p:sldMasterIdLst>
   <p:notesMasterIdLst>
-    <p:notesMasterId r:id="rId17"/>
+    <p:notesMasterId r:id="rId18"/>
   </p:notesMasterIdLst>
   <p:sldIdLst>
     <p:sldId id="257" r:id="rId2"/>
     <p:sldId id="258" r:id="rId3"/>
     <p:sldId id="259" r:id="rId4"/>
-    <p:sldId id="260" r:id="rId5"/>
-    <p:sldId id="261" r:id="rId6"/>
-    <p:sldId id="262" r:id="rId7"/>
-    <p:sldId id="263" r:id="rId8"/>
-    <p:sldId id="264" r:id="rId9"/>
-    <p:sldId id="265" r:id="rId10"/>
-    <p:sldId id="266" r:id="rId11"/>
-    <p:sldId id="267" r:id="rId12"/>
-    <p:sldId id="268" r:id="rId13"/>
-    <p:sldId id="269" r:id="rId14"/>
-    <p:sldId id="270" r:id="rId15"/>
-    <p:sldId id="271" r:id="rId16"/>
+    <p:sldId id="272" r:id="rId5"/>
+    <p:sldId id="260" r:id="rId6"/>
+    <p:sldId id="261" r:id="rId7"/>
+    <p:sldId id="262" r:id="rId8"/>
+    <p:sldId id="263" r:id="rId9"/>
+    <p:sldId id="264" r:id="rId10"/>
+    <p:sldId id="265" r:id="rId11"/>
+    <p:sldId id="266" r:id="rId12"/>
+    <p:sldId id="267" r:id="rId13"/>
+    <p:sldId id="268" r:id="rId14"/>
+    <p:sldId id="269" r:id="rId15"/>
+    <p:sldId id="270" r:id="rId16"/>
+    <p:sldId id="271" r:id="rId17"/>
   </p:sldIdLst>
   <p:sldSz cx="12192000" cy="6858000"/>
   <p:notesSz cx="6858000" cy="9144000"/>
@@ -121,6 +122,11 @@
       </a:defRPr>
     </a:lvl9pPr>
   </p:defaultTextStyle>
+  <p:extLst>
+    <p:ext uri="{EFAFB233-063F-42B5-8137-9DF3F51BA10A}">
+      <p15:sldGuideLst xmlns:p15="http://schemas.microsoft.com/office/powerpoint/2012/main"/>
+    </p:ext>
+  </p:extLst>
 </p:presentation>
 </file>
 
@@ -653,7 +659,7 @@
                 </a:solidFill>
               </a:rPr>
               <a:pPr/>
-              <a:t>15</a:t>
+              <a:t>16</a:t>
             </a:fld>
             <a:endParaRPr lang="en-US">
               <a:solidFill>
@@ -754,7 +760,7 @@
                 </a:solidFill>
               </a:rPr>
               <a:pPr/>
-              <a:t>4</a:t>
+              <a:t>5</a:t>
             </a:fld>
             <a:endParaRPr lang="en-US">
               <a:solidFill>
@@ -855,7 +861,7 @@
                 </a:solidFill>
               </a:rPr>
               <a:pPr/>
-              <a:t>8</a:t>
+              <a:t>9</a:t>
             </a:fld>
             <a:endParaRPr lang="en-US">
               <a:solidFill>
@@ -956,7 +962,7 @@
                 </a:solidFill>
               </a:rPr>
               <a:pPr/>
-              <a:t>9</a:t>
+              <a:t>10</a:t>
             </a:fld>
             <a:endParaRPr lang="en-US">
               <a:solidFill>
@@ -1057,7 +1063,7 @@
                 </a:solidFill>
               </a:rPr>
               <a:pPr/>
-              <a:t>10</a:t>
+              <a:t>11</a:t>
             </a:fld>
             <a:endParaRPr lang="en-US">
               <a:solidFill>
@@ -1158,7 +1164,7 @@
                 </a:solidFill>
               </a:rPr>
               <a:pPr/>
-              <a:t>11</a:t>
+              <a:t>12</a:t>
             </a:fld>
             <a:endParaRPr lang="en-US">
               <a:solidFill>
@@ -1259,7 +1265,7 @@
                 </a:solidFill>
               </a:rPr>
               <a:pPr/>
-              <a:t>12</a:t>
+              <a:t>13</a:t>
             </a:fld>
             <a:endParaRPr lang="en-US">
               <a:solidFill>
@@ -1360,7 +1366,7 @@
                 </a:solidFill>
               </a:rPr>
               <a:pPr/>
-              <a:t>13</a:t>
+              <a:t>14</a:t>
             </a:fld>
             <a:endParaRPr lang="en-US">
               <a:solidFill>
@@ -1461,7 +1467,7 @@
                 </a:solidFill>
               </a:rPr>
               <a:pPr/>
-              <a:t>14</a:t>
+              <a:t>15</a:t>
             </a:fld>
             <a:endParaRPr lang="en-US">
               <a:solidFill>
@@ -6574,7 +6580,7 @@
   <p:extLst mod="1">
     <p:ext uri="{DCECCB84-F9BA-43D5-87BE-67443E8EF086}">
       <p15:sldGuideLst xmlns:p15="http://schemas.microsoft.com/office/powerpoint/2012/main">
-        <p15:guide id="4294967295" orient="horz" pos="696">
+        <p15:guide id="1" orient="horz" pos="696">
           <p15:clr>
             <a:srgbClr val="FBAE40"/>
           </p15:clr>
@@ -8562,32 +8568,32 @@
   <p:extLst mod="1">
     <p:ext uri="{27BBF7A9-308A-43DC-89C8-2F10F3537804}">
       <p15:sldGuideLst xmlns:p15="http://schemas.microsoft.com/office/powerpoint/2012/main">
-        <p15:guide id="4294967295" pos="792">
+        <p15:guide id="1" pos="792">
           <p15:clr>
             <a:srgbClr val="F26B43"/>
           </p15:clr>
         </p15:guide>
-        <p15:guide id="4294967295" pos="7200">
+        <p15:guide id="2" pos="7200">
           <p15:clr>
             <a:srgbClr val="F26B43"/>
           </p15:clr>
         </p15:guide>
-        <p15:guide id="4294967295" orient="horz" pos="4008">
+        <p15:guide id="3" orient="horz" pos="4008">
           <p15:clr>
             <a:srgbClr val="F26B43"/>
           </p15:clr>
         </p15:guide>
-        <p15:guide id="4294967295" orient="horz" pos="1440">
+        <p15:guide id="4" orient="horz" pos="1440">
           <p15:clr>
             <a:srgbClr val="F26B43"/>
           </p15:clr>
         </p15:guide>
-        <p15:guide id="4294967295" orient="horz" pos="3720">
+        <p15:guide id="5" orient="horz" pos="3720">
           <p15:clr>
             <a:srgbClr val="F26B43"/>
           </p15:clr>
         </p15:guide>
-        <p15:guide id="4294967295" orient="horz" pos="240">
+        <p15:guide id="6" orient="horz" pos="240">
           <p15:clr>
             <a:srgbClr val="F26B43"/>
           </p15:clr>
@@ -8799,8 +8805,8 @@
         </p:nvSpPr>
         <p:spPr>
           <a:xfrm>
-            <a:off x="638175" y="277610"/>
-            <a:ext cx="10791825" cy="1492132"/>
+            <a:off x="752475" y="287135"/>
+            <a:ext cx="10677525" cy="1492132"/>
           </a:xfrm>
         </p:spPr>
         <p:txBody>
@@ -8813,7 +8819,7 @@
                   <a:schemeClr val="bg1"/>
                 </a:solidFill>
               </a:rPr>
-              <a:t>Cost savings - Garbage </a:t>
+              <a:t>Cost savings - Resizing </a:t>
             </a:r>
             <a:r>
               <a:rPr lang="en-US" dirty="0" smtClean="0">
@@ -8821,7 +8827,7 @@
                   <a:schemeClr val="bg1"/>
                 </a:solidFill>
               </a:rPr>
-              <a:t>collection</a:t>
+              <a:t>Resources</a:t>
             </a:r>
             <a:endParaRPr lang="en-US" dirty="0">
               <a:solidFill>
@@ -8839,8 +8845,8 @@
         </p:nvSpPr>
         <p:spPr>
           <a:xfrm>
-            <a:off x="376919" y="1515138"/>
-            <a:ext cx="3341642" cy="3816429"/>
+            <a:off x="1122998" y="1247788"/>
+            <a:ext cx="4441372" cy="3816429"/>
           </a:xfrm>
           <a:prstGeom prst="rect">
             <a:avLst/>
@@ -8859,51 +8865,38 @@
           <a:p>
             <a:pPr defTabSz="457200"/>
             <a:r>
-              <a:rPr lang="en-US" dirty="0">
-                <a:solidFill>
-                  <a:prstClr val="white"/>
-                </a:solidFill>
-              </a:rPr>
-              <a:t>- </a:t>
-            </a:r>
-            <a:r>
               <a:rPr lang="en-US" sz="1600" dirty="0">
                 <a:solidFill>
                   <a:prstClr val="white"/>
                 </a:solidFill>
               </a:rPr>
-              <a:t>name: </a:t>
-            </a:r>
-            <a:r>
-              <a:rPr lang="en-US" sz="1400" dirty="0" err="1" smtClean="0">
-                <a:solidFill>
-                  <a:prstClr val="white"/>
-                </a:solidFill>
-              </a:rPr>
-              <a:t>ebs</a:t>
-            </a:r>
-            <a:r>
-              <a:rPr lang="en-US" sz="1400" dirty="0" smtClean="0">
-                <a:solidFill>
-                  <a:prstClr val="white"/>
-                </a:solidFill>
-              </a:rPr>
-              <a:t>-mark-unattached-deletion</a:t>
-            </a:r>
-            <a:endParaRPr lang="en-US" sz="1400" dirty="0">
-              <a:solidFill>
-                <a:prstClr val="white"/>
-              </a:solidFill>
-            </a:endParaRPr>
-          </a:p>
-          <a:p>
-            <a:pPr defTabSz="457200"/>
+              <a:t>- name: </a:t>
+            </a:r>
+            <a:r>
+              <a:rPr lang="en-US" sz="1600" dirty="0" err="1">
+                <a:solidFill>
+                  <a:prstClr val="white"/>
+                </a:solidFill>
+              </a:rPr>
+              <a:t>rds</a:t>
+            </a:r>
             <a:r>
               <a:rPr lang="en-US" sz="1600" dirty="0">
                 <a:solidFill>
                   <a:prstClr val="white"/>
                 </a:solidFill>
               </a:rPr>
+              <a:t>-resize-storage</a:t>
+            </a:r>
+          </a:p>
+          <a:p>
+            <a:pPr defTabSz="457200"/>
+            <a:r>
+              <a:rPr lang="en-US" sz="1600" dirty="0">
+                <a:solidFill>
+                  <a:prstClr val="white"/>
+                </a:solidFill>
+              </a:rPr>
               <a:t>  resource: </a:t>
             </a:r>
             <a:r>
@@ -8912,7 +8905,7 @@
                   <a:prstClr val="white"/>
                 </a:solidFill>
               </a:rPr>
-              <a:t>ebs</a:t>
+              <a:t>rds</a:t>
             </a:r>
             <a:endParaRPr lang="en-US" sz="1600" dirty="0">
               <a:solidFill>
@@ -8934,114 +8927,23 @@
           <a:p>
             <a:pPr defTabSz="457200"/>
             <a:r>
-              <a:rPr lang="en-US" dirty="0">
-                <a:solidFill>
-                  <a:prstClr val="white"/>
-                </a:solidFill>
-              </a:rPr>
-              <a:t>    </a:t>
-            </a:r>
-            <a:r>
-              <a:rPr lang="en-US" sz="1100" dirty="0">
-                <a:solidFill>
-                  <a:prstClr val="white"/>
-                </a:solidFill>
-              </a:rPr>
-              <a:t>Mark any unattached EBS volumes for deletion </a:t>
-            </a:r>
-            <a:r>
-              <a:rPr lang="en-US" sz="1100" dirty="0">
-                <a:solidFill>
-                  <a:prstClr val="white"/>
-                </a:solidFill>
-              </a:rPr>
-              <a:t>in</a:t>
-            </a:r>
-          </a:p>
-          <a:p>
-            <a:pPr defTabSz="457200"/>
-            <a:r>
-              <a:rPr lang="en-US" sz="1100" dirty="0">
-                <a:solidFill>
-                  <a:prstClr val="white"/>
-                </a:solidFill>
-              </a:rPr>
-              <a:t>      30 days.  This </a:t>
-            </a:r>
-            <a:r>
-              <a:rPr lang="en-US" sz="1100" dirty="0">
-                <a:solidFill>
-                  <a:prstClr val="white"/>
-                </a:solidFill>
-              </a:rPr>
-              <a:t>will </a:t>
-            </a:r>
-            <a:r>
-              <a:rPr lang="en-US" sz="1100" dirty="0">
-                <a:solidFill>
-                  <a:prstClr val="white"/>
-                </a:solidFill>
-              </a:rPr>
-              <a:t>clean </a:t>
-            </a:r>
-            <a:r>
-              <a:rPr lang="en-US" sz="1100" dirty="0">
-                <a:solidFill>
-                  <a:prstClr val="white"/>
-                </a:solidFill>
-              </a:rPr>
-              <a:t>up old unused </a:t>
-            </a:r>
-            <a:r>
-              <a:rPr lang="en-US" sz="1100" dirty="0">
-                <a:solidFill>
-                  <a:prstClr val="white"/>
-                </a:solidFill>
-              </a:rPr>
-              <a:t>orphaned</a:t>
-            </a:r>
-          </a:p>
-          <a:p>
-            <a:pPr defTabSz="457200"/>
-            <a:r>
-              <a:rPr lang="en-US" sz="1100" dirty="0">
-                <a:solidFill>
-                  <a:prstClr val="white"/>
-                </a:solidFill>
-              </a:rPr>
-              <a:t> </a:t>
-            </a:r>
-            <a:r>
-              <a:rPr lang="en-US" sz="1100" dirty="0">
-                <a:solidFill>
-                  <a:prstClr val="white"/>
-                </a:solidFill>
-              </a:rPr>
-              <a:t>     volumes </a:t>
-            </a:r>
-            <a:r>
-              <a:rPr lang="en-US" sz="1100" dirty="0">
-                <a:solidFill>
-                  <a:prstClr val="white"/>
-                </a:solidFill>
-              </a:rPr>
-              <a:t>that </a:t>
-            </a:r>
-            <a:r>
-              <a:rPr lang="en-US" sz="1100" dirty="0">
-                <a:solidFill>
-                  <a:prstClr val="white"/>
-                </a:solidFill>
-              </a:rPr>
-              <a:t>customers </a:t>
-            </a:r>
-            <a:r>
-              <a:rPr lang="en-US" sz="1100" dirty="0">
-                <a:solidFill>
-                  <a:prstClr val="white"/>
-                </a:solidFill>
-              </a:rPr>
-              <a:t>forget to delete.</a:t>
+              <a:rPr lang="en-US" sz="1400" dirty="0">
+                <a:solidFill>
+                  <a:prstClr val="white"/>
+                </a:solidFill>
+              </a:rPr>
+              <a:t>     Resizes RDS databases who are using more than 90%</a:t>
+            </a:r>
+          </a:p>
+          <a:p>
+            <a:pPr defTabSz="457200"/>
+            <a:r>
+              <a:rPr lang="en-US" sz="1400" dirty="0">
+                <a:solidFill>
+                  <a:prstClr val="white"/>
+                </a:solidFill>
+              </a:rPr>
+              <a:t>     of their storage space and adds 30% more space</a:t>
             </a:r>
           </a:p>
           <a:p>
@@ -9052,7 +8954,7 @@
                   <a:prstClr val="white"/>
                 </a:solidFill>
               </a:rPr>
-              <a:t>  filters:</a:t>
+              <a:t>  filters: </a:t>
             </a:r>
           </a:p>
           <a:p>
@@ -9063,7 +8965,18 @@
                   <a:prstClr val="white"/>
                 </a:solidFill>
               </a:rPr>
-              <a:t>    - "</a:t>
+              <a:t>     - type: metrics</a:t>
+            </a:r>
+          </a:p>
+          <a:p>
+            <a:pPr defTabSz="457200"/>
+            <a:r>
+              <a:rPr lang="en-US" sz="1600" dirty="0">
+                <a:solidFill>
+                  <a:prstClr val="white"/>
+                </a:solidFill>
+              </a:rPr>
+              <a:t>       name: </a:t>
             </a:r>
             <a:r>
               <a:rPr lang="en-US" sz="1600" dirty="0" err="1">
@@ -9071,83 +8984,9 @@
                   <a:prstClr val="white"/>
                 </a:solidFill>
               </a:rPr>
-              <a:t>tag:maid_status</a:t>
-            </a:r>
-            <a:r>
-              <a:rPr lang="en-US" sz="1600" dirty="0">
-                <a:solidFill>
-                  <a:prstClr val="white"/>
-                </a:solidFill>
-              </a:rPr>
-              <a:t>": absent</a:t>
-            </a:r>
-          </a:p>
-          <a:p>
-            <a:pPr defTabSz="457200"/>
-            <a:r>
-              <a:rPr lang="en-US" sz="1600" dirty="0">
-                <a:solidFill>
-                  <a:prstClr val="white"/>
-                </a:solidFill>
-              </a:rPr>
-              <a:t>    - State: available</a:t>
-            </a:r>
-          </a:p>
-          <a:p>
-            <a:pPr defTabSz="457200"/>
-            <a:r>
-              <a:rPr lang="en-US" sz="1600" dirty="0">
-                <a:solidFill>
-                  <a:prstClr val="white"/>
-                </a:solidFill>
-              </a:rPr>
-              <a:t>  actions:</a:t>
-            </a:r>
-          </a:p>
-          <a:p>
-            <a:pPr defTabSz="457200"/>
-            <a:r>
-              <a:rPr lang="en-US" sz="1600" dirty="0">
-                <a:solidFill>
-                  <a:prstClr val="white"/>
-                </a:solidFill>
-              </a:rPr>
-              <a:t>    - type: mark-for-op</a:t>
-            </a:r>
-          </a:p>
-          <a:p>
-            <a:pPr defTabSz="457200"/>
-            <a:r>
-              <a:rPr lang="en-US" sz="1600" dirty="0">
-                <a:solidFill>
-                  <a:prstClr val="white"/>
-                </a:solidFill>
-              </a:rPr>
-              <a:t>      op: delete</a:t>
-            </a:r>
-          </a:p>
-          <a:p>
-            <a:pPr defTabSz="457200"/>
-            <a:r>
-              <a:rPr lang="en-US" sz="1600" dirty="0">
-                <a:solidFill>
-                  <a:prstClr val="white"/>
-                </a:solidFill>
-              </a:rPr>
-              <a:t>      days: </a:t>
-            </a:r>
-            <a:r>
-              <a:rPr lang="en-US" sz="1600" dirty="0">
-                <a:solidFill>
-                  <a:prstClr val="white"/>
-                </a:solidFill>
-              </a:rPr>
-              <a:t>30</a:t>
-            </a:r>
-          </a:p>
-          <a:p>
-            <a:pPr defTabSz="457200"/>
-            <a:endParaRPr lang="en-US" dirty="0">
+              <a:t>FreeStorageSpace</a:t>
+            </a:r>
+            <a:endParaRPr lang="en-US" sz="1600" dirty="0">
               <a:solidFill>
                 <a:prstClr val="white"/>
               </a:solidFill>
@@ -9155,11 +8994,125 @@
           </a:p>
           <a:p>
             <a:pPr defTabSz="457200"/>
-            <a:endParaRPr lang="en-US" dirty="0">
+            <a:r>
+              <a:rPr lang="en-US" sz="1600" dirty="0">
+                <a:solidFill>
+                  <a:prstClr val="white"/>
+                </a:solidFill>
+              </a:rPr>
+              <a:t>       percent-</a:t>
+            </a:r>
+            <a:r>
+              <a:rPr lang="en-US" sz="1600" dirty="0" err="1">
+                <a:solidFill>
+                  <a:prstClr val="white"/>
+                </a:solidFill>
+              </a:rPr>
+              <a:t>attr</a:t>
+            </a:r>
+            <a:r>
+              <a:rPr lang="en-US" sz="1600" dirty="0">
+                <a:solidFill>
+                  <a:prstClr val="white"/>
+                </a:solidFill>
+              </a:rPr>
+              <a:t>: </a:t>
+            </a:r>
+            <a:r>
+              <a:rPr lang="en-US" sz="1600" dirty="0" err="1">
+                <a:solidFill>
+                  <a:prstClr val="white"/>
+                </a:solidFill>
+              </a:rPr>
+              <a:t>AllocatedStorage</a:t>
+            </a:r>
+            <a:endParaRPr lang="en-US" sz="1600" dirty="0">
               <a:solidFill>
                 <a:prstClr val="white"/>
               </a:solidFill>
             </a:endParaRPr>
+          </a:p>
+          <a:p>
+            <a:pPr defTabSz="457200"/>
+            <a:r>
+              <a:rPr lang="en-US" sz="1600" dirty="0">
+                <a:solidFill>
+                  <a:prstClr val="white"/>
+                </a:solidFill>
+              </a:rPr>
+              <a:t>       </a:t>
+            </a:r>
+            <a:r>
+              <a:rPr lang="en-US" sz="1600" dirty="0" err="1">
+                <a:solidFill>
+                  <a:prstClr val="white"/>
+                </a:solidFill>
+              </a:rPr>
+              <a:t>attr</a:t>
+            </a:r>
+            <a:r>
+              <a:rPr lang="en-US" sz="1600" dirty="0">
+                <a:solidFill>
+                  <a:prstClr val="white"/>
+                </a:solidFill>
+              </a:rPr>
+              <a:t>-multiplier: 1073741824</a:t>
+            </a:r>
+          </a:p>
+          <a:p>
+            <a:pPr defTabSz="457200"/>
+            <a:r>
+              <a:rPr lang="en-US" sz="1600" dirty="0">
+                <a:solidFill>
+                  <a:prstClr val="white"/>
+                </a:solidFill>
+              </a:rPr>
+              <a:t>       value: 90</a:t>
+            </a:r>
+          </a:p>
+          <a:p>
+            <a:pPr defTabSz="457200"/>
+            <a:r>
+              <a:rPr lang="en-US" sz="1600" dirty="0">
+                <a:solidFill>
+                  <a:prstClr val="white"/>
+                </a:solidFill>
+              </a:rPr>
+              <a:t>       op: greater-than</a:t>
+            </a:r>
+          </a:p>
+          <a:p>
+            <a:pPr defTabSz="457200"/>
+            <a:r>
+              <a:rPr lang="en-US" sz="1600" dirty="0">
+                <a:solidFill>
+                  <a:prstClr val="white"/>
+                </a:solidFill>
+              </a:rPr>
+              <a:t>  actions: </a:t>
+            </a:r>
+          </a:p>
+          <a:p>
+            <a:pPr defTabSz="457200"/>
+            <a:r>
+              <a:rPr lang="en-US" sz="1600" dirty="0">
+                <a:solidFill>
+                  <a:prstClr val="white"/>
+                </a:solidFill>
+              </a:rPr>
+              <a:t>    - type: resize</a:t>
+            </a:r>
+          </a:p>
+          <a:p>
+            <a:pPr defTabSz="457200"/>
+            <a:r>
+              <a:rPr lang="en-US" sz="1600" dirty="0">
+                <a:solidFill>
+                  <a:prstClr val="white"/>
+                </a:solidFill>
+              </a:rPr>
+              <a:t>      percent: 30</a:t>
+            </a:r>
           </a:p>
         </p:txBody>
       </p:sp>
@@ -9171,8 +9124,8 @@
         </p:nvSpPr>
         <p:spPr>
           <a:xfrm>
-            <a:off x="7746275" y="1515138"/>
-            <a:ext cx="3540034" cy="4139595"/>
+            <a:off x="5934892" y="1247788"/>
+            <a:ext cx="4856934" cy="5509200"/>
           </a:xfrm>
           <a:prstGeom prst="rect">
             <a:avLst/>
@@ -9191,30 +9144,66 @@
           <a:p>
             <a:pPr defTabSz="457200"/>
             <a:r>
-              <a:rPr lang="en-US" dirty="0">
-                <a:solidFill>
-                  <a:prstClr val="white"/>
-                </a:solidFill>
-              </a:rPr>
-              <a:t>- name: </a:t>
-            </a:r>
-            <a:r>
-              <a:rPr lang="en-US" sz="1400" dirty="0" err="1" smtClean="0">
-                <a:solidFill>
-                  <a:prstClr val="white"/>
-                </a:solidFill>
-              </a:rPr>
-              <a:t>elb</a:t>
-            </a:r>
-            <a:r>
-              <a:rPr lang="en-US" sz="1400" dirty="0" smtClean="0">
-                <a:solidFill>
-                  <a:prstClr val="white"/>
-                </a:solidFill>
-              </a:rPr>
-              <a:t>-mark-unused-for-deletion</a:t>
-            </a:r>
-            <a:endParaRPr lang="en-US" sz="1400" dirty="0">
+              <a:rPr lang="en-US" sz="1600" dirty="0">
+                <a:solidFill>
+                  <a:prstClr val="white"/>
+                </a:solidFill>
+              </a:rPr>
+              <a:t>- name: ec2-instance-too-large-resizer</a:t>
+            </a:r>
+          </a:p>
+          <a:p>
+            <a:pPr defTabSz="457200"/>
+            <a:r>
+              <a:rPr lang="en-US" sz="1600" dirty="0">
+                <a:solidFill>
+                  <a:prstClr val="white"/>
+                </a:solidFill>
+              </a:rPr>
+              <a:t>  resource: ec2</a:t>
+            </a:r>
+          </a:p>
+          <a:p>
+            <a:pPr defTabSz="457200"/>
+            <a:r>
+              <a:rPr lang="en-US" sz="1600" dirty="0">
+                <a:solidFill>
+                  <a:prstClr val="white"/>
+                </a:solidFill>
+              </a:rPr>
+              <a:t>  filters:</a:t>
+            </a:r>
+          </a:p>
+          <a:p>
+            <a:pPr defTabSz="457200"/>
+            <a:r>
+              <a:rPr lang="en-US" sz="1600" dirty="0">
+                <a:solidFill>
+                  <a:prstClr val="white"/>
+                </a:solidFill>
+              </a:rPr>
+              <a:t>    - type: value</a:t>
+            </a:r>
+          </a:p>
+          <a:p>
+            <a:pPr defTabSz="457200"/>
+            <a:r>
+              <a:rPr lang="en-US" sz="1600" dirty="0">
+                <a:solidFill>
+                  <a:prstClr val="white"/>
+                </a:solidFill>
+              </a:rPr>
+              <a:t>      key: </a:t>
+            </a:r>
+            <a:r>
+              <a:rPr lang="en-US" sz="1600" dirty="0" err="1">
+                <a:solidFill>
+                  <a:prstClr val="white"/>
+                </a:solidFill>
+              </a:rPr>
+              <a:t>InstanceType</a:t>
+            </a:r>
+            <a:endParaRPr lang="en-US" sz="1600" dirty="0">
               <a:solidFill>
                 <a:prstClr val="white"/>
               </a:solidFill>
@@ -9223,22 +9212,99 @@
           <a:p>
             <a:pPr defTabSz="457200"/>
             <a:r>
-              <a:rPr lang="en-US" dirty="0">
-                <a:solidFill>
-                  <a:prstClr val="white"/>
-                </a:solidFill>
-              </a:rPr>
-              <a:t>  resource: </a:t>
-            </a:r>
-            <a:r>
-              <a:rPr lang="en-US" dirty="0" err="1">
-                <a:solidFill>
-                  <a:prstClr val="white"/>
-                </a:solidFill>
-              </a:rPr>
-              <a:t>elb</a:t>
-            </a:r>
-            <a:endParaRPr lang="en-US" dirty="0">
+              <a:rPr lang="en-US" sz="1600" dirty="0">
+                <a:solidFill>
+                  <a:prstClr val="white"/>
+                </a:solidFill>
+              </a:rPr>
+              <a:t>      op: in</a:t>
+            </a:r>
+          </a:p>
+          <a:p>
+            <a:pPr defTabSz="457200"/>
+            <a:r>
+              <a:rPr lang="en-US" sz="1600" dirty="0">
+                <a:solidFill>
+                  <a:prstClr val="white"/>
+                </a:solidFill>
+              </a:rPr>
+              <a:t>      value:</a:t>
+            </a:r>
+          </a:p>
+          <a:p>
+            <a:pPr defTabSz="457200"/>
+            <a:r>
+              <a:rPr lang="en-US" sz="1600" dirty="0">
+                <a:solidFill>
+                  <a:prstClr val="white"/>
+                </a:solidFill>
+              </a:rPr>
+              <a:t>         - m4.10xlarge</a:t>
+            </a:r>
+          </a:p>
+          <a:p>
+            <a:pPr defTabSz="457200"/>
+            <a:r>
+              <a:rPr lang="en-US" sz="1600" dirty="0">
+                <a:solidFill>
+                  <a:prstClr val="white"/>
+                </a:solidFill>
+              </a:rPr>
+              <a:t>         - m4.4xlarge</a:t>
+            </a:r>
+          </a:p>
+          <a:p>
+            <a:pPr defTabSz="457200"/>
+            <a:r>
+              <a:rPr lang="en-US" sz="1600" dirty="0">
+                <a:solidFill>
+                  <a:prstClr val="white"/>
+                </a:solidFill>
+              </a:rPr>
+              <a:t>    - type: instance-age</a:t>
+            </a:r>
+          </a:p>
+          <a:p>
+            <a:pPr defTabSz="457200"/>
+            <a:r>
+              <a:rPr lang="en-US" sz="1600" dirty="0">
+                <a:solidFill>
+                  <a:prstClr val="white"/>
+                </a:solidFill>
+              </a:rPr>
+              <a:t>      value: 14</a:t>
+            </a:r>
+          </a:p>
+          <a:p>
+            <a:pPr defTabSz="457200"/>
+            <a:r>
+              <a:rPr lang="en-US" sz="1600" dirty="0">
+                <a:solidFill>
+                  <a:prstClr val="white"/>
+                </a:solidFill>
+              </a:rPr>
+              <a:t>    - type: metrics</a:t>
+            </a:r>
+          </a:p>
+          <a:p>
+            <a:pPr defTabSz="457200"/>
+            <a:r>
+              <a:rPr lang="en-US" sz="1600" dirty="0">
+                <a:solidFill>
+                  <a:prstClr val="white"/>
+                </a:solidFill>
+              </a:rPr>
+              <a:t>      name: </a:t>
+            </a:r>
+            <a:r>
+              <a:rPr lang="en-US" sz="1600" dirty="0" err="1">
+                <a:solidFill>
+                  <a:prstClr val="white"/>
+                </a:solidFill>
+              </a:rPr>
+              <a:t>CPUUtilization</a:t>
+            </a:r>
+            <a:endParaRPr lang="en-US" sz="1600" dirty="0">
               <a:solidFill>
                 <a:prstClr val="white"/>
               </a:solidFill>
@@ -9247,121 +9313,40 @@
           <a:p>
             <a:pPr defTabSz="457200"/>
             <a:r>
-              <a:rPr lang="en-US" dirty="0">
-                <a:solidFill>
-                  <a:prstClr val="white"/>
-                </a:solidFill>
-              </a:rPr>
-              <a:t>  description: |</a:t>
-            </a:r>
-          </a:p>
-          <a:p>
-            <a:pPr defTabSz="457200"/>
-            <a:r>
-              <a:rPr lang="en-US" dirty="0">
-                <a:solidFill>
-                  <a:prstClr val="white"/>
-                </a:solidFill>
-              </a:rPr>
-              <a:t>    </a:t>
-            </a:r>
-            <a:r>
-              <a:rPr lang="en-US" sz="1100" dirty="0">
-                <a:solidFill>
-                  <a:prstClr val="white"/>
-                </a:solidFill>
-              </a:rPr>
-              <a:t>Mark any ELB with no instances attached </a:t>
-            </a:r>
-            <a:r>
-              <a:rPr lang="en-US" sz="1100" dirty="0">
-                <a:solidFill>
-                  <a:prstClr val="white"/>
-                </a:solidFill>
-              </a:rPr>
-              <a:t>for</a:t>
-            </a:r>
-          </a:p>
-          <a:p>
-            <a:pPr defTabSz="457200"/>
-            <a:r>
-              <a:rPr lang="en-US" sz="1100" dirty="0">
-                <a:solidFill>
-                  <a:prstClr val="white"/>
-                </a:solidFill>
-              </a:rPr>
-              <a:t> </a:t>
-            </a:r>
-            <a:r>
-              <a:rPr lang="en-US" sz="1100" dirty="0">
-                <a:solidFill>
-                  <a:prstClr val="white"/>
-                </a:solidFill>
-              </a:rPr>
-              <a:t>     deletion </a:t>
-            </a:r>
-            <a:r>
-              <a:rPr lang="en-US" sz="1100" dirty="0">
-                <a:solidFill>
-                  <a:prstClr val="white"/>
-                </a:solidFill>
-              </a:rPr>
-              <a:t>in 14 days.</a:t>
-            </a:r>
-          </a:p>
-          <a:p>
-            <a:pPr defTabSz="457200"/>
-            <a:r>
-              <a:rPr lang="en-US" dirty="0">
-                <a:solidFill>
-                  <a:prstClr val="white"/>
-                </a:solidFill>
-              </a:rPr>
-              <a:t>  filters:</a:t>
-            </a:r>
-          </a:p>
-          <a:p>
-            <a:pPr defTabSz="457200"/>
-            <a:r>
-              <a:rPr lang="en-US" dirty="0">
-                <a:solidFill>
-                  <a:prstClr val="white"/>
-                </a:solidFill>
-              </a:rPr>
-              <a:t>    - "</a:t>
-            </a:r>
-            <a:r>
-              <a:rPr lang="en-US" dirty="0" err="1">
-                <a:solidFill>
-                  <a:prstClr val="white"/>
-                </a:solidFill>
-              </a:rPr>
-              <a:t>tag:maid_status</a:t>
-            </a:r>
-            <a:r>
-              <a:rPr lang="en-US" dirty="0">
-                <a:solidFill>
-                  <a:prstClr val="white"/>
-                </a:solidFill>
-              </a:rPr>
-              <a:t>": absent</a:t>
-            </a:r>
-          </a:p>
-          <a:p>
-            <a:pPr defTabSz="457200"/>
-            <a:r>
-              <a:rPr lang="en-US" dirty="0">
-                <a:solidFill>
-                  <a:prstClr val="white"/>
-                </a:solidFill>
-              </a:rPr>
-              <a:t>    - Instances: []</a:t>
-            </a:r>
-          </a:p>
-          <a:p>
-            <a:pPr defTabSz="457200"/>
-            <a:r>
-              <a:rPr lang="en-US" dirty="0">
+              <a:rPr lang="en-US" sz="1600" dirty="0">
+                <a:solidFill>
+                  <a:prstClr val="white"/>
+                </a:solidFill>
+              </a:rPr>
+              <a:t>      days: 14</a:t>
+            </a:r>
+          </a:p>
+          <a:p>
+            <a:pPr defTabSz="457200"/>
+            <a:r>
+              <a:rPr lang="en-US" sz="1600" dirty="0">
+                <a:solidFill>
+                  <a:prstClr val="white"/>
+                </a:solidFill>
+              </a:rPr>
+              <a:t>      value: 3</a:t>
+            </a:r>
+          </a:p>
+          <a:p>
+            <a:pPr defTabSz="457200"/>
+            <a:r>
+              <a:rPr lang="en-US" sz="1600" dirty="0">
+                <a:solidFill>
+                  <a:prstClr val="white"/>
+                </a:solidFill>
+              </a:rPr>
+              <a:t>      op: less-than</a:t>
+            </a:r>
+          </a:p>
+          <a:p>
+            <a:pPr defTabSz="457200"/>
+            <a:r>
+              <a:rPr lang="en-US" sz="1600" dirty="0">
                 <a:solidFill>
                   <a:prstClr val="white"/>
                 </a:solidFill>
@@ -9372,661 +9357,64 @@
           <a:p>
             <a:pPr defTabSz="457200"/>
             <a:r>
-              <a:rPr lang="en-US" dirty="0">
-                <a:solidFill>
-                  <a:prstClr val="white"/>
-                </a:solidFill>
-              </a:rPr>
-              <a:t>    - type: mark-for-op</a:t>
-            </a:r>
-          </a:p>
-          <a:p>
-            <a:pPr defTabSz="457200"/>
-            <a:r>
-              <a:rPr lang="en-US" dirty="0">
-                <a:solidFill>
-                  <a:prstClr val="white"/>
-                </a:solidFill>
-              </a:rPr>
-              <a:t>      tag: </a:t>
-            </a:r>
-            <a:r>
-              <a:rPr lang="en-US" dirty="0">
-                <a:solidFill>
-                  <a:prstClr val="white"/>
-                </a:solidFill>
-              </a:rPr>
-              <a:t>c7n_unused_elb</a:t>
-            </a:r>
-            <a:endParaRPr lang="en-US" dirty="0">
-              <a:solidFill>
-                <a:prstClr val="white"/>
-              </a:solidFill>
-            </a:endParaRPr>
-          </a:p>
-          <a:p>
-            <a:pPr defTabSz="457200"/>
-            <a:r>
-              <a:rPr lang="en-US" dirty="0">
-                <a:solidFill>
-                  <a:prstClr val="white"/>
-                </a:solidFill>
-              </a:rPr>
-              <a:t>      </a:t>
-            </a:r>
-            <a:r>
-              <a:rPr lang="en-US" dirty="0" err="1">
-                <a:solidFill>
-                  <a:prstClr val="white"/>
-                </a:solidFill>
-              </a:rPr>
-              <a:t>msg</a:t>
-            </a:r>
-            <a:r>
-              <a:rPr lang="en-US" dirty="0">
-                <a:solidFill>
-                  <a:prstClr val="white"/>
-                </a:solidFill>
-              </a:rPr>
-              <a:t>: </a:t>
-            </a:r>
-            <a:r>
-              <a:rPr lang="en-US" sz="900" dirty="0">
-                <a:solidFill>
-                  <a:prstClr val="white"/>
-                </a:solidFill>
-              </a:rPr>
-              <a:t>"Unused ELB No Instances: {op}@{</a:t>
-            </a:r>
-            <a:r>
-              <a:rPr lang="en-US" sz="900" dirty="0" err="1">
-                <a:solidFill>
-                  <a:prstClr val="white"/>
-                </a:solidFill>
-              </a:rPr>
-              <a:t>action_date</a:t>
-            </a:r>
-            <a:r>
-              <a:rPr lang="en-US" sz="900" dirty="0">
-                <a:solidFill>
-                  <a:prstClr val="white"/>
-                </a:solidFill>
-              </a:rPr>
-              <a:t>}"</a:t>
-            </a:r>
-          </a:p>
-          <a:p>
-            <a:pPr defTabSz="457200"/>
-            <a:r>
-              <a:rPr lang="en-US" dirty="0">
-                <a:solidFill>
-                  <a:prstClr val="white"/>
-                </a:solidFill>
-              </a:rPr>
-              <a:t>      op: delete</a:t>
-            </a:r>
-          </a:p>
-          <a:p>
-            <a:pPr defTabSz="457200"/>
-            <a:r>
-              <a:rPr lang="en-US" dirty="0">
-                <a:solidFill>
-                  <a:prstClr val="white"/>
-                </a:solidFill>
-              </a:rPr>
-              <a:t>      days: 14</a:t>
-            </a:r>
-          </a:p>
-          <a:p>
-            <a:pPr defTabSz="457200"/>
-            <a:r>
-              <a:rPr lang="en-US" dirty="0">
-                <a:solidFill>
-                  <a:prstClr val="white"/>
-                </a:solidFill>
-              </a:rPr>
-              <a:t>    </a:t>
-            </a:r>
-            <a:endParaRPr lang="en-US" dirty="0">
-              <a:solidFill>
-                <a:prstClr val="black"/>
-              </a:solidFill>
-            </a:endParaRPr>
-          </a:p>
-        </p:txBody>
-      </p:sp>
-      <p:sp>
-        <p:nvSpPr>
-          <p:cNvPr id="8" name="TextBox 7"/>
-          <p:cNvSpPr txBox="1"/>
-          <p:nvPr/>
-        </p:nvSpPr>
-        <p:spPr>
-          <a:xfrm>
-            <a:off x="4061597" y="1515138"/>
-            <a:ext cx="3341642" cy="5062924"/>
-          </a:xfrm>
-          <a:prstGeom prst="rect">
-            <a:avLst/>
-          </a:prstGeom>
-          <a:solidFill>
-            <a:srgbClr val="374050">
-              <a:alpha val="70000"/>
-            </a:srgbClr>
-          </a:solidFill>
-        </p:spPr>
-        <p:txBody>
-          <a:bodyPr wrap="square" rtlCol="0">
-            <a:spAutoFit/>
-          </a:bodyPr>
-          <a:lstStyle/>
-          <a:p>
-            <a:pPr defTabSz="457200"/>
-            <a:r>
-              <a:rPr lang="en-US" sz="1400" dirty="0">
-                <a:solidFill>
-                  <a:prstClr val="white"/>
-                </a:solidFill>
-              </a:rPr>
-              <a:t>- name: </a:t>
-            </a:r>
-            <a:r>
-              <a:rPr lang="en-US" sz="1400" dirty="0" err="1">
-                <a:solidFill>
-                  <a:prstClr val="white"/>
-                </a:solidFill>
-              </a:rPr>
-              <a:t>rds</a:t>
-            </a:r>
-            <a:r>
-              <a:rPr lang="en-US" sz="1400" dirty="0">
-                <a:solidFill>
-                  <a:prstClr val="white"/>
-                </a:solidFill>
-              </a:rPr>
-              <a:t>-mark-unused</a:t>
-            </a:r>
-            <a:endParaRPr lang="en-US" sz="1400" dirty="0">
-              <a:solidFill>
-                <a:prstClr val="white"/>
-              </a:solidFill>
-            </a:endParaRPr>
-          </a:p>
-          <a:p>
-            <a:pPr defTabSz="457200"/>
-            <a:r>
-              <a:rPr lang="en-US" sz="1400" dirty="0">
-                <a:solidFill>
-                  <a:prstClr val="white"/>
-                </a:solidFill>
-              </a:rPr>
-              <a:t>  resource: </a:t>
-            </a:r>
-            <a:r>
-              <a:rPr lang="en-US" sz="1400" dirty="0" err="1">
-                <a:solidFill>
-                  <a:prstClr val="white"/>
-                </a:solidFill>
-              </a:rPr>
-              <a:t>rds</a:t>
-            </a:r>
-            <a:endParaRPr lang="en-US" sz="1400" dirty="0">
-              <a:solidFill>
-                <a:prstClr val="white"/>
-              </a:solidFill>
-            </a:endParaRPr>
-          </a:p>
-          <a:p>
-            <a:pPr defTabSz="457200"/>
-            <a:r>
-              <a:rPr lang="en-US" sz="1400" dirty="0">
-                <a:solidFill>
-                  <a:prstClr val="white"/>
-                </a:solidFill>
-              </a:rPr>
-              <a:t>  description: |</a:t>
-            </a:r>
-          </a:p>
-          <a:p>
-            <a:pPr defTabSz="457200"/>
-            <a:r>
-              <a:rPr lang="en-US" dirty="0">
-                <a:solidFill>
-                  <a:prstClr val="white"/>
-                </a:solidFill>
-              </a:rPr>
-              <a:t>    </a:t>
-            </a:r>
-            <a:r>
-              <a:rPr lang="en-US" sz="1100" dirty="0">
-                <a:solidFill>
-                  <a:prstClr val="white"/>
-                </a:solidFill>
-              </a:rPr>
-              <a:t>Take the average number of connections over 14</a:t>
-            </a:r>
-          </a:p>
-          <a:p>
-            <a:pPr defTabSz="457200"/>
-            <a:r>
-              <a:rPr lang="en-US" sz="1100" dirty="0">
-                <a:solidFill>
-                  <a:prstClr val="white"/>
-                </a:solidFill>
-              </a:rPr>
-              <a:t> </a:t>
-            </a:r>
-            <a:r>
-              <a:rPr lang="en-US" sz="1100" dirty="0">
-                <a:solidFill>
-                  <a:prstClr val="white"/>
-                </a:solidFill>
-              </a:rPr>
-              <a:t>      days and mark any unused for deletion</a:t>
-            </a:r>
-            <a:endParaRPr lang="en-US" sz="1100" dirty="0">
-              <a:solidFill>
-                <a:prstClr val="white"/>
-              </a:solidFill>
-            </a:endParaRPr>
-          </a:p>
-          <a:p>
-            <a:pPr defTabSz="457200"/>
-            <a:r>
-              <a:rPr lang="en-US" sz="1400" dirty="0">
-                <a:solidFill>
-                  <a:prstClr val="white"/>
-                </a:solidFill>
-              </a:rPr>
-              <a:t>  filters:</a:t>
-            </a:r>
-          </a:p>
-          <a:p>
-            <a:pPr defTabSz="457200"/>
-            <a:r>
-              <a:rPr lang="en-US" sz="1400" dirty="0">
-                <a:solidFill>
-                  <a:prstClr val="white"/>
-                </a:solidFill>
-              </a:rPr>
-              <a:t>    - "</a:t>
-            </a:r>
-            <a:r>
-              <a:rPr lang="en-US" sz="1400" dirty="0">
-                <a:solidFill>
-                  <a:prstClr val="white"/>
-                </a:solidFill>
-              </a:rPr>
-              <a:t>tag:c7n_rds_unused": </a:t>
-            </a:r>
-            <a:r>
-              <a:rPr lang="en-US" sz="1400" dirty="0">
-                <a:solidFill>
-                  <a:prstClr val="white"/>
-                </a:solidFill>
-              </a:rPr>
-              <a:t>absent</a:t>
-            </a:r>
-          </a:p>
-          <a:p>
-            <a:pPr defTabSz="457200"/>
-            <a:r>
-              <a:rPr lang="en-US" sz="1400" dirty="0">
-                <a:solidFill>
-                  <a:prstClr val="white"/>
-                </a:solidFill>
-              </a:rPr>
-              <a:t>    - </a:t>
-            </a:r>
-            <a:r>
-              <a:rPr lang="en-US" sz="1400" dirty="0">
-                <a:solidFill>
-                  <a:prstClr val="white"/>
-                </a:solidFill>
-              </a:rPr>
-              <a:t>type: value</a:t>
-            </a:r>
-          </a:p>
-          <a:p>
-            <a:pPr defTabSz="457200"/>
-            <a:r>
-              <a:rPr lang="en-US" sz="1400" dirty="0">
-                <a:solidFill>
-                  <a:prstClr val="white"/>
-                </a:solidFill>
-              </a:rPr>
-              <a:t> </a:t>
-            </a:r>
-            <a:r>
-              <a:rPr lang="en-US" sz="1400" dirty="0">
-                <a:solidFill>
-                  <a:prstClr val="white"/>
-                </a:solidFill>
-              </a:rPr>
-              <a:t>     </a:t>
-            </a:r>
-            <a:r>
-              <a:rPr lang="en-US" sz="1400" dirty="0" err="1">
-                <a:solidFill>
-                  <a:prstClr val="white"/>
-                </a:solidFill>
-              </a:rPr>
-              <a:t>value_type</a:t>
-            </a:r>
-            <a:r>
-              <a:rPr lang="en-US" sz="1400" dirty="0">
-                <a:solidFill>
-                  <a:prstClr val="white"/>
-                </a:solidFill>
-              </a:rPr>
-              <a:t>: age</a:t>
-            </a:r>
-          </a:p>
-          <a:p>
-            <a:pPr defTabSz="457200"/>
-            <a:r>
-              <a:rPr lang="en-US" sz="1400" dirty="0">
-                <a:solidFill>
-                  <a:prstClr val="white"/>
-                </a:solidFill>
-              </a:rPr>
-              <a:t> </a:t>
-            </a:r>
-            <a:r>
-              <a:rPr lang="en-US" sz="1400" dirty="0">
-                <a:solidFill>
-                  <a:prstClr val="white"/>
-                </a:solidFill>
-              </a:rPr>
-              <a:t>     key: </a:t>
-            </a:r>
-            <a:r>
-              <a:rPr lang="en-US" sz="1400" dirty="0" err="1">
-                <a:solidFill>
-                  <a:prstClr val="white"/>
-                </a:solidFill>
-              </a:rPr>
-              <a:t>InstanceCreateTime</a:t>
-            </a:r>
-            <a:endParaRPr lang="en-US" sz="1400" dirty="0">
-              <a:solidFill>
-                <a:prstClr val="white"/>
-              </a:solidFill>
-            </a:endParaRPr>
-          </a:p>
-          <a:p>
-            <a:pPr defTabSz="457200"/>
-            <a:r>
-              <a:rPr lang="en-US" sz="1400" dirty="0">
-                <a:solidFill>
-                  <a:prstClr val="white"/>
-                </a:solidFill>
-              </a:rPr>
-              <a:t> </a:t>
-            </a:r>
-            <a:r>
-              <a:rPr lang="en-US" sz="1400" dirty="0">
-                <a:solidFill>
-                  <a:prstClr val="white"/>
-                </a:solidFill>
-              </a:rPr>
-              <a:t>     value: 14</a:t>
-            </a:r>
-          </a:p>
-          <a:p>
-            <a:pPr defTabSz="457200"/>
-            <a:r>
-              <a:rPr lang="en-US" sz="1400" dirty="0">
-                <a:solidFill>
-                  <a:prstClr val="white"/>
-                </a:solidFill>
-              </a:rPr>
-              <a:t> </a:t>
-            </a:r>
-            <a:r>
-              <a:rPr lang="en-US" sz="1400" dirty="0">
-                <a:solidFill>
-                  <a:prstClr val="white"/>
-                </a:solidFill>
-              </a:rPr>
-              <a:t>     op: greater-than</a:t>
-            </a:r>
-          </a:p>
-          <a:p>
-            <a:pPr defTabSz="457200"/>
-            <a:r>
-              <a:rPr lang="en-US" sz="1400" dirty="0">
-                <a:solidFill>
-                  <a:prstClr val="white"/>
-                </a:solidFill>
-              </a:rPr>
-              <a:t> </a:t>
-            </a:r>
-            <a:r>
-              <a:rPr lang="en-US" sz="1400" dirty="0">
-                <a:solidFill>
-                  <a:prstClr val="white"/>
-                </a:solidFill>
-              </a:rPr>
-              <a:t>   - type: metrics</a:t>
-            </a:r>
-          </a:p>
-          <a:p>
-            <a:pPr defTabSz="457200"/>
-            <a:r>
-              <a:rPr lang="en-US" sz="1400" dirty="0">
-                <a:solidFill>
-                  <a:prstClr val="white"/>
-                </a:solidFill>
-              </a:rPr>
-              <a:t> </a:t>
-            </a:r>
-            <a:r>
-              <a:rPr lang="en-US" sz="1400" dirty="0">
-                <a:solidFill>
-                  <a:prstClr val="white"/>
-                </a:solidFill>
-              </a:rPr>
-              <a:t>     name: </a:t>
-            </a:r>
-            <a:r>
-              <a:rPr lang="en-US" sz="1400" dirty="0" err="1">
-                <a:solidFill>
-                  <a:prstClr val="white"/>
-                </a:solidFill>
-              </a:rPr>
-              <a:t>DatabaseConnections</a:t>
-            </a:r>
-            <a:endParaRPr lang="en-US" sz="1400" dirty="0">
-              <a:solidFill>
-                <a:prstClr val="white"/>
-              </a:solidFill>
-            </a:endParaRPr>
-          </a:p>
-          <a:p>
-            <a:pPr defTabSz="457200"/>
-            <a:r>
-              <a:rPr lang="en-US" sz="1400" dirty="0">
-                <a:solidFill>
-                  <a:prstClr val="white"/>
-                </a:solidFill>
-              </a:rPr>
-              <a:t> </a:t>
-            </a:r>
-            <a:r>
-              <a:rPr lang="en-US" sz="1400" dirty="0">
-                <a:solidFill>
-                  <a:prstClr val="white"/>
-                </a:solidFill>
-              </a:rPr>
-              <a:t>     days: 14</a:t>
-            </a:r>
-          </a:p>
-          <a:p>
-            <a:pPr defTabSz="457200"/>
-            <a:r>
-              <a:rPr lang="en-US" sz="1400" dirty="0">
-                <a:solidFill>
-                  <a:prstClr val="white"/>
-                </a:solidFill>
-              </a:rPr>
-              <a:t> </a:t>
-            </a:r>
-            <a:r>
-              <a:rPr lang="en-US" sz="1400" dirty="0">
-                <a:solidFill>
-                  <a:prstClr val="white"/>
-                </a:solidFill>
-              </a:rPr>
-              <a:t>     value: 0</a:t>
-            </a:r>
-          </a:p>
-          <a:p>
-            <a:pPr defTabSz="457200"/>
-            <a:r>
-              <a:rPr lang="en-US" sz="1400" dirty="0">
-                <a:solidFill>
-                  <a:prstClr val="white"/>
-                </a:solidFill>
-              </a:rPr>
-              <a:t> </a:t>
-            </a:r>
-            <a:r>
-              <a:rPr lang="en-US" sz="1400" dirty="0">
-                <a:solidFill>
-                  <a:prstClr val="white"/>
-                </a:solidFill>
-              </a:rPr>
-              <a:t>     op: equal</a:t>
-            </a:r>
-            <a:endParaRPr lang="en-US" sz="1400" dirty="0">
-              <a:solidFill>
-                <a:prstClr val="white"/>
-              </a:solidFill>
-            </a:endParaRPr>
-          </a:p>
-          <a:p>
-            <a:pPr defTabSz="457200"/>
-            <a:r>
-              <a:rPr lang="en-US" sz="1400" dirty="0">
-                <a:solidFill>
-                  <a:prstClr val="white"/>
-                </a:solidFill>
-              </a:rPr>
-              <a:t>  actions:</a:t>
-            </a:r>
-          </a:p>
-          <a:p>
-            <a:pPr defTabSz="457200"/>
-            <a:r>
-              <a:rPr lang="en-US" sz="1400" dirty="0">
-                <a:solidFill>
-                  <a:prstClr val="white"/>
-                </a:solidFill>
-              </a:rPr>
-              <a:t>    - type: </a:t>
-            </a:r>
-            <a:r>
-              <a:rPr lang="en-US" sz="1400" dirty="0">
-                <a:solidFill>
-                  <a:prstClr val="white"/>
-                </a:solidFill>
-              </a:rPr>
-              <a:t>mark-for-op</a:t>
-            </a:r>
-          </a:p>
-          <a:p>
-            <a:pPr defTabSz="457200"/>
-            <a:r>
-              <a:rPr lang="en-US" sz="1400" dirty="0">
-                <a:solidFill>
-                  <a:prstClr val="white"/>
-                </a:solidFill>
-              </a:rPr>
-              <a:t> </a:t>
-            </a:r>
-            <a:r>
-              <a:rPr lang="en-US" sz="1400" dirty="0">
-                <a:solidFill>
-                  <a:prstClr val="white"/>
-                </a:solidFill>
-              </a:rPr>
-              <a:t>     tag: c7n_rds_unused</a:t>
-            </a:r>
-            <a:endParaRPr lang="en-US" sz="1400" dirty="0">
-              <a:solidFill>
-                <a:prstClr val="white"/>
-              </a:solidFill>
-            </a:endParaRPr>
-          </a:p>
-          <a:p>
-            <a:pPr defTabSz="457200"/>
-            <a:r>
-              <a:rPr lang="en-US" sz="1400" dirty="0">
-                <a:solidFill>
-                  <a:prstClr val="white"/>
-                </a:solidFill>
-              </a:rPr>
-              <a:t>      op: delete</a:t>
-            </a:r>
-          </a:p>
-          <a:p>
-            <a:pPr defTabSz="457200"/>
-            <a:r>
-              <a:rPr lang="en-US" sz="1400" dirty="0">
-                <a:solidFill>
-                  <a:prstClr val="white"/>
-                </a:solidFill>
-              </a:rPr>
-              <a:t>      days: </a:t>
-            </a:r>
-            <a:r>
-              <a:rPr lang="en-US" sz="1400" dirty="0">
-                <a:solidFill>
-                  <a:prstClr val="white"/>
-                </a:solidFill>
-              </a:rPr>
-              <a:t>14</a:t>
-            </a:r>
-          </a:p>
-          <a:p>
-            <a:pPr defTabSz="457200"/>
-            <a:r>
-              <a:rPr lang="en-US" sz="1400" dirty="0">
-                <a:solidFill>
-                  <a:prstClr val="white"/>
-                </a:solidFill>
-              </a:rPr>
-              <a:t> </a:t>
-            </a:r>
-            <a:r>
-              <a:rPr lang="en-US" sz="1400" dirty="0">
-                <a:solidFill>
-                  <a:prstClr val="white"/>
-                </a:solidFill>
-              </a:rPr>
-              <a:t>   - </a:t>
-            </a:r>
-            <a:r>
-              <a:rPr lang="en-US" sz="1400" dirty="0" smtClean="0">
-                <a:solidFill>
-                  <a:prstClr val="white"/>
-                </a:solidFill>
-              </a:rPr>
-              <a:t>notify…..</a:t>
-            </a:r>
-            <a:endParaRPr lang="en-US" dirty="0">
-              <a:solidFill>
-                <a:prstClr val="white"/>
-              </a:solidFill>
-            </a:endParaRPr>
+              <a:rPr lang="en-US" sz="1600" dirty="0">
+                <a:solidFill>
+                  <a:prstClr val="white"/>
+                </a:solidFill>
+              </a:rPr>
+              <a:t>    - type: resize</a:t>
+            </a:r>
+          </a:p>
+          <a:p>
+            <a:pPr defTabSz="457200"/>
+            <a:r>
+              <a:rPr lang="en-US" sz="1600" dirty="0">
+                <a:solidFill>
+                  <a:prstClr val="white"/>
+                </a:solidFill>
+              </a:rPr>
+              <a:t>      restart: true</a:t>
+            </a:r>
+          </a:p>
+          <a:p>
+            <a:pPr defTabSz="457200"/>
+            <a:r>
+              <a:rPr lang="en-US" sz="1600" dirty="0">
+                <a:solidFill>
+                  <a:prstClr val="white"/>
+                </a:solidFill>
+              </a:rPr>
+              <a:t>      type-map:</a:t>
+            </a:r>
+          </a:p>
+          <a:p>
+            <a:pPr defTabSz="457200"/>
+            <a:r>
+              <a:rPr lang="en-US" sz="1600" dirty="0">
+                <a:solidFill>
+                  <a:prstClr val="white"/>
+                </a:solidFill>
+              </a:rPr>
+              <a:t>          m4.4xlarge: m4.2xlarge</a:t>
+            </a:r>
+          </a:p>
+          <a:p>
+            <a:pPr defTabSz="457200"/>
+            <a:r>
+              <a:rPr lang="en-US" sz="1600" dirty="0">
+                <a:solidFill>
+                  <a:prstClr val="white"/>
+                </a:solidFill>
+              </a:rPr>
+              <a:t>          m4.10xlarge: m4.4xlarge</a:t>
+            </a:r>
           </a:p>
         </p:txBody>
       </p:sp>
     </p:spTree>
     <p:extLst>
       <p:ext uri="{BB962C8B-B14F-4D97-AF65-F5344CB8AC3E}">
-        <p14:creationId xmlns:p14="http://schemas.microsoft.com/office/powerpoint/2010/main" val="897358777"/>
+        <p14:creationId xmlns:p14="http://schemas.microsoft.com/office/powerpoint/2010/main" val="2940595849"/>
       </p:ext>
     </p:extLst>
   </p:cSld>
@@ -10187,6 +9575,1207 @@
       </p:grpSpPr>
       <p:pic>
         <p:nvPicPr>
+          <p:cNvPr id="5" name="Picture 4"/>
+          <p:cNvPicPr>
+            <a:picLocks noChangeAspect="1"/>
+          </p:cNvPicPr>
+          <p:nvPr/>
+        </p:nvPicPr>
+        <p:blipFill rotWithShape="1">
+          <a:blip r:embed="rId3">
+            <a:extLst>
+              <a:ext uri="{28A0092B-C50C-407E-A947-70E740481C1C}">
+                <a14:useLocalDpi xmlns:a14="http://schemas.microsoft.com/office/drawing/2010/main" val="0"/>
+              </a:ext>
+            </a:extLst>
+          </a:blip>
+          <a:srcRect l="51348" t="-2083" r="-131" b="2083"/>
+          <a:stretch/>
+        </p:blipFill>
+        <p:spPr>
+          <a:xfrm>
+            <a:off x="8986365" y="670180"/>
+            <a:ext cx="3205635" cy="6187820"/>
+          </a:xfrm>
+          <a:prstGeom prst="rect">
+            <a:avLst/>
+          </a:prstGeom>
+          <a:effectLst>
+            <a:reflection stA="45000" endPos="0" dist="50800" dir="5400000" sy="-100000" algn="bl" rotWithShape="0"/>
+            <a:softEdge rad="0"/>
+          </a:effectLst>
+        </p:spPr>
+      </p:pic>
+      <p:sp>
+        <p:nvSpPr>
+          <p:cNvPr id="2" name="Title 1"/>
+          <p:cNvSpPr>
+            <a:spLocks noGrp="1"/>
+          </p:cNvSpPr>
+          <p:nvPr>
+            <p:ph type="title"/>
+          </p:nvPr>
+        </p:nvSpPr>
+        <p:spPr>
+          <a:xfrm>
+            <a:off x="638175" y="277610"/>
+            <a:ext cx="10791825" cy="1492132"/>
+          </a:xfrm>
+        </p:spPr>
+        <p:txBody>
+          <a:bodyPr/>
+          <a:lstStyle/>
+          <a:p>
+            <a:r>
+              <a:rPr lang="en-US" dirty="0">
+                <a:solidFill>
+                  <a:schemeClr val="bg1"/>
+                </a:solidFill>
+              </a:rPr>
+              <a:t>Cost savings - Garbage </a:t>
+            </a:r>
+            <a:r>
+              <a:rPr lang="en-US" dirty="0" smtClean="0">
+                <a:solidFill>
+                  <a:schemeClr val="bg1"/>
+                </a:solidFill>
+              </a:rPr>
+              <a:t>collection</a:t>
+            </a:r>
+            <a:endParaRPr lang="en-US" dirty="0">
+              <a:solidFill>
+                <a:schemeClr val="bg1"/>
+              </a:solidFill>
+            </a:endParaRPr>
+          </a:p>
+        </p:txBody>
+      </p:sp>
+      <p:sp>
+        <p:nvSpPr>
+          <p:cNvPr id="6" name="TextBox 5"/>
+          <p:cNvSpPr txBox="1"/>
+          <p:nvPr/>
+        </p:nvSpPr>
+        <p:spPr>
+          <a:xfrm>
+            <a:off x="376919" y="1127959"/>
+            <a:ext cx="3341642" cy="3816429"/>
+          </a:xfrm>
+          <a:prstGeom prst="rect">
+            <a:avLst/>
+          </a:prstGeom>
+          <a:solidFill>
+            <a:srgbClr val="374050">
+              <a:alpha val="70000"/>
+            </a:srgbClr>
+          </a:solidFill>
+        </p:spPr>
+        <p:txBody>
+          <a:bodyPr wrap="square" rtlCol="0">
+            <a:spAutoFit/>
+          </a:bodyPr>
+          <a:lstStyle/>
+          <a:p>
+            <a:pPr defTabSz="457200"/>
+            <a:r>
+              <a:rPr lang="en-US" dirty="0">
+                <a:solidFill>
+                  <a:prstClr val="white"/>
+                </a:solidFill>
+              </a:rPr>
+              <a:t>- </a:t>
+            </a:r>
+            <a:r>
+              <a:rPr lang="en-US" sz="1600" dirty="0">
+                <a:solidFill>
+                  <a:prstClr val="white"/>
+                </a:solidFill>
+              </a:rPr>
+              <a:t>name: </a:t>
+            </a:r>
+            <a:r>
+              <a:rPr lang="en-US" sz="1400" dirty="0" err="1" smtClean="0">
+                <a:solidFill>
+                  <a:prstClr val="white"/>
+                </a:solidFill>
+              </a:rPr>
+              <a:t>ebs</a:t>
+            </a:r>
+            <a:r>
+              <a:rPr lang="en-US" sz="1400" dirty="0" smtClean="0">
+                <a:solidFill>
+                  <a:prstClr val="white"/>
+                </a:solidFill>
+              </a:rPr>
+              <a:t>-mark-unattached-deletion</a:t>
+            </a:r>
+            <a:endParaRPr lang="en-US" sz="1400" dirty="0">
+              <a:solidFill>
+                <a:prstClr val="white"/>
+              </a:solidFill>
+            </a:endParaRPr>
+          </a:p>
+          <a:p>
+            <a:pPr defTabSz="457200"/>
+            <a:r>
+              <a:rPr lang="en-US" sz="1600" dirty="0">
+                <a:solidFill>
+                  <a:prstClr val="white"/>
+                </a:solidFill>
+              </a:rPr>
+              <a:t>  resource: </a:t>
+            </a:r>
+            <a:r>
+              <a:rPr lang="en-US" sz="1600" dirty="0" err="1">
+                <a:solidFill>
+                  <a:prstClr val="white"/>
+                </a:solidFill>
+              </a:rPr>
+              <a:t>ebs</a:t>
+            </a:r>
+            <a:endParaRPr lang="en-US" sz="1600" dirty="0">
+              <a:solidFill>
+                <a:prstClr val="white"/>
+              </a:solidFill>
+            </a:endParaRPr>
+          </a:p>
+          <a:p>
+            <a:pPr defTabSz="457200"/>
+            <a:r>
+              <a:rPr lang="en-US" sz="1600" dirty="0">
+                <a:solidFill>
+                  <a:prstClr val="white"/>
+                </a:solidFill>
+              </a:rPr>
+              <a:t>  description: |</a:t>
+            </a:r>
+          </a:p>
+          <a:p>
+            <a:pPr defTabSz="457200"/>
+            <a:r>
+              <a:rPr lang="en-US" dirty="0">
+                <a:solidFill>
+                  <a:prstClr val="white"/>
+                </a:solidFill>
+              </a:rPr>
+              <a:t>    </a:t>
+            </a:r>
+            <a:r>
+              <a:rPr lang="en-US" sz="1100" dirty="0">
+                <a:solidFill>
+                  <a:prstClr val="white"/>
+                </a:solidFill>
+              </a:rPr>
+              <a:t>Mark any unattached EBS volumes for deletion in</a:t>
+            </a:r>
+          </a:p>
+          <a:p>
+            <a:pPr defTabSz="457200"/>
+            <a:r>
+              <a:rPr lang="en-US" sz="1100" dirty="0">
+                <a:solidFill>
+                  <a:prstClr val="white"/>
+                </a:solidFill>
+              </a:rPr>
+              <a:t>      30 days.  This will clean up old unused orphaned</a:t>
+            </a:r>
+          </a:p>
+          <a:p>
+            <a:pPr defTabSz="457200"/>
+            <a:r>
+              <a:rPr lang="en-US" sz="1100" dirty="0">
+                <a:solidFill>
+                  <a:prstClr val="white"/>
+                </a:solidFill>
+              </a:rPr>
+              <a:t>      volumes that customers forget to delete.</a:t>
+            </a:r>
+          </a:p>
+          <a:p>
+            <a:pPr defTabSz="457200"/>
+            <a:r>
+              <a:rPr lang="en-US" sz="1600" dirty="0">
+                <a:solidFill>
+                  <a:prstClr val="white"/>
+                </a:solidFill>
+              </a:rPr>
+              <a:t>  filters:</a:t>
+            </a:r>
+          </a:p>
+          <a:p>
+            <a:pPr defTabSz="457200"/>
+            <a:r>
+              <a:rPr lang="en-US" sz="1600" dirty="0">
+                <a:solidFill>
+                  <a:prstClr val="white"/>
+                </a:solidFill>
+              </a:rPr>
+              <a:t>    - "</a:t>
+            </a:r>
+            <a:r>
+              <a:rPr lang="en-US" sz="1600" dirty="0" err="1">
+                <a:solidFill>
+                  <a:prstClr val="white"/>
+                </a:solidFill>
+              </a:rPr>
+              <a:t>tag:maid_status</a:t>
+            </a:r>
+            <a:r>
+              <a:rPr lang="en-US" sz="1600" dirty="0">
+                <a:solidFill>
+                  <a:prstClr val="white"/>
+                </a:solidFill>
+              </a:rPr>
+              <a:t>": absent</a:t>
+            </a:r>
+          </a:p>
+          <a:p>
+            <a:pPr defTabSz="457200"/>
+            <a:r>
+              <a:rPr lang="en-US" sz="1600" dirty="0">
+                <a:solidFill>
+                  <a:prstClr val="white"/>
+                </a:solidFill>
+              </a:rPr>
+              <a:t>    - State: available</a:t>
+            </a:r>
+          </a:p>
+          <a:p>
+            <a:pPr defTabSz="457200"/>
+            <a:r>
+              <a:rPr lang="en-US" sz="1600" dirty="0">
+                <a:solidFill>
+                  <a:prstClr val="white"/>
+                </a:solidFill>
+              </a:rPr>
+              <a:t>  actions:</a:t>
+            </a:r>
+          </a:p>
+          <a:p>
+            <a:pPr defTabSz="457200"/>
+            <a:r>
+              <a:rPr lang="en-US" sz="1600" dirty="0">
+                <a:solidFill>
+                  <a:prstClr val="white"/>
+                </a:solidFill>
+              </a:rPr>
+              <a:t>    - type: mark-for-op</a:t>
+            </a:r>
+          </a:p>
+          <a:p>
+            <a:pPr defTabSz="457200"/>
+            <a:r>
+              <a:rPr lang="en-US" sz="1600" dirty="0">
+                <a:solidFill>
+                  <a:prstClr val="white"/>
+                </a:solidFill>
+              </a:rPr>
+              <a:t>      op: delete</a:t>
+            </a:r>
+          </a:p>
+          <a:p>
+            <a:pPr defTabSz="457200"/>
+            <a:r>
+              <a:rPr lang="en-US" sz="1600" dirty="0">
+                <a:solidFill>
+                  <a:prstClr val="white"/>
+                </a:solidFill>
+              </a:rPr>
+              <a:t>      days: 30</a:t>
+            </a:r>
+          </a:p>
+          <a:p>
+            <a:pPr defTabSz="457200"/>
+            <a:endParaRPr lang="en-US" dirty="0">
+              <a:solidFill>
+                <a:prstClr val="white"/>
+              </a:solidFill>
+            </a:endParaRPr>
+          </a:p>
+          <a:p>
+            <a:pPr defTabSz="457200"/>
+            <a:endParaRPr lang="en-US" dirty="0">
+              <a:solidFill>
+                <a:prstClr val="white"/>
+              </a:solidFill>
+            </a:endParaRPr>
+          </a:p>
+        </p:txBody>
+      </p:sp>
+      <p:sp>
+        <p:nvSpPr>
+          <p:cNvPr id="7" name="TextBox 6"/>
+          <p:cNvSpPr txBox="1"/>
+          <p:nvPr/>
+        </p:nvSpPr>
+        <p:spPr>
+          <a:xfrm>
+            <a:off x="7746275" y="1127959"/>
+            <a:ext cx="3540034" cy="4139595"/>
+          </a:xfrm>
+          <a:prstGeom prst="rect">
+            <a:avLst/>
+          </a:prstGeom>
+          <a:solidFill>
+            <a:srgbClr val="384050">
+              <a:alpha val="70000"/>
+            </a:srgbClr>
+          </a:solidFill>
+        </p:spPr>
+        <p:txBody>
+          <a:bodyPr wrap="square" rtlCol="0">
+            <a:spAutoFit/>
+          </a:bodyPr>
+          <a:lstStyle/>
+          <a:p>
+            <a:pPr defTabSz="457200"/>
+            <a:r>
+              <a:rPr lang="en-US" dirty="0">
+                <a:solidFill>
+                  <a:prstClr val="white"/>
+                </a:solidFill>
+              </a:rPr>
+              <a:t>- name: </a:t>
+            </a:r>
+            <a:r>
+              <a:rPr lang="en-US" sz="1400" dirty="0" err="1" smtClean="0">
+                <a:solidFill>
+                  <a:prstClr val="white"/>
+                </a:solidFill>
+              </a:rPr>
+              <a:t>elb</a:t>
+            </a:r>
+            <a:r>
+              <a:rPr lang="en-US" sz="1400" dirty="0" smtClean="0">
+                <a:solidFill>
+                  <a:prstClr val="white"/>
+                </a:solidFill>
+              </a:rPr>
+              <a:t>-mark-unused-for-deletion</a:t>
+            </a:r>
+            <a:endParaRPr lang="en-US" sz="1400" dirty="0">
+              <a:solidFill>
+                <a:prstClr val="white"/>
+              </a:solidFill>
+            </a:endParaRPr>
+          </a:p>
+          <a:p>
+            <a:pPr defTabSz="457200"/>
+            <a:r>
+              <a:rPr lang="en-US" dirty="0">
+                <a:solidFill>
+                  <a:prstClr val="white"/>
+                </a:solidFill>
+              </a:rPr>
+              <a:t>  resource: </a:t>
+            </a:r>
+            <a:r>
+              <a:rPr lang="en-US" dirty="0" err="1">
+                <a:solidFill>
+                  <a:prstClr val="white"/>
+                </a:solidFill>
+              </a:rPr>
+              <a:t>elb</a:t>
+            </a:r>
+            <a:endParaRPr lang="en-US" dirty="0">
+              <a:solidFill>
+                <a:prstClr val="white"/>
+              </a:solidFill>
+            </a:endParaRPr>
+          </a:p>
+          <a:p>
+            <a:pPr defTabSz="457200"/>
+            <a:r>
+              <a:rPr lang="en-US" dirty="0">
+                <a:solidFill>
+                  <a:prstClr val="white"/>
+                </a:solidFill>
+              </a:rPr>
+              <a:t>  description: |</a:t>
+            </a:r>
+          </a:p>
+          <a:p>
+            <a:pPr defTabSz="457200"/>
+            <a:r>
+              <a:rPr lang="en-US" dirty="0">
+                <a:solidFill>
+                  <a:prstClr val="white"/>
+                </a:solidFill>
+              </a:rPr>
+              <a:t>    </a:t>
+            </a:r>
+            <a:r>
+              <a:rPr lang="en-US" sz="1100" dirty="0">
+                <a:solidFill>
+                  <a:prstClr val="white"/>
+                </a:solidFill>
+              </a:rPr>
+              <a:t>Mark any ELB with no instances attached for</a:t>
+            </a:r>
+          </a:p>
+          <a:p>
+            <a:pPr defTabSz="457200"/>
+            <a:r>
+              <a:rPr lang="en-US" sz="1100" dirty="0">
+                <a:solidFill>
+                  <a:prstClr val="white"/>
+                </a:solidFill>
+              </a:rPr>
+              <a:t>      deletion in 14 days.</a:t>
+            </a:r>
+          </a:p>
+          <a:p>
+            <a:pPr defTabSz="457200"/>
+            <a:r>
+              <a:rPr lang="en-US" dirty="0">
+                <a:solidFill>
+                  <a:prstClr val="white"/>
+                </a:solidFill>
+              </a:rPr>
+              <a:t>  filters:</a:t>
+            </a:r>
+          </a:p>
+          <a:p>
+            <a:pPr defTabSz="457200"/>
+            <a:r>
+              <a:rPr lang="en-US" dirty="0">
+                <a:solidFill>
+                  <a:prstClr val="white"/>
+                </a:solidFill>
+              </a:rPr>
+              <a:t>    - "</a:t>
+            </a:r>
+            <a:r>
+              <a:rPr lang="en-US" dirty="0" err="1">
+                <a:solidFill>
+                  <a:prstClr val="white"/>
+                </a:solidFill>
+              </a:rPr>
+              <a:t>tag:maid_status</a:t>
+            </a:r>
+            <a:r>
+              <a:rPr lang="en-US" dirty="0">
+                <a:solidFill>
+                  <a:prstClr val="white"/>
+                </a:solidFill>
+              </a:rPr>
+              <a:t>": absent</a:t>
+            </a:r>
+          </a:p>
+          <a:p>
+            <a:pPr defTabSz="457200"/>
+            <a:r>
+              <a:rPr lang="en-US" dirty="0">
+                <a:solidFill>
+                  <a:prstClr val="white"/>
+                </a:solidFill>
+              </a:rPr>
+              <a:t>    - Instances: []</a:t>
+            </a:r>
+          </a:p>
+          <a:p>
+            <a:pPr defTabSz="457200"/>
+            <a:r>
+              <a:rPr lang="en-US" dirty="0">
+                <a:solidFill>
+                  <a:prstClr val="white"/>
+                </a:solidFill>
+              </a:rPr>
+              <a:t>  actions:</a:t>
+            </a:r>
+          </a:p>
+          <a:p>
+            <a:pPr defTabSz="457200"/>
+            <a:r>
+              <a:rPr lang="en-US" dirty="0">
+                <a:solidFill>
+                  <a:prstClr val="white"/>
+                </a:solidFill>
+              </a:rPr>
+              <a:t>    - type: mark-for-op</a:t>
+            </a:r>
+          </a:p>
+          <a:p>
+            <a:pPr defTabSz="457200"/>
+            <a:r>
+              <a:rPr lang="en-US" dirty="0">
+                <a:solidFill>
+                  <a:prstClr val="white"/>
+                </a:solidFill>
+              </a:rPr>
+              <a:t>      tag: c7n_unused_elb</a:t>
+            </a:r>
+          </a:p>
+          <a:p>
+            <a:pPr defTabSz="457200"/>
+            <a:r>
+              <a:rPr lang="en-US" dirty="0">
+                <a:solidFill>
+                  <a:prstClr val="white"/>
+                </a:solidFill>
+              </a:rPr>
+              <a:t>      </a:t>
+            </a:r>
+            <a:r>
+              <a:rPr lang="en-US" dirty="0" err="1">
+                <a:solidFill>
+                  <a:prstClr val="white"/>
+                </a:solidFill>
+              </a:rPr>
+              <a:t>msg</a:t>
+            </a:r>
+            <a:r>
+              <a:rPr lang="en-US" dirty="0">
+                <a:solidFill>
+                  <a:prstClr val="white"/>
+                </a:solidFill>
+              </a:rPr>
+              <a:t>: </a:t>
+            </a:r>
+            <a:r>
+              <a:rPr lang="en-US" sz="900" dirty="0">
+                <a:solidFill>
+                  <a:prstClr val="white"/>
+                </a:solidFill>
+              </a:rPr>
+              <a:t>"Unused ELB No Instances: {op}@{</a:t>
+            </a:r>
+            <a:r>
+              <a:rPr lang="en-US" sz="900" dirty="0" err="1">
+                <a:solidFill>
+                  <a:prstClr val="white"/>
+                </a:solidFill>
+              </a:rPr>
+              <a:t>action_date</a:t>
+            </a:r>
+            <a:r>
+              <a:rPr lang="en-US" sz="900" dirty="0">
+                <a:solidFill>
+                  <a:prstClr val="white"/>
+                </a:solidFill>
+              </a:rPr>
+              <a:t>}"</a:t>
+            </a:r>
+          </a:p>
+          <a:p>
+            <a:pPr defTabSz="457200"/>
+            <a:r>
+              <a:rPr lang="en-US" dirty="0">
+                <a:solidFill>
+                  <a:prstClr val="white"/>
+                </a:solidFill>
+              </a:rPr>
+              <a:t>      op: delete</a:t>
+            </a:r>
+          </a:p>
+          <a:p>
+            <a:pPr defTabSz="457200"/>
+            <a:r>
+              <a:rPr lang="en-US" dirty="0">
+                <a:solidFill>
+                  <a:prstClr val="white"/>
+                </a:solidFill>
+              </a:rPr>
+              <a:t>      days: 14</a:t>
+            </a:r>
+          </a:p>
+          <a:p>
+            <a:pPr defTabSz="457200"/>
+            <a:r>
+              <a:rPr lang="en-US" dirty="0">
+                <a:solidFill>
+                  <a:prstClr val="white"/>
+                </a:solidFill>
+              </a:rPr>
+              <a:t>    </a:t>
+            </a:r>
+            <a:endParaRPr lang="en-US" dirty="0">
+              <a:solidFill>
+                <a:prstClr val="black"/>
+              </a:solidFill>
+            </a:endParaRPr>
+          </a:p>
+        </p:txBody>
+      </p:sp>
+      <p:sp>
+        <p:nvSpPr>
+          <p:cNvPr id="8" name="TextBox 7"/>
+          <p:cNvSpPr txBox="1"/>
+          <p:nvPr/>
+        </p:nvSpPr>
+        <p:spPr>
+          <a:xfrm>
+            <a:off x="4061597" y="1127959"/>
+            <a:ext cx="3341642" cy="5509200"/>
+          </a:xfrm>
+          <a:prstGeom prst="rect">
+            <a:avLst/>
+          </a:prstGeom>
+          <a:solidFill>
+            <a:srgbClr val="374050">
+              <a:alpha val="70000"/>
+            </a:srgbClr>
+          </a:solidFill>
+        </p:spPr>
+        <p:txBody>
+          <a:bodyPr wrap="square" rtlCol="0">
+            <a:spAutoFit/>
+          </a:bodyPr>
+          <a:lstStyle/>
+          <a:p>
+            <a:pPr defTabSz="457200"/>
+            <a:r>
+              <a:rPr lang="en-US" sz="1400" dirty="0">
+                <a:solidFill>
+                  <a:prstClr val="white"/>
+                </a:solidFill>
+              </a:rPr>
+              <a:t>- name: </a:t>
+            </a:r>
+            <a:r>
+              <a:rPr lang="en-US" sz="1400" dirty="0" err="1">
+                <a:solidFill>
+                  <a:prstClr val="white"/>
+                </a:solidFill>
+              </a:rPr>
+              <a:t>rds</a:t>
+            </a:r>
+            <a:r>
+              <a:rPr lang="en-US" sz="1400" dirty="0">
+                <a:solidFill>
+                  <a:prstClr val="white"/>
+                </a:solidFill>
+              </a:rPr>
+              <a:t>-mark-unused</a:t>
+            </a:r>
+          </a:p>
+          <a:p>
+            <a:pPr defTabSz="457200"/>
+            <a:r>
+              <a:rPr lang="en-US" sz="1400" dirty="0">
+                <a:solidFill>
+                  <a:prstClr val="white"/>
+                </a:solidFill>
+              </a:rPr>
+              <a:t>  resource: </a:t>
+            </a:r>
+            <a:r>
+              <a:rPr lang="en-US" sz="1400" dirty="0" err="1">
+                <a:solidFill>
+                  <a:prstClr val="white"/>
+                </a:solidFill>
+              </a:rPr>
+              <a:t>rds</a:t>
+            </a:r>
+            <a:endParaRPr lang="en-US" sz="1400" dirty="0">
+              <a:solidFill>
+                <a:prstClr val="white"/>
+              </a:solidFill>
+            </a:endParaRPr>
+          </a:p>
+          <a:p>
+            <a:pPr defTabSz="457200"/>
+            <a:r>
+              <a:rPr lang="en-US" sz="1400" dirty="0">
+                <a:solidFill>
+                  <a:prstClr val="white"/>
+                </a:solidFill>
+              </a:rPr>
+              <a:t>  description: |</a:t>
+            </a:r>
+          </a:p>
+          <a:p>
+            <a:pPr defTabSz="457200"/>
+            <a:r>
+              <a:rPr lang="en-US" dirty="0">
+                <a:solidFill>
+                  <a:prstClr val="white"/>
+                </a:solidFill>
+              </a:rPr>
+              <a:t>    </a:t>
+            </a:r>
+            <a:r>
+              <a:rPr lang="en-US" sz="1100" dirty="0">
+                <a:solidFill>
+                  <a:prstClr val="white"/>
+                </a:solidFill>
+              </a:rPr>
+              <a:t>Take the average number of connections </a:t>
+            </a:r>
+            <a:r>
+              <a:rPr lang="en-US" sz="1100" dirty="0" smtClean="0">
+                <a:solidFill>
+                  <a:prstClr val="white"/>
+                </a:solidFill>
+              </a:rPr>
+              <a:t>over</a:t>
+            </a:r>
+          </a:p>
+          <a:p>
+            <a:pPr defTabSz="457200"/>
+            <a:r>
+              <a:rPr lang="en-US" sz="1100" dirty="0">
+                <a:solidFill>
+                  <a:prstClr val="white"/>
+                </a:solidFill>
+              </a:rPr>
+              <a:t> </a:t>
+            </a:r>
+            <a:r>
+              <a:rPr lang="en-US" sz="1100" dirty="0" smtClean="0">
+                <a:solidFill>
+                  <a:prstClr val="white"/>
+                </a:solidFill>
+              </a:rPr>
+              <a:t>    </a:t>
+            </a:r>
+            <a:r>
+              <a:rPr lang="en-US" sz="1100" dirty="0" smtClean="0">
+                <a:solidFill>
+                  <a:prstClr val="white"/>
+                </a:solidFill>
+              </a:rPr>
+              <a:t> 14 </a:t>
+            </a:r>
+            <a:r>
+              <a:rPr lang="en-US" sz="1100" dirty="0">
+                <a:solidFill>
+                  <a:prstClr val="white"/>
+                </a:solidFill>
+              </a:rPr>
+              <a:t>days and mark any unused for deletion</a:t>
+            </a:r>
+          </a:p>
+          <a:p>
+            <a:pPr defTabSz="457200"/>
+            <a:r>
+              <a:rPr lang="en-US" sz="1400" dirty="0">
+                <a:solidFill>
+                  <a:prstClr val="white"/>
+                </a:solidFill>
+              </a:rPr>
+              <a:t>  filters:</a:t>
+            </a:r>
+          </a:p>
+          <a:p>
+            <a:pPr defTabSz="457200"/>
+            <a:r>
+              <a:rPr lang="en-US" sz="1400" dirty="0">
+                <a:solidFill>
+                  <a:prstClr val="white"/>
+                </a:solidFill>
+              </a:rPr>
+              <a:t>    - "tag:c7n_rds_unused": absent</a:t>
+            </a:r>
+          </a:p>
+          <a:p>
+            <a:pPr defTabSz="457200"/>
+            <a:r>
+              <a:rPr lang="en-US" sz="1400" dirty="0">
+                <a:solidFill>
+                  <a:prstClr val="white"/>
+                </a:solidFill>
+              </a:rPr>
+              <a:t>    - type: value</a:t>
+            </a:r>
+          </a:p>
+          <a:p>
+            <a:pPr defTabSz="457200"/>
+            <a:r>
+              <a:rPr lang="en-US" sz="1400" dirty="0">
+                <a:solidFill>
+                  <a:prstClr val="white"/>
+                </a:solidFill>
+              </a:rPr>
+              <a:t>      </a:t>
+            </a:r>
+            <a:r>
+              <a:rPr lang="en-US" sz="1400" dirty="0" err="1">
+                <a:solidFill>
+                  <a:prstClr val="white"/>
+                </a:solidFill>
+              </a:rPr>
+              <a:t>value_type</a:t>
+            </a:r>
+            <a:r>
+              <a:rPr lang="en-US" sz="1400" dirty="0">
+                <a:solidFill>
+                  <a:prstClr val="white"/>
+                </a:solidFill>
+              </a:rPr>
+              <a:t>: age</a:t>
+            </a:r>
+          </a:p>
+          <a:p>
+            <a:pPr defTabSz="457200"/>
+            <a:r>
+              <a:rPr lang="en-US" sz="1400" dirty="0">
+                <a:solidFill>
+                  <a:prstClr val="white"/>
+                </a:solidFill>
+              </a:rPr>
+              <a:t>      key: </a:t>
+            </a:r>
+            <a:r>
+              <a:rPr lang="en-US" sz="1400" dirty="0" err="1">
+                <a:solidFill>
+                  <a:prstClr val="white"/>
+                </a:solidFill>
+              </a:rPr>
+              <a:t>InstanceCreateTime</a:t>
+            </a:r>
+            <a:endParaRPr lang="en-US" sz="1400" dirty="0">
+              <a:solidFill>
+                <a:prstClr val="white"/>
+              </a:solidFill>
+            </a:endParaRPr>
+          </a:p>
+          <a:p>
+            <a:pPr defTabSz="457200"/>
+            <a:r>
+              <a:rPr lang="en-US" sz="1400" dirty="0">
+                <a:solidFill>
+                  <a:prstClr val="white"/>
+                </a:solidFill>
+              </a:rPr>
+              <a:t>      value: 14</a:t>
+            </a:r>
+          </a:p>
+          <a:p>
+            <a:pPr defTabSz="457200"/>
+            <a:r>
+              <a:rPr lang="en-US" sz="1400" dirty="0">
+                <a:solidFill>
+                  <a:prstClr val="white"/>
+                </a:solidFill>
+              </a:rPr>
+              <a:t>      op: greater-than</a:t>
+            </a:r>
+          </a:p>
+          <a:p>
+            <a:pPr defTabSz="457200"/>
+            <a:r>
+              <a:rPr lang="en-US" sz="1400" dirty="0">
+                <a:solidFill>
+                  <a:prstClr val="white"/>
+                </a:solidFill>
+              </a:rPr>
+              <a:t>    - type: metrics</a:t>
+            </a:r>
+          </a:p>
+          <a:p>
+            <a:pPr defTabSz="457200"/>
+            <a:r>
+              <a:rPr lang="en-US" sz="1400" dirty="0">
+                <a:solidFill>
+                  <a:prstClr val="white"/>
+                </a:solidFill>
+              </a:rPr>
+              <a:t>      name: </a:t>
+            </a:r>
+            <a:r>
+              <a:rPr lang="en-US" sz="1400" dirty="0" err="1">
+                <a:solidFill>
+                  <a:prstClr val="white"/>
+                </a:solidFill>
+              </a:rPr>
+              <a:t>DatabaseConnections</a:t>
+            </a:r>
+            <a:endParaRPr lang="en-US" sz="1400" dirty="0">
+              <a:solidFill>
+                <a:prstClr val="white"/>
+              </a:solidFill>
+            </a:endParaRPr>
+          </a:p>
+          <a:p>
+            <a:pPr defTabSz="457200"/>
+            <a:r>
+              <a:rPr lang="en-US" sz="1400" dirty="0">
+                <a:solidFill>
+                  <a:prstClr val="white"/>
+                </a:solidFill>
+              </a:rPr>
+              <a:t>      days: 14</a:t>
+            </a:r>
+          </a:p>
+          <a:p>
+            <a:pPr defTabSz="457200"/>
+            <a:r>
+              <a:rPr lang="en-US" sz="1400" dirty="0">
+                <a:solidFill>
+                  <a:prstClr val="white"/>
+                </a:solidFill>
+              </a:rPr>
+              <a:t>      value: 0</a:t>
+            </a:r>
+          </a:p>
+          <a:p>
+            <a:pPr defTabSz="457200"/>
+            <a:r>
+              <a:rPr lang="en-US" sz="1400" dirty="0">
+                <a:solidFill>
+                  <a:prstClr val="white"/>
+                </a:solidFill>
+              </a:rPr>
+              <a:t>      op: equal</a:t>
+            </a:r>
+          </a:p>
+          <a:p>
+            <a:pPr defTabSz="457200"/>
+            <a:r>
+              <a:rPr lang="en-US" sz="1400" dirty="0">
+                <a:solidFill>
+                  <a:prstClr val="white"/>
+                </a:solidFill>
+              </a:rPr>
+              <a:t>  actions:</a:t>
+            </a:r>
+          </a:p>
+          <a:p>
+            <a:pPr defTabSz="457200"/>
+            <a:r>
+              <a:rPr lang="en-US" sz="1400" dirty="0">
+                <a:solidFill>
+                  <a:prstClr val="white"/>
+                </a:solidFill>
+              </a:rPr>
+              <a:t>    - type: mark-for-op</a:t>
+            </a:r>
+          </a:p>
+          <a:p>
+            <a:pPr defTabSz="457200"/>
+            <a:r>
+              <a:rPr lang="en-US" sz="1400" dirty="0">
+                <a:solidFill>
+                  <a:prstClr val="white"/>
+                </a:solidFill>
+              </a:rPr>
+              <a:t>      tag: c7n_rds_unused</a:t>
+            </a:r>
+          </a:p>
+          <a:p>
+            <a:pPr defTabSz="457200"/>
+            <a:r>
+              <a:rPr lang="en-US" sz="1400" dirty="0">
+                <a:solidFill>
+                  <a:prstClr val="white"/>
+                </a:solidFill>
+              </a:rPr>
+              <a:t>      op: delete</a:t>
+            </a:r>
+          </a:p>
+          <a:p>
+            <a:pPr defTabSz="457200"/>
+            <a:r>
+              <a:rPr lang="en-US" sz="1400" dirty="0">
+                <a:solidFill>
+                  <a:prstClr val="white"/>
+                </a:solidFill>
+              </a:rPr>
+              <a:t>      days: 14</a:t>
+            </a:r>
+          </a:p>
+          <a:p>
+            <a:pPr defTabSz="457200"/>
+            <a:r>
+              <a:rPr lang="en-US" sz="1400" dirty="0">
+                <a:solidFill>
+                  <a:prstClr val="white"/>
+                </a:solidFill>
+              </a:rPr>
+              <a:t>    - </a:t>
+            </a:r>
+            <a:r>
+              <a:rPr lang="en-US" sz="1400" dirty="0" smtClean="0">
+                <a:solidFill>
+                  <a:prstClr val="white"/>
+                </a:solidFill>
+              </a:rPr>
+              <a:t>notify</a:t>
+            </a:r>
+            <a:r>
+              <a:rPr lang="en-US" sz="1400" dirty="0" smtClean="0">
+                <a:solidFill>
+                  <a:prstClr val="white"/>
+                </a:solidFill>
+              </a:rPr>
+              <a:t>…..</a:t>
+            </a:r>
+          </a:p>
+          <a:p>
+            <a:pPr defTabSz="457200"/>
+            <a:endParaRPr lang="en-US" dirty="0">
+              <a:solidFill>
+                <a:prstClr val="white"/>
+              </a:solidFill>
+            </a:endParaRPr>
+          </a:p>
+        </p:txBody>
+      </p:sp>
+    </p:spTree>
+    <p:extLst>
+      <p:ext uri="{BB962C8B-B14F-4D97-AF65-F5344CB8AC3E}">
+        <p14:creationId xmlns:p14="http://schemas.microsoft.com/office/powerpoint/2010/main" val="897358777"/>
+      </p:ext>
+    </p:extLst>
+  </p:cSld>
+  <p:clrMapOvr>
+    <a:masterClrMapping/>
+  </p:clrMapOvr>
+  <p:timing>
+    <p:tnLst>
+      <p:par>
+        <p:cTn id="1" dur="indefinite" restart="never" nodeType="tmRoot">
+          <p:childTnLst>
+            <p:seq concurrent="1" nextAc="seek">
+              <p:cTn id="2" dur="indefinite" nodeType="mainSeq">
+                <p:childTnLst>
+                  <p:par>
+                    <p:cTn id="3" fill="hold">
+                      <p:stCondLst>
+                        <p:cond delay="indefinite"/>
+                        <p:cond evt="onBegin" delay="0">
+                          <p:tn val="2"/>
+                        </p:cond>
+                      </p:stCondLst>
+                      <p:childTnLst>
+                        <p:par>
+                          <p:cTn id="4" fill="hold">
+                            <p:stCondLst>
+                              <p:cond delay="0"/>
+                            </p:stCondLst>
+                            <p:childTnLst>
+                              <p:par>
+                                <p:cTn id="5" presetID="42" presetClass="entr" presetSubtype="0" fill="hold" nodeType="afterEffect">
+                                  <p:stCondLst>
+                                    <p:cond delay="1000"/>
+                                  </p:stCondLst>
+                                  <p:childTnLst>
+                                    <p:set>
+                                      <p:cBhvr>
+                                        <p:cTn id="6" dur="1" fill="hold">
+                                          <p:stCondLst>
+                                            <p:cond delay="0"/>
+                                          </p:stCondLst>
+                                        </p:cTn>
+                                        <p:tgtEl>
+                                          <p:spTgt spid="5"/>
+                                        </p:tgtEl>
+                                        <p:attrNameLst>
+                                          <p:attrName>style.visibility</p:attrName>
+                                        </p:attrNameLst>
+                                      </p:cBhvr>
+                                      <p:to>
+                                        <p:strVal val="visible"/>
+                                      </p:to>
+                                    </p:set>
+                                    <p:animEffect transition="in" filter="fade">
+                                      <p:cBhvr>
+                                        <p:cTn id="7" dur="1000"/>
+                                        <p:tgtEl>
+                                          <p:spTgt spid="5"/>
+                                        </p:tgtEl>
+                                      </p:cBhvr>
+                                    </p:animEffect>
+                                    <p:anim calcmode="lin" valueType="num">
+                                      <p:cBhvr>
+                                        <p:cTn id="8" dur="1000" fill="hold"/>
+                                        <p:tgtEl>
+                                          <p:spTgt spid="5"/>
+                                        </p:tgtEl>
+                                        <p:attrNameLst>
+                                          <p:attrName>ppt_x</p:attrName>
+                                        </p:attrNameLst>
+                                      </p:cBhvr>
+                                      <p:tavLst>
+                                        <p:tav tm="0">
+                                          <p:val>
+                                            <p:strVal val="#ppt_x"/>
+                                          </p:val>
+                                        </p:tav>
+                                        <p:tav tm="100000">
+                                          <p:val>
+                                            <p:strVal val="#ppt_x"/>
+                                          </p:val>
+                                        </p:tav>
+                                      </p:tavLst>
+                                    </p:anim>
+                                    <p:anim calcmode="lin" valueType="num">
+                                      <p:cBhvr>
+                                        <p:cTn id="9" dur="1000" fill="hold"/>
+                                        <p:tgtEl>
+                                          <p:spTgt spid="5"/>
+                                        </p:tgtEl>
+                                        <p:attrNameLst>
+                                          <p:attrName>ppt_y</p:attrName>
+                                        </p:attrNameLst>
+                                      </p:cBhvr>
+                                      <p:tavLst>
+                                        <p:tav tm="0">
+                                          <p:val>
+                                            <p:strVal val="#ppt_y+.1"/>
+                                          </p:val>
+                                        </p:tav>
+                                        <p:tav tm="100000">
+                                          <p:val>
+                                            <p:strVal val="#ppt_y"/>
+                                          </p:val>
+                                        </p:tav>
+                                      </p:tavLst>
+                                    </p:anim>
+                                  </p:childTnLst>
+                                </p:cTn>
+                              </p:par>
+                            </p:childTnLst>
+                          </p:cTn>
+                        </p:par>
+                      </p:childTnLst>
+                    </p:cTn>
+                  </p:par>
+                </p:childTnLst>
+              </p:cTn>
+              <p:prevCondLst>
+                <p:cond evt="onPrev" delay="0">
+                  <p:tgtEl>
+                    <p:sldTgt/>
+                  </p:tgtEl>
+                </p:cond>
+              </p:prevCondLst>
+              <p:nextCondLst>
+                <p:cond evt="onNext" delay="0">
+                  <p:tgtEl>
+                    <p:sldTgt/>
+                  </p:tgtEl>
+                </p:cond>
+              </p:nextCondLst>
+            </p:seq>
+          </p:childTnLst>
+        </p:cTn>
+      </p:par>
+    </p:tnLst>
+  </p:timing>
+</p:sld>
+</file>
+
+<file path=ppt/slides/slide12.xml><?xml version="1.0" encoding="utf-8"?>
+<p:sld xmlns:a="http://schemas.openxmlformats.org/drawingml/2006/main" xmlns:r="http://schemas.openxmlformats.org/officeDocument/2006/relationships" xmlns:p="http://schemas.openxmlformats.org/presentationml/2006/main" showMasterSp="0">
+  <p:cSld>
+    <p:spTree>
+      <p:nvGrpSpPr>
+        <p:cNvPr id="1" name=""/>
+        <p:cNvGrpSpPr/>
+        <p:nvPr/>
+      </p:nvGrpSpPr>
+      <p:grpSpPr>
+        <a:xfrm>
+          <a:off x="0" y="0"/>
+          <a:ext cx="0" cy="0"/>
+          <a:chOff x="0" y="0"/>
+          <a:chExt cx="0" cy="0"/>
+        </a:xfrm>
+      </p:grpSpPr>
+      <p:pic>
+        <p:nvPicPr>
           <p:cNvPr id="9" name="Picture 8"/>
           <p:cNvPicPr>
             <a:picLocks noChangeAspect="1"/>
@@ -10264,8 +10853,8 @@
         </p:nvSpPr>
         <p:spPr>
           <a:xfrm>
-            <a:off x="1129119" y="1128451"/>
-            <a:ext cx="4441372" cy="5524589"/>
+            <a:off x="1129118" y="989709"/>
+            <a:ext cx="4604417" cy="5801588"/>
           </a:xfrm>
           <a:prstGeom prst="rect">
             <a:avLst/>
@@ -10313,15 +10902,18 @@
                   <a:prstClr val="white"/>
                 </a:solidFill>
               </a:rPr>
-              <a:t>  resource: </a:t>
-            </a:r>
+              <a:t>  resource: s3</a:t>
+            </a:r>
+          </a:p>
+          <a:p>
+            <a:pPr defTabSz="457200"/>
             <a:r>
               <a:rPr lang="en-US" dirty="0">
                 <a:solidFill>
                   <a:prstClr val="white"/>
                 </a:solidFill>
               </a:rPr>
-              <a:t>s3</a:t>
+              <a:t>  description: |</a:t>
             </a:r>
           </a:p>
           <a:p>
@@ -10332,34 +10924,7 @@
                   <a:prstClr val="white"/>
                 </a:solidFill>
               </a:rPr>
-              <a:t> </a:t>
-            </a:r>
-            <a:r>
-              <a:rPr lang="en-US" dirty="0">
-                <a:solidFill>
-                  <a:prstClr val="white"/>
-                </a:solidFill>
-              </a:rPr>
-              <a:t> description: |</a:t>
-            </a:r>
-          </a:p>
-          <a:p>
-            <a:pPr defTabSz="457200"/>
-            <a:r>
-              <a:rPr lang="en-US" dirty="0">
-                <a:solidFill>
-                  <a:prstClr val="white"/>
-                </a:solidFill>
-              </a:rPr>
-              <a:t> </a:t>
-            </a:r>
-            <a:r>
-              <a:rPr lang="en-US" dirty="0">
-                <a:solidFill>
-                  <a:prstClr val="white"/>
-                </a:solidFill>
-              </a:rPr>
-              <a:t>    </a:t>
+              <a:t>     </a:t>
             </a:r>
             <a:r>
               <a:rPr lang="en-US" sz="1100" dirty="0">
@@ -10378,15 +10943,7 @@
                   <a:prstClr val="white"/>
                 </a:solidFill>
               </a:rPr>
-              <a:t> </a:t>
-            </a:r>
-            <a:r>
-              <a:rPr lang="en-US" sz="1100" dirty="0">
-                <a:solidFill>
-                  <a:prstClr val="white"/>
-                </a:solidFill>
-              </a:rPr>
-              <a:t>       to newly created S3 buckets which will encrypt all uploaded objects</a:t>
+              <a:t>        to newly created S3 buckets which will encrypt all uploaded objects</a:t>
             </a:r>
             <a:endParaRPr lang="en-US" dirty="0">
               <a:solidFill>
@@ -10601,13 +11158,16 @@
               <a:t>   - </a:t>
             </a:r>
             <a:r>
-              <a:rPr lang="en-US" dirty="0">
+              <a:rPr lang="en-US" dirty="0" smtClean="0">
                 <a:solidFill>
                   <a:prstClr val="white"/>
                 </a:solidFill>
               </a:rPr>
               <a:t>attach-encrypt</a:t>
             </a:r>
+          </a:p>
+          <a:p>
+            <a:pPr defTabSz="457200"/>
             <a:endParaRPr lang="en-US" dirty="0">
               <a:solidFill>
                 <a:prstClr val="white"/>
@@ -10624,7 +11184,7 @@
         </p:nvSpPr>
         <p:spPr>
           <a:xfrm>
-            <a:off x="5969726" y="1128451"/>
+            <a:off x="5977964" y="989709"/>
             <a:ext cx="4856934" cy="5355312"/>
           </a:xfrm>
           <a:prstGeom prst="rect">
@@ -10649,7 +11209,15 @@
                   <a:prstClr val="white"/>
                 </a:solidFill>
               </a:rPr>
-              <a:t>- name: </a:t>
+              <a:t>- name: encrypt-unencrypted-</a:t>
+            </a:r>
+            <a:r>
+              <a:rPr lang="en-US" dirty="0" err="1">
+                <a:solidFill>
+                  <a:prstClr val="white"/>
+                </a:solidFill>
+              </a:rPr>
+              <a:t>ebs</a:t>
             </a:r>
             <a:r>
               <a:rPr lang="en-US" dirty="0">
@@ -10657,7 +11225,34 @@
                   <a:prstClr val="white"/>
                 </a:solidFill>
               </a:rPr>
-              <a:t>encrypt-unencrypted-</a:t>
+              <a:t>-volumes</a:t>
+            </a:r>
+          </a:p>
+          <a:p>
+            <a:pPr defTabSz="457200"/>
+            <a:r>
+              <a:rPr lang="en-US" dirty="0">
+                <a:solidFill>
+                  <a:prstClr val="white"/>
+                </a:solidFill>
+              </a:rPr>
+              <a:t>  </a:t>
+            </a:r>
+            <a:r>
+              <a:rPr lang="en-US" dirty="0" smtClean="0">
+                <a:solidFill>
+                  <a:prstClr val="white"/>
+                </a:solidFill>
+              </a:rPr>
+              <a:t>resource</a:t>
+            </a:r>
+            <a:r>
+              <a:rPr lang="en-US" dirty="0">
+                <a:solidFill>
+                  <a:prstClr val="white"/>
+                </a:solidFill>
+              </a:rPr>
+              <a:t>: </a:t>
             </a:r>
             <a:r>
               <a:rPr lang="en-US" dirty="0" err="1">
@@ -10666,14 +11261,6 @@
                 </a:solidFill>
               </a:rPr>
               <a:t>ebs</a:t>
-            </a:r>
-            <a:r>
-              <a:rPr lang="en-US" dirty="0">
-                <a:solidFill>
-                  <a:prstClr val="white"/>
-                </a:solidFill>
-              </a:rPr>
-              <a:t>-volumes</a:t>
             </a:r>
             <a:endParaRPr lang="en-US" dirty="0">
               <a:solidFill>
@@ -10689,39 +11276,7 @@
                   <a:prstClr val="white"/>
                 </a:solidFill>
               </a:rPr>
-              <a:t>  resource: </a:t>
-            </a:r>
-            <a:r>
-              <a:rPr lang="en-US" dirty="0" err="1">
-                <a:solidFill>
-                  <a:prstClr val="white"/>
-                </a:solidFill>
-              </a:rPr>
-              <a:t>ebs</a:t>
-            </a:r>
-            <a:endParaRPr lang="en-US" dirty="0">
-              <a:solidFill>
-                <a:prstClr val="white"/>
-              </a:solidFill>
-            </a:endParaRPr>
-          </a:p>
-          <a:p>
-            <a:pPr defTabSz="457200"/>
-            <a:r>
-              <a:rPr lang="en-US" dirty="0">
-                <a:solidFill>
-                  <a:prstClr val="white"/>
-                </a:solidFill>
-              </a:rPr>
-              <a:t> </a:t>
-            </a:r>
-            <a:r>
-              <a:rPr lang="en-US" dirty="0">
-                <a:solidFill>
-                  <a:prstClr val="white"/>
-                </a:solidFill>
-              </a:rPr>
-              <a:t> description: |</a:t>
+              <a:t>  description: |</a:t>
             </a:r>
           </a:p>
           <a:p>
@@ -10732,23 +11287,7 @@
                   <a:prstClr val="white"/>
                 </a:solidFill>
               </a:rPr>
-              <a:t> </a:t>
-            </a:r>
-            <a:r>
-              <a:rPr lang="en-US" sz="1100" dirty="0">
-                <a:solidFill>
-                  <a:prstClr val="white"/>
-                </a:solidFill>
-              </a:rPr>
-              <a:t>        Multistep automated Cloud Custodian encryption process</a:t>
-            </a:r>
-            <a:r>
-              <a:rPr lang="en-US" sz="1100" dirty="0">
-                <a:solidFill>
-                  <a:prstClr val="white"/>
-                </a:solidFill>
-              </a:rPr>
-              <a:t>:</a:t>
+              <a:t>         Multistep automated Cloud Custodian encryption process:</a:t>
             </a:r>
           </a:p>
           <a:p>
@@ -11145,7 +11684,7 @@
 </p:sld>
 </file>
 
-<file path=ppt/slides/slide12.xml><?xml version="1.0" encoding="utf-8"?>
+<file path=ppt/slides/slide13.xml><?xml version="1.0" encoding="utf-8"?>
 <p:sld xmlns:a="http://schemas.openxmlformats.org/drawingml/2006/main" xmlns:r="http://schemas.openxmlformats.org/officeDocument/2006/relationships" xmlns:p="http://schemas.openxmlformats.org/presentationml/2006/main" showMasterSp="0">
   <p:cSld>
     <p:spTree>
@@ -11225,11 +11764,6 @@
               </a:rPr>
               <a:t>Compliance - Backups</a:t>
             </a:r>
-            <a:endParaRPr lang="en-US" dirty="0">
-              <a:solidFill>
-                <a:schemeClr val="bg1"/>
-              </a:solidFill>
-            </a:endParaRPr>
           </a:p>
         </p:txBody>
       </p:sp>
@@ -11242,7 +11776,7 @@
         <p:spPr>
           <a:xfrm>
             <a:off x="301805" y="1233877"/>
-            <a:ext cx="2685235" cy="3385542"/>
+            <a:ext cx="2685235" cy="3631763"/>
           </a:xfrm>
           <a:prstGeom prst="rect">
             <a:avLst/>
@@ -11320,15 +11854,18 @@
                   <a:prstClr val="white"/>
                 </a:solidFill>
               </a:rPr>
-              <a:t>Creates a snapshot of every </a:t>
-            </a:r>
+              <a:t>Creates a snapshot of every EC2 EBS</a:t>
+            </a:r>
+          </a:p>
+          <a:p>
+            <a:pPr defTabSz="457200"/>
             <a:r>
               <a:rPr lang="en-US" sz="1100" dirty="0">
                 <a:solidFill>
                   <a:prstClr val="white"/>
                 </a:solidFill>
               </a:rPr>
-              <a:t>EC2 EBS</a:t>
+              <a:t>      volume daily when custodian runs </a:t>
             </a:r>
           </a:p>
           <a:p>
@@ -11339,165 +11876,112 @@
                   <a:prstClr val="white"/>
                 </a:solidFill>
               </a:rPr>
-              <a:t> </a:t>
-            </a:r>
-            <a:r>
-              <a:rPr lang="en-US" sz="1100" dirty="0">
-                <a:solidFill>
-                  <a:prstClr val="white"/>
-                </a:solidFill>
-              </a:rPr>
-              <a:t>     volume </a:t>
-            </a:r>
-            <a:r>
-              <a:rPr lang="en-US" sz="1100" dirty="0">
-                <a:solidFill>
-                  <a:prstClr val="white"/>
-                </a:solidFill>
-              </a:rPr>
-              <a:t>daily </a:t>
-            </a:r>
-            <a:r>
-              <a:rPr lang="en-US" sz="1100" dirty="0">
-                <a:solidFill>
-                  <a:prstClr val="white"/>
-                </a:solidFill>
-              </a:rPr>
-              <a:t>when custodian </a:t>
-            </a:r>
-            <a:r>
-              <a:rPr lang="en-US" sz="1100" dirty="0">
-                <a:solidFill>
-                  <a:prstClr val="white"/>
-                </a:solidFill>
-              </a:rPr>
-              <a:t>runs </a:t>
-            </a:r>
-            <a:endParaRPr lang="en-US" sz="1100" dirty="0">
+              <a:t>      its daily scan</a:t>
+            </a:r>
+          </a:p>
+          <a:p>
+            <a:pPr defTabSz="457200"/>
+            <a:r>
+              <a:rPr lang="en-US" sz="1600" dirty="0">
+                <a:solidFill>
+                  <a:prstClr val="white"/>
+                </a:solidFill>
+              </a:rPr>
+              <a:t>  actions:</a:t>
+            </a:r>
+          </a:p>
+          <a:p>
+            <a:pPr defTabSz="457200"/>
+            <a:r>
+              <a:rPr lang="en-US" sz="1600" dirty="0">
+                <a:solidFill>
+                  <a:prstClr val="white"/>
+                </a:solidFill>
+              </a:rPr>
+              <a:t>   - type: snapshot</a:t>
+            </a:r>
+          </a:p>
+          <a:p>
+            <a:pPr defTabSz="457200"/>
+            <a:r>
+              <a:rPr lang="en-US" sz="1600" dirty="0">
+                <a:solidFill>
+                  <a:prstClr val="white"/>
+                </a:solidFill>
+              </a:rPr>
+              <a:t>     copy-tags:</a:t>
+            </a:r>
+          </a:p>
+          <a:p>
+            <a:pPr defTabSz="457200"/>
+            <a:r>
+              <a:rPr lang="en-US" sz="1600" dirty="0">
+                <a:solidFill>
+                  <a:prstClr val="white"/>
+                </a:solidFill>
+              </a:rPr>
+              <a:t>       - Owner</a:t>
+            </a:r>
+          </a:p>
+          <a:p>
+            <a:pPr defTabSz="457200"/>
+            <a:r>
+              <a:rPr lang="en-US" sz="1600" dirty="0">
+                <a:solidFill>
+                  <a:prstClr val="white"/>
+                </a:solidFill>
+              </a:rPr>
+              <a:t>       - "Resource Contact"</a:t>
+            </a:r>
+          </a:p>
+          <a:p>
+            <a:pPr defTabSz="457200"/>
+            <a:r>
+              <a:rPr lang="en-US" sz="1600" dirty="0">
+                <a:solidFill>
+                  <a:prstClr val="white"/>
+                </a:solidFill>
+              </a:rPr>
+              <a:t>       - Environment</a:t>
+            </a:r>
+          </a:p>
+          <a:p>
+            <a:pPr defTabSz="457200"/>
+            <a:r>
+              <a:rPr lang="en-US" sz="1600" dirty="0">
+                <a:solidFill>
+                  <a:prstClr val="white"/>
+                </a:solidFill>
+              </a:rPr>
+              <a:t>       - "Billing Cost Center"</a:t>
+            </a:r>
+          </a:p>
+          <a:p>
+            <a:pPr defTabSz="457200"/>
+            <a:r>
+              <a:rPr lang="en-US" sz="1600" dirty="0">
+                <a:solidFill>
+                  <a:prstClr val="white"/>
+                </a:solidFill>
+              </a:rPr>
+              <a:t>       - </a:t>
+            </a:r>
+            <a:r>
+              <a:rPr lang="en-US" sz="1600" dirty="0" smtClean="0">
+                <a:solidFill>
+                  <a:prstClr val="white"/>
+                </a:solidFill>
+              </a:rPr>
+              <a:t>Name</a:t>
+            </a:r>
+          </a:p>
+          <a:p>
+            <a:pPr defTabSz="457200"/>
+            <a:endParaRPr lang="en-US" sz="1600" dirty="0">
               <a:solidFill>
                 <a:prstClr val="white"/>
               </a:solidFill>
             </a:endParaRPr>
-          </a:p>
-          <a:p>
-            <a:pPr defTabSz="457200"/>
-            <a:r>
-              <a:rPr lang="en-US" sz="1100" dirty="0">
-                <a:solidFill>
-                  <a:prstClr val="white"/>
-                </a:solidFill>
-              </a:rPr>
-              <a:t> </a:t>
-            </a:r>
-            <a:r>
-              <a:rPr lang="en-US" sz="1100" dirty="0">
-                <a:solidFill>
-                  <a:prstClr val="white"/>
-                </a:solidFill>
-              </a:rPr>
-              <a:t>     its daily scan</a:t>
-            </a:r>
-            <a:endParaRPr lang="en-US" sz="1100" dirty="0">
-              <a:solidFill>
-                <a:prstClr val="white"/>
-              </a:solidFill>
-            </a:endParaRPr>
-          </a:p>
-          <a:p>
-            <a:pPr defTabSz="457200"/>
-            <a:r>
-              <a:rPr lang="en-US" sz="1600" dirty="0">
-                <a:solidFill>
-                  <a:prstClr val="white"/>
-                </a:solidFill>
-              </a:rPr>
-              <a:t>  actions:</a:t>
-            </a:r>
-          </a:p>
-          <a:p>
-            <a:pPr defTabSz="457200"/>
-            <a:r>
-              <a:rPr lang="en-US" sz="1600" dirty="0">
-                <a:solidFill>
-                  <a:prstClr val="white"/>
-                </a:solidFill>
-              </a:rPr>
-              <a:t>   - type: snapshot</a:t>
-            </a:r>
-          </a:p>
-          <a:p>
-            <a:pPr defTabSz="457200"/>
-            <a:r>
-              <a:rPr lang="en-US" sz="1600" dirty="0">
-                <a:solidFill>
-                  <a:prstClr val="white"/>
-                </a:solidFill>
-              </a:rPr>
-              <a:t>     copy-tags:</a:t>
-            </a:r>
-          </a:p>
-          <a:p>
-            <a:pPr defTabSz="457200"/>
-            <a:r>
-              <a:rPr lang="en-US" sz="1600" dirty="0">
-                <a:solidFill>
-                  <a:prstClr val="white"/>
-                </a:solidFill>
-              </a:rPr>
-              <a:t>       - Owner</a:t>
-            </a:r>
-          </a:p>
-          <a:p>
-            <a:pPr defTabSz="457200"/>
-            <a:r>
-              <a:rPr lang="en-US" sz="1600" dirty="0">
-                <a:solidFill>
-                  <a:prstClr val="white"/>
-                </a:solidFill>
-              </a:rPr>
-              <a:t>       - "Resource Contact"</a:t>
-            </a:r>
-          </a:p>
-          <a:p>
-            <a:pPr defTabSz="457200"/>
-            <a:r>
-              <a:rPr lang="en-US" sz="1600" dirty="0">
-                <a:solidFill>
-                  <a:prstClr val="white"/>
-                </a:solidFill>
-              </a:rPr>
-              <a:t>       - Environment</a:t>
-            </a:r>
-          </a:p>
-          <a:p>
-            <a:pPr defTabSz="457200"/>
-            <a:r>
-              <a:rPr lang="en-US" sz="1600" dirty="0">
-                <a:solidFill>
-                  <a:prstClr val="white"/>
-                </a:solidFill>
-              </a:rPr>
-              <a:t>       - "Billing Cost Center"</a:t>
-            </a:r>
-          </a:p>
-          <a:p>
-            <a:pPr defTabSz="457200"/>
-            <a:r>
-              <a:rPr lang="en-US" sz="1600" dirty="0">
-                <a:solidFill>
-                  <a:prstClr val="white"/>
-                </a:solidFill>
-              </a:rPr>
-              <a:t>       - </a:t>
-            </a:r>
-            <a:r>
-              <a:rPr lang="en-US" sz="1600" dirty="0">
-                <a:solidFill>
-                  <a:prstClr val="white"/>
-                </a:solidFill>
-              </a:rPr>
-              <a:t>Name</a:t>
-            </a:r>
           </a:p>
         </p:txBody>
       </p:sp>
@@ -11510,7 +11994,7 @@
         <p:spPr>
           <a:xfrm>
             <a:off x="6274525" y="1269504"/>
-            <a:ext cx="2685235" cy="1723549"/>
+            <a:ext cx="2825218" cy="1938992"/>
           </a:xfrm>
           <a:prstGeom prst="rect">
             <a:avLst/>
@@ -11590,34 +12074,18 @@
                   <a:prstClr val="white"/>
                 </a:solidFill>
               </a:rPr>
-              <a:t>  description: </a:t>
-            </a:r>
+              <a:t>  description: |</a:t>
+            </a:r>
+          </a:p>
+          <a:p>
+            <a:pPr defTabSz="457200"/>
             <a:r>
               <a:rPr lang="en-US" sz="1400" dirty="0">
                 <a:solidFill>
                   <a:prstClr val="white"/>
                 </a:solidFill>
               </a:rPr>
-              <a:t>|</a:t>
-            </a:r>
-          </a:p>
-          <a:p>
-            <a:pPr defTabSz="457200"/>
-            <a:r>
-              <a:rPr lang="en-US" sz="1400" dirty="0">
-                <a:solidFill>
-                  <a:prstClr val="white"/>
-                </a:solidFill>
-              </a:rPr>
-              <a:t> </a:t>
-            </a:r>
-            <a:r>
-              <a:rPr lang="en-US" sz="1400" dirty="0">
-                <a:solidFill>
-                  <a:prstClr val="white"/>
-                </a:solidFill>
-              </a:rPr>
-              <a:t>    </a:t>
+              <a:t>     </a:t>
             </a:r>
             <a:r>
               <a:rPr lang="en-US" sz="1100" dirty="0">
@@ -11625,95 +12093,20 @@
                   <a:prstClr val="white"/>
                 </a:solidFill>
               </a:rPr>
-              <a:t>Creates </a:t>
-            </a:r>
+              <a:t>Creates a snapshot of every RDS</a:t>
+            </a:r>
+          </a:p>
+          <a:p>
+            <a:pPr defTabSz="457200"/>
             <a:r>
               <a:rPr lang="en-US" sz="1100" dirty="0">
                 <a:solidFill>
                   <a:prstClr val="white"/>
                 </a:solidFill>
               </a:rPr>
-              <a:t>a snapshot of every </a:t>
-            </a:r>
-            <a:r>
-              <a:rPr lang="en-US" sz="1100" dirty="0">
-                <a:solidFill>
-                  <a:prstClr val="white"/>
-                </a:solidFill>
-              </a:rPr>
-              <a:t>RDS</a:t>
-            </a:r>
-          </a:p>
-          <a:p>
-            <a:pPr defTabSz="457200"/>
-            <a:r>
-              <a:rPr lang="en-US" sz="1100" dirty="0">
-                <a:solidFill>
-                  <a:prstClr val="white"/>
-                </a:solidFill>
-              </a:rPr>
-              <a:t> </a:t>
-            </a:r>
-            <a:r>
-              <a:rPr lang="en-US" sz="1100" dirty="0">
-                <a:solidFill>
-                  <a:prstClr val="white"/>
-                </a:solidFill>
-              </a:rPr>
-              <a:t>      volume </a:t>
-            </a:r>
-            <a:r>
-              <a:rPr lang="en-US" sz="1100" dirty="0">
-                <a:solidFill>
-                  <a:prstClr val="white"/>
-                </a:solidFill>
-              </a:rPr>
-              <a:t>daily </a:t>
-            </a:r>
-            <a:r>
-              <a:rPr lang="en-US" sz="1100" dirty="0">
-                <a:solidFill>
-                  <a:prstClr val="white"/>
-                </a:solidFill>
-              </a:rPr>
-              <a:t>when custodian </a:t>
-            </a:r>
-            <a:r>
-              <a:rPr lang="en-US" sz="1100" dirty="0">
-                <a:solidFill>
-                  <a:prstClr val="white"/>
-                </a:solidFill>
-              </a:rPr>
-              <a:t>runs </a:t>
-            </a:r>
-            <a:r>
-              <a:rPr lang="en-US" sz="1100" dirty="0">
-                <a:solidFill>
-                  <a:prstClr val="white"/>
-                </a:solidFill>
-              </a:rPr>
-              <a:t>its</a:t>
-            </a:r>
-          </a:p>
-          <a:p>
-            <a:pPr defTabSz="457200"/>
-            <a:r>
-              <a:rPr lang="en-US" sz="1100" dirty="0">
-                <a:solidFill>
-                  <a:prstClr val="white"/>
-                </a:solidFill>
-              </a:rPr>
-              <a:t> </a:t>
-            </a:r>
-            <a:r>
-              <a:rPr lang="en-US" sz="1100" dirty="0">
-                <a:solidFill>
-                  <a:prstClr val="white"/>
-                </a:solidFill>
-              </a:rPr>
-              <a:t>      full scan</a:t>
-            </a:r>
-            <a:endParaRPr lang="en-US" sz="1100" dirty="0">
+              <a:t>       volume daily when custodian runs </a:t>
+            </a:r>
+            <a:endParaRPr lang="en-US" sz="1100" dirty="0" smtClean="0">
               <a:solidFill>
                 <a:prstClr val="white"/>
               </a:solidFill>
@@ -11722,6 +12115,41 @@
           <a:p>
             <a:pPr defTabSz="457200"/>
             <a:r>
+              <a:rPr lang="en-US" sz="1100" dirty="0">
+                <a:solidFill>
+                  <a:prstClr val="white"/>
+                </a:solidFill>
+              </a:rPr>
+              <a:t> </a:t>
+            </a:r>
+            <a:r>
+              <a:rPr lang="en-US" sz="1100" dirty="0" smtClean="0">
+                <a:solidFill>
+                  <a:prstClr val="white"/>
+                </a:solidFill>
+              </a:rPr>
+              <a:t>      </a:t>
+            </a:r>
+            <a:r>
+              <a:rPr lang="en-US" sz="1100" dirty="0" smtClean="0">
+                <a:solidFill>
+                  <a:prstClr val="white"/>
+                </a:solidFill>
+              </a:rPr>
+              <a:t>its </a:t>
+            </a:r>
+            <a:r>
+              <a:rPr lang="en-US" sz="1100" dirty="0">
+                <a:solidFill>
+                  <a:prstClr val="white"/>
+                </a:solidFill>
+              </a:rPr>
+              <a:t>full scan</a:t>
+            </a:r>
+          </a:p>
+          <a:p>
+            <a:pPr defTabSz="457200"/>
+            <a:r>
               <a:rPr lang="en-US" sz="1400" dirty="0">
                 <a:solidFill>
                   <a:prstClr val="white"/>
@@ -11741,13 +12169,21 @@
               <a:t>   - </a:t>
             </a:r>
             <a:r>
-              <a:rPr lang="en-US" sz="1400" dirty="0">
+              <a:rPr lang="en-US" sz="1400" dirty="0" smtClean="0">
                 <a:solidFill>
                   <a:prstClr val="white"/>
                 </a:solidFill>
               </a:rPr>
               <a:t>snapshot</a:t>
             </a:r>
+          </a:p>
+          <a:p>
+            <a:pPr defTabSz="457200"/>
+            <a:endParaRPr lang="en-US" sz="1400" dirty="0">
+              <a:solidFill>
+                <a:prstClr val="white"/>
+              </a:solidFill>
+            </a:endParaRPr>
           </a:p>
         </p:txBody>
       </p:sp>
@@ -11760,7 +12196,7 @@
         <p:spPr>
           <a:xfrm>
             <a:off x="3288165" y="1233877"/>
-            <a:ext cx="2685235" cy="4785926"/>
+            <a:ext cx="2685235" cy="5032147"/>
           </a:xfrm>
           <a:prstGeom prst="rect">
             <a:avLst/>
@@ -11846,15 +12282,18 @@
                   <a:prstClr val="white"/>
                 </a:solidFill>
               </a:rPr>
-              <a:t>    Deletes a snapshot if its older than </a:t>
-            </a:r>
+              <a:t>    Deletes a snapshot if its older than 7</a:t>
+            </a:r>
+          </a:p>
+          <a:p>
+            <a:pPr defTabSz="457200"/>
             <a:r>
               <a:rPr lang="en-US" sz="1100" dirty="0">
                 <a:solidFill>
                   <a:prstClr val="white"/>
                 </a:solidFill>
               </a:rPr>
-              <a:t>7</a:t>
+              <a:t>    days and it was created by</a:t>
             </a:r>
           </a:p>
           <a:p>
@@ -11865,7 +12304,139 @@
                   <a:prstClr val="white"/>
                 </a:solidFill>
               </a:rPr>
-              <a:t> </a:t>
+              <a:t>    cloud custodian</a:t>
+            </a:r>
+          </a:p>
+          <a:p>
+            <a:pPr defTabSz="457200"/>
+            <a:r>
+              <a:rPr lang="en-US" sz="1600" dirty="0">
+                <a:solidFill>
+                  <a:prstClr val="white"/>
+                </a:solidFill>
+              </a:rPr>
+              <a:t>  mode:</a:t>
+            </a:r>
+          </a:p>
+          <a:p>
+            <a:pPr defTabSz="457200"/>
+            <a:r>
+              <a:rPr lang="en-US" sz="1600" dirty="0">
+                <a:solidFill>
+                  <a:prstClr val="white"/>
+                </a:solidFill>
+              </a:rPr>
+              <a:t>    type: periodic</a:t>
+            </a:r>
+          </a:p>
+          <a:p>
+            <a:pPr defTabSz="457200"/>
+            <a:r>
+              <a:rPr lang="en-US" sz="1600" dirty="0">
+                <a:solidFill>
+                  <a:prstClr val="white"/>
+                </a:solidFill>
+              </a:rPr>
+              <a:t>    schedule: "rate(1 day)"</a:t>
+            </a:r>
+          </a:p>
+          <a:p>
+            <a:pPr defTabSz="457200"/>
+            <a:r>
+              <a:rPr lang="en-US" sz="1600" dirty="0">
+                <a:solidFill>
+                  <a:prstClr val="white"/>
+                </a:solidFill>
+              </a:rPr>
+              <a:t>    timeout: 300</a:t>
+            </a:r>
+          </a:p>
+          <a:p>
+            <a:pPr defTabSz="457200"/>
+            <a:r>
+              <a:rPr lang="en-US" sz="1600" dirty="0">
+                <a:solidFill>
+                  <a:prstClr val="white"/>
+                </a:solidFill>
+              </a:rPr>
+              <a:t>  filters:</a:t>
+            </a:r>
+          </a:p>
+          <a:p>
+            <a:pPr defTabSz="457200"/>
+            <a:r>
+              <a:rPr lang="en-US" sz="1600" dirty="0">
+                <a:solidFill>
+                  <a:prstClr val="white"/>
+                </a:solidFill>
+              </a:rPr>
+              <a:t>   - type: age</a:t>
+            </a:r>
+          </a:p>
+          <a:p>
+            <a:pPr defTabSz="457200"/>
+            <a:r>
+              <a:rPr lang="en-US" sz="1600" dirty="0">
+                <a:solidFill>
+                  <a:prstClr val="white"/>
+                </a:solidFill>
+              </a:rPr>
+              <a:t>     days: 7</a:t>
+            </a:r>
+          </a:p>
+          <a:p>
+            <a:pPr defTabSz="457200"/>
+            <a:r>
+              <a:rPr lang="en-US" sz="1600" dirty="0">
+                <a:solidFill>
+                  <a:prstClr val="white"/>
+                </a:solidFill>
+              </a:rPr>
+              <a:t>     op: greater-equal</a:t>
+            </a:r>
+          </a:p>
+          <a:p>
+            <a:pPr defTabSz="457200"/>
+            <a:r>
+              <a:rPr lang="en-US" sz="1600" dirty="0">
+                <a:solidFill>
+                  <a:prstClr val="white"/>
+                </a:solidFill>
+              </a:rPr>
+              <a:t>   - type: value</a:t>
+            </a:r>
+          </a:p>
+          <a:p>
+            <a:pPr defTabSz="457200"/>
+            <a:r>
+              <a:rPr lang="en-US" sz="1600" dirty="0">
+                <a:solidFill>
+                  <a:prstClr val="white"/>
+                </a:solidFill>
+              </a:rPr>
+              <a:t>     key: Description</a:t>
+            </a:r>
+          </a:p>
+          <a:p>
+            <a:pPr defTabSz="457200"/>
+            <a:r>
+              <a:rPr lang="en-US" sz="1600" dirty="0">
+                <a:solidFill>
+                  <a:prstClr val="white"/>
+                </a:solidFill>
+              </a:rPr>
+              <a:t>     op: regex</a:t>
+            </a:r>
+          </a:p>
+          <a:p>
+            <a:pPr defTabSz="457200"/>
+            <a:r>
+              <a:rPr lang="en-US" sz="1600" dirty="0">
+                <a:solidFill>
+                  <a:prstClr val="white"/>
+                </a:solidFill>
+              </a:rPr>
+              <a:t>     value: </a:t>
             </a:r>
             <a:r>
               <a:rPr lang="en-US" sz="1100" dirty="0">
@@ -11873,7 +12444,15 @@
                   <a:prstClr val="white"/>
                 </a:solidFill>
               </a:rPr>
-              <a:t>   days </a:t>
+              <a:t>^(</a:t>
+            </a:r>
+            <a:r>
+              <a:rPr lang="en-US" sz="1100" dirty="0" err="1">
+                <a:solidFill>
+                  <a:prstClr val="white"/>
+                </a:solidFill>
+              </a:rPr>
+              <a:t>Automated,Backup</a:t>
             </a:r>
             <a:r>
               <a:rPr lang="en-US" sz="1100" dirty="0">
@@ -11881,42 +12460,7 @@
                   <a:prstClr val="white"/>
                 </a:solidFill>
               </a:rPr>
-              <a:t>and it was created </a:t>
-            </a:r>
-            <a:r>
-              <a:rPr lang="en-US" sz="1100" dirty="0">
-                <a:solidFill>
-                  <a:prstClr val="white"/>
-                </a:solidFill>
-              </a:rPr>
-              <a:t>by</a:t>
-            </a:r>
-          </a:p>
-          <a:p>
-            <a:pPr defTabSz="457200"/>
-            <a:r>
-              <a:rPr lang="en-US" sz="1100" dirty="0">
-                <a:solidFill>
-                  <a:prstClr val="white"/>
-                </a:solidFill>
-              </a:rPr>
-              <a:t> </a:t>
-            </a:r>
-            <a:r>
-              <a:rPr lang="en-US" sz="1100" dirty="0">
-                <a:solidFill>
-                  <a:prstClr val="white"/>
-                </a:solidFill>
-              </a:rPr>
-              <a:t>   cloud </a:t>
-            </a:r>
-            <a:r>
-              <a:rPr lang="en-US" sz="1100" dirty="0">
-                <a:solidFill>
-                  <a:prstClr val="white"/>
-                </a:solidFill>
-              </a:rPr>
-              <a:t>custodian</a:t>
+              <a:t>,-?)\w+</a:t>
             </a:r>
           </a:p>
           <a:p>
@@ -11927,7 +12471,7 @@
                   <a:prstClr val="white"/>
                 </a:solidFill>
               </a:rPr>
-              <a:t>  mode:</a:t>
+              <a:t>  actions:</a:t>
             </a:r>
           </a:p>
           <a:p>
@@ -11938,177 +12482,19 @@
                   <a:prstClr val="white"/>
                 </a:solidFill>
               </a:rPr>
-              <a:t>    type: periodic</a:t>
-            </a:r>
-          </a:p>
-          <a:p>
-            <a:pPr defTabSz="457200"/>
-            <a:r>
-              <a:rPr lang="en-US" sz="1600" dirty="0">
-                <a:solidFill>
-                  <a:prstClr val="white"/>
-                </a:solidFill>
-              </a:rPr>
-              <a:t>    schedule: "rate(1 day)"</a:t>
-            </a:r>
-          </a:p>
-          <a:p>
-            <a:pPr defTabSz="457200"/>
-            <a:r>
-              <a:rPr lang="en-US" sz="1600" dirty="0">
-                <a:solidFill>
-                  <a:prstClr val="white"/>
-                </a:solidFill>
-              </a:rPr>
-              <a:t>    timeout: 300</a:t>
-            </a:r>
-          </a:p>
-          <a:p>
-            <a:pPr defTabSz="457200"/>
-            <a:r>
-              <a:rPr lang="en-US" sz="1600" dirty="0">
-                <a:solidFill>
-                  <a:prstClr val="white"/>
-                </a:solidFill>
-              </a:rPr>
-              <a:t>  filters:</a:t>
-            </a:r>
-          </a:p>
-          <a:p>
-            <a:pPr defTabSz="457200"/>
-            <a:r>
-              <a:rPr lang="en-US" sz="1600" dirty="0">
-                <a:solidFill>
-                  <a:prstClr val="white"/>
-                </a:solidFill>
-              </a:rPr>
-              <a:t>   - type: age</a:t>
-            </a:r>
-          </a:p>
-          <a:p>
-            <a:pPr defTabSz="457200"/>
-            <a:r>
-              <a:rPr lang="en-US" sz="1600" dirty="0">
-                <a:solidFill>
-                  <a:prstClr val="white"/>
-                </a:solidFill>
-              </a:rPr>
-              <a:t>     days: 7</a:t>
-            </a:r>
-          </a:p>
-          <a:p>
-            <a:pPr defTabSz="457200"/>
-            <a:r>
-              <a:rPr lang="en-US" sz="1600" dirty="0">
-                <a:solidFill>
-                  <a:prstClr val="white"/>
-                </a:solidFill>
-              </a:rPr>
-              <a:t>     op: </a:t>
-            </a:r>
-            <a:r>
-              <a:rPr lang="en-US" sz="1600" dirty="0">
-                <a:solidFill>
-                  <a:prstClr val="white"/>
-                </a:solidFill>
-              </a:rPr>
-              <a:t>greater-equal</a:t>
-            </a:r>
-            <a:endParaRPr lang="en-US" sz="1600" dirty="0">
-              <a:solidFill>
-                <a:prstClr val="white"/>
-              </a:solidFill>
-            </a:endParaRPr>
-          </a:p>
-          <a:p>
-            <a:pPr defTabSz="457200"/>
-            <a:r>
-              <a:rPr lang="en-US" sz="1600" dirty="0">
-                <a:solidFill>
-                  <a:prstClr val="white"/>
-                </a:solidFill>
-              </a:rPr>
-              <a:t>   - type: value</a:t>
-            </a:r>
-          </a:p>
-          <a:p>
-            <a:pPr defTabSz="457200"/>
-            <a:r>
-              <a:rPr lang="en-US" sz="1600" dirty="0">
-                <a:solidFill>
-                  <a:prstClr val="white"/>
-                </a:solidFill>
-              </a:rPr>
-              <a:t>     key: Description</a:t>
-            </a:r>
-          </a:p>
-          <a:p>
-            <a:pPr defTabSz="457200"/>
-            <a:r>
-              <a:rPr lang="en-US" sz="1600" dirty="0">
-                <a:solidFill>
-                  <a:prstClr val="white"/>
-                </a:solidFill>
-              </a:rPr>
-              <a:t>     op: regex</a:t>
-            </a:r>
-          </a:p>
-          <a:p>
-            <a:pPr defTabSz="457200"/>
-            <a:r>
-              <a:rPr lang="en-US" sz="1600" dirty="0">
-                <a:solidFill>
-                  <a:prstClr val="white"/>
-                </a:solidFill>
-              </a:rPr>
-              <a:t>     value: </a:t>
-            </a:r>
-            <a:r>
-              <a:rPr lang="en-US" sz="1100" dirty="0">
-                <a:solidFill>
-                  <a:prstClr val="white"/>
-                </a:solidFill>
-              </a:rPr>
-              <a:t>^(</a:t>
-            </a:r>
-            <a:r>
-              <a:rPr lang="en-US" sz="1100" dirty="0" err="1">
-                <a:solidFill>
-                  <a:prstClr val="white"/>
-                </a:solidFill>
-              </a:rPr>
-              <a:t>Automated,Backup</a:t>
-            </a:r>
-            <a:r>
-              <a:rPr lang="en-US" sz="1100" dirty="0">
-                <a:solidFill>
-                  <a:prstClr val="white"/>
-                </a:solidFill>
-              </a:rPr>
-              <a:t>,-?)\w+</a:t>
-            </a:r>
-          </a:p>
-          <a:p>
-            <a:pPr defTabSz="457200"/>
-            <a:r>
-              <a:rPr lang="en-US" sz="1600" dirty="0">
-                <a:solidFill>
-                  <a:prstClr val="white"/>
-                </a:solidFill>
-              </a:rPr>
-              <a:t>  actions:</a:t>
-            </a:r>
-          </a:p>
-          <a:p>
-            <a:pPr defTabSz="457200"/>
-            <a:r>
-              <a:rPr lang="en-US" sz="1600" dirty="0">
-                <a:solidFill>
-                  <a:prstClr val="white"/>
-                </a:solidFill>
-              </a:rPr>
-              <a:t>   - delete</a:t>
-            </a:r>
+              <a:t>   - </a:t>
+            </a:r>
+            <a:r>
+              <a:rPr lang="en-US" sz="1600" dirty="0" smtClean="0">
+                <a:solidFill>
+                  <a:prstClr val="white"/>
+                </a:solidFill>
+              </a:rPr>
+              <a:t>delete</a:t>
+            </a:r>
+          </a:p>
+          <a:p>
+            <a:pPr defTabSz="457200"/>
             <a:endParaRPr lang="en-US" sz="1600" dirty="0">
               <a:solidFill>
                 <a:prstClr val="white"/>
@@ -12126,7 +12512,7 @@
         <p:spPr>
           <a:xfrm>
             <a:off x="9260885" y="1269504"/>
-            <a:ext cx="2685235" cy="4139595"/>
+            <a:ext cx="2685235" cy="4355038"/>
           </a:xfrm>
           <a:prstGeom prst="rect">
             <a:avLst/>
@@ -12228,42 +12614,18 @@
                   <a:prstClr val="white"/>
                 </a:solidFill>
               </a:rPr>
-              <a:t>Deletes RDS single instance </a:t>
-            </a:r>
+              <a:t>Deletes RDS single instance snapshots</a:t>
+            </a:r>
+          </a:p>
+          <a:p>
+            <a:pPr defTabSz="457200"/>
             <a:r>
               <a:rPr lang="en-US" sz="1100" dirty="0">
                 <a:solidFill>
                   <a:prstClr val="white"/>
                 </a:solidFill>
               </a:rPr>
-              <a:t>snapshots</a:t>
-            </a:r>
-          </a:p>
-          <a:p>
-            <a:pPr defTabSz="457200"/>
-            <a:r>
-              <a:rPr lang="en-US" sz="1100" dirty="0">
-                <a:solidFill>
-                  <a:prstClr val="white"/>
-                </a:solidFill>
-              </a:rPr>
-              <a:t> </a:t>
-            </a:r>
-            <a:r>
-              <a:rPr lang="en-US" sz="1100" dirty="0">
-                <a:solidFill>
-                  <a:prstClr val="white"/>
-                </a:solidFill>
-              </a:rPr>
-              <a:t>    of </a:t>
-            </a:r>
-            <a:r>
-              <a:rPr lang="en-US" sz="1100" dirty="0">
-                <a:solidFill>
-                  <a:prstClr val="white"/>
-                </a:solidFill>
-              </a:rPr>
-              <a:t>age 15 days or older.</a:t>
+              <a:t>     of age 15 days or older.</a:t>
             </a:r>
           </a:p>
           <a:p>
@@ -12307,15 +12669,37 @@
                   <a:prstClr val="white"/>
                 </a:solidFill>
               </a:rPr>
-              <a:t>     op: </a:t>
-            </a:r>
+              <a:t>     op: greater-equal</a:t>
+            </a:r>
+          </a:p>
+          <a:p>
+            <a:pPr defTabSz="457200"/>
             <a:r>
               <a:rPr lang="en-US" sz="1400" dirty="0">
                 <a:solidFill>
                   <a:prstClr val="white"/>
                 </a:solidFill>
               </a:rPr>
-              <a:t>greater-equal</a:t>
+              <a:t>   - type: value</a:t>
+            </a:r>
+          </a:p>
+          <a:p>
+            <a:pPr defTabSz="457200"/>
+            <a:r>
+              <a:rPr lang="en-US" sz="1400" dirty="0">
+                <a:solidFill>
+                  <a:prstClr val="white"/>
+                </a:solidFill>
+              </a:rPr>
+              <a:t>     key: </a:t>
+            </a:r>
+            <a:r>
+              <a:rPr lang="en-US" sz="1400" dirty="0" err="1">
+                <a:solidFill>
+                  <a:prstClr val="white"/>
+                </a:solidFill>
+              </a:rPr>
+              <a:t>DBSnapshotIdentifier</a:t>
             </a:r>
             <a:endParaRPr lang="en-US" sz="1400" dirty="0">
               <a:solidFill>
@@ -12331,6 +12715,28 @@
                   <a:prstClr val="white"/>
                 </a:solidFill>
               </a:rPr>
+              <a:t>     op: regex</a:t>
+            </a:r>
+          </a:p>
+          <a:p>
+            <a:pPr defTabSz="457200"/>
+            <a:r>
+              <a:rPr lang="en-US" sz="1400" dirty="0">
+                <a:solidFill>
+                  <a:prstClr val="white"/>
+                </a:solidFill>
+              </a:rPr>
+              <a:t>     value: ^(backup-?)\w+</a:t>
+            </a:r>
+          </a:p>
+          <a:p>
+            <a:pPr defTabSz="457200"/>
+            <a:r>
+              <a:rPr lang="en-US" sz="1400" dirty="0">
+                <a:solidFill>
+                  <a:prstClr val="white"/>
+                </a:solidFill>
+              </a:rPr>
               <a:t>   - type: value</a:t>
             </a:r>
           </a:p>
@@ -12350,7 +12756,7 @@
                   <a:prstClr val="white"/>
                 </a:solidFill>
               </a:rPr>
-              <a:t>DBSnapshotIdentifier</a:t>
+              <a:t>SnapshotType</a:t>
             </a:r>
             <a:endParaRPr lang="en-US" sz="1400" dirty="0">
               <a:solidFill>
@@ -12366,40 +12772,7 @@
                   <a:prstClr val="white"/>
                 </a:solidFill>
               </a:rPr>
-              <a:t>     op: regex</a:t>
-            </a:r>
-          </a:p>
-          <a:p>
-            <a:pPr defTabSz="457200"/>
-            <a:r>
-              <a:rPr lang="en-US" sz="1400" dirty="0">
-                <a:solidFill>
-                  <a:prstClr val="white"/>
-                </a:solidFill>
-              </a:rPr>
-              <a:t>     value: ^(backup-?)\w+</a:t>
-            </a:r>
-          </a:p>
-          <a:p>
-            <a:pPr defTabSz="457200"/>
-            <a:r>
-              <a:rPr lang="en-US" sz="1400" dirty="0">
-                <a:solidFill>
-                  <a:prstClr val="white"/>
-                </a:solidFill>
-              </a:rPr>
-              <a:t>   - type: value</a:t>
-            </a:r>
-          </a:p>
-          <a:p>
-            <a:pPr defTabSz="457200"/>
-            <a:r>
-              <a:rPr lang="en-US" sz="1400" dirty="0">
-                <a:solidFill>
-                  <a:prstClr val="white"/>
-                </a:solidFill>
-              </a:rPr>
-              <a:t>     key: </a:t>
+              <a:t>     op: </a:t>
             </a:r>
             <a:r>
               <a:rPr lang="en-US" sz="1400" dirty="0" err="1">
@@ -12407,7 +12780,7 @@
                   <a:prstClr val="white"/>
                 </a:solidFill>
               </a:rPr>
-              <a:t>SnapshotType</a:t>
+              <a:t>eq</a:t>
             </a:r>
             <a:endParaRPr lang="en-US" sz="1400" dirty="0">
               <a:solidFill>
@@ -12423,54 +12796,46 @@
                   <a:prstClr val="white"/>
                 </a:solidFill>
               </a:rPr>
-              <a:t>     op: </a:t>
-            </a:r>
-            <a:r>
-              <a:rPr lang="en-US" sz="1400" dirty="0" err="1">
-                <a:solidFill>
-                  <a:prstClr val="white"/>
-                </a:solidFill>
-              </a:rPr>
-              <a:t>eq</a:t>
-            </a:r>
+              <a:t>     value: manual</a:t>
+            </a:r>
+          </a:p>
+          <a:p>
+            <a:pPr defTabSz="457200"/>
+            <a:r>
+              <a:rPr lang="en-US" sz="1400" dirty="0">
+                <a:solidFill>
+                  <a:prstClr val="white"/>
+                </a:solidFill>
+              </a:rPr>
+              <a:t>  actions:</a:t>
+            </a:r>
+          </a:p>
+          <a:p>
+            <a:pPr defTabSz="457200"/>
+            <a:r>
+              <a:rPr lang="en-US" sz="1400" dirty="0">
+                <a:solidFill>
+                  <a:prstClr val="white"/>
+                </a:solidFill>
+              </a:rPr>
+              <a:t>   - </a:t>
+            </a:r>
+            <a:r>
+              <a:rPr lang="en-US" sz="1400" dirty="0" smtClean="0">
+                <a:solidFill>
+                  <a:prstClr val="white"/>
+                </a:solidFill>
+              </a:rPr>
+              <a:t>delete</a:t>
+            </a:r>
+          </a:p>
+          <a:p>
+            <a:pPr defTabSz="457200"/>
             <a:endParaRPr lang="en-US" sz="1400" dirty="0">
               <a:solidFill>
                 <a:prstClr val="white"/>
               </a:solidFill>
             </a:endParaRPr>
-          </a:p>
-          <a:p>
-            <a:pPr defTabSz="457200"/>
-            <a:r>
-              <a:rPr lang="en-US" sz="1400" dirty="0">
-                <a:solidFill>
-                  <a:prstClr val="white"/>
-                </a:solidFill>
-              </a:rPr>
-              <a:t>     value: manual</a:t>
-            </a:r>
-          </a:p>
-          <a:p>
-            <a:pPr defTabSz="457200"/>
-            <a:r>
-              <a:rPr lang="en-US" sz="1400" dirty="0">
-                <a:solidFill>
-                  <a:prstClr val="white"/>
-                </a:solidFill>
-              </a:rPr>
-              <a:t>  actions:</a:t>
-            </a:r>
-          </a:p>
-          <a:p>
-            <a:pPr defTabSz="457200"/>
-            <a:r>
-              <a:rPr lang="en-US" sz="1400" dirty="0">
-                <a:solidFill>
-                  <a:prstClr val="white"/>
-                </a:solidFill>
-              </a:rPr>
-              <a:t>   - delete</a:t>
-            </a:r>
           </a:p>
         </p:txBody>
       </p:sp>
@@ -12619,7 +12984,7 @@
 </p:sld>
 </file>
 
-<file path=ppt/slides/slide13.xml><?xml version="1.0" encoding="utf-8"?>
+<file path=ppt/slides/slide14.xml><?xml version="1.0" encoding="utf-8"?>
 <p:sld xmlns:a="http://schemas.openxmlformats.org/drawingml/2006/main" xmlns:r="http://schemas.openxmlformats.org/officeDocument/2006/relationships" xmlns:p="http://schemas.openxmlformats.org/presentationml/2006/main" showMasterSp="0">
   <p:cSld>
     <p:spTree>
@@ -12727,8 +13092,8 @@
         </p:nvSpPr>
         <p:spPr>
           <a:xfrm>
-            <a:off x="458698" y="1033272"/>
-            <a:ext cx="2500539" cy="4739759"/>
+            <a:off x="458698" y="983844"/>
+            <a:ext cx="2500539" cy="5555367"/>
           </a:xfrm>
           <a:prstGeom prst="rect">
             <a:avLst/>
@@ -12868,7 +13233,15 @@
                   <a:prstClr val="white"/>
                 </a:solidFill>
               </a:rPr>
-              <a:t>    Find all </a:t>
+              <a:t>    Find all non-</a:t>
+            </a:r>
+            <a:r>
+              <a:rPr lang="en-US" sz="1100" dirty="0" err="1">
+                <a:solidFill>
+                  <a:prstClr val="white"/>
+                </a:solidFill>
+              </a:rPr>
+              <a:t>autoscaling</a:t>
             </a:r>
             <a:r>
               <a:rPr lang="en-US" sz="1100" dirty="0">
@@ -12876,7 +13249,108 @@
                   <a:prstClr val="white"/>
                 </a:solidFill>
               </a:rPr>
-              <a:t>non-</a:t>
+              <a:t> instances that</a:t>
+            </a:r>
+          </a:p>
+          <a:p>
+            <a:pPr defTabSz="457200"/>
+            <a:r>
+              <a:rPr lang="en-US" sz="1100" dirty="0">
+                <a:solidFill>
+                  <a:prstClr val="white"/>
+                </a:solidFill>
+              </a:rPr>
+              <a:t>    are not conformant to tagging policies</a:t>
+            </a:r>
+          </a:p>
+          <a:p>
+            <a:pPr defTabSz="457200"/>
+            <a:r>
+              <a:rPr lang="en-US" sz="1100" dirty="0">
+                <a:solidFill>
+                  <a:prstClr val="white"/>
+                </a:solidFill>
+              </a:rPr>
+              <a:t>    and tag them for stoppage in 1 days.</a:t>
+            </a:r>
+          </a:p>
+          <a:p>
+            <a:pPr defTabSz="457200"/>
+            <a:r>
+              <a:rPr lang="en-US" sz="1100" dirty="0">
+                <a:solidFill>
+                  <a:prstClr val="white"/>
+                </a:solidFill>
+              </a:rPr>
+              <a:t>  filters:</a:t>
+            </a:r>
+          </a:p>
+          <a:p>
+            <a:pPr defTabSz="457200"/>
+            <a:r>
+              <a:rPr lang="en-US" sz="1100" dirty="0">
+                <a:solidFill>
+                  <a:prstClr val="white"/>
+                </a:solidFill>
+              </a:rPr>
+              <a:t>    - </a:t>
+            </a:r>
+            <a:r>
+              <a:rPr lang="en-US" sz="900" dirty="0">
+                <a:solidFill>
+                  <a:prstClr val="white"/>
+                </a:solidFill>
+              </a:rPr>
+              <a:t>"</a:t>
+            </a:r>
+            <a:r>
+              <a:rPr lang="en-US" sz="900" dirty="0" err="1">
+                <a:solidFill>
+                  <a:prstClr val="white"/>
+                </a:solidFill>
+              </a:rPr>
+              <a:t>tag:aws:autoscaling:groupName</a:t>
+            </a:r>
+            <a:r>
+              <a:rPr lang="en-US" sz="900" dirty="0">
+                <a:solidFill>
+                  <a:prstClr val="white"/>
+                </a:solidFill>
+              </a:rPr>
+              <a:t>": absent</a:t>
+            </a:r>
+          </a:p>
+          <a:p>
+            <a:pPr defTabSz="457200"/>
+            <a:r>
+              <a:rPr lang="en-US" sz="1100" dirty="0">
+                <a:solidFill>
+                  <a:prstClr val="white"/>
+                </a:solidFill>
+              </a:rPr>
+              <a:t>    - "tag:c7n_tag_compliance": absent</a:t>
+            </a:r>
+          </a:p>
+          <a:p>
+            <a:pPr defTabSz="457200"/>
+            <a:r>
+              <a:rPr lang="en-US" sz="1100" dirty="0">
+                <a:solidFill>
+                  <a:prstClr val="white"/>
+                </a:solidFill>
+              </a:rPr>
+              <a:t>    - or: </a:t>
+            </a:r>
+          </a:p>
+          <a:p>
+            <a:pPr defTabSz="457200"/>
+            <a:r>
+              <a:rPr lang="en-US" sz="1100" dirty="0">
+                <a:solidFill>
+                  <a:prstClr val="white"/>
+                </a:solidFill>
+              </a:rPr>
+              <a:t>        - "</a:t>
             </a:r>
             <a:r>
               <a:rPr lang="en-US" sz="1100" dirty="0" err="1">
@@ -12884,7 +13358,7 @@
                   <a:prstClr val="white"/>
                 </a:solidFill>
               </a:rPr>
-              <a:t>autoscaling</a:t>
+              <a:t>tag:Resource</a:t>
             </a:r>
             <a:r>
               <a:rPr lang="en-US" sz="1100" dirty="0">
@@ -12892,15 +13366,26 @@
                   <a:prstClr val="white"/>
                 </a:solidFill>
               </a:rPr>
-              <a:t> </a:t>
-            </a:r>
+              <a:t> Contact": absent</a:t>
+            </a:r>
+          </a:p>
+          <a:p>
+            <a:pPr defTabSz="457200"/>
             <a:r>
               <a:rPr lang="en-US" sz="1100" dirty="0">
                 <a:solidFill>
                   <a:prstClr val="white"/>
                 </a:solidFill>
               </a:rPr>
-              <a:t>instances </a:t>
+              <a:t>        - "</a:t>
+            </a:r>
+            <a:r>
+              <a:rPr lang="en-US" sz="1100" dirty="0" err="1">
+                <a:solidFill>
+                  <a:prstClr val="white"/>
+                </a:solidFill>
+              </a:rPr>
+              <a:t>tag:Billing</a:t>
             </a:r>
             <a:r>
               <a:rPr lang="en-US" sz="1100" dirty="0">
@@ -12908,7 +13393,7 @@
                   <a:prstClr val="white"/>
                 </a:solidFill>
               </a:rPr>
-              <a:t>that</a:t>
+              <a:t> Cost Center": absent</a:t>
             </a:r>
           </a:p>
           <a:p>
@@ -12919,7 +13404,15 @@
                   <a:prstClr val="white"/>
                 </a:solidFill>
               </a:rPr>
-              <a:t> </a:t>
+              <a:t>        - "</a:t>
+            </a:r>
+            <a:r>
+              <a:rPr lang="en-US" sz="1100" dirty="0" err="1">
+                <a:solidFill>
+                  <a:prstClr val="white"/>
+                </a:solidFill>
+              </a:rPr>
+              <a:t>tag:Environment</a:t>
             </a:r>
             <a:r>
               <a:rPr lang="en-US" sz="1100" dirty="0">
@@ -12927,15 +13420,26 @@
                   <a:prstClr val="white"/>
                 </a:solidFill>
               </a:rPr>
-              <a:t>   are not conformant to</a:t>
-            </a:r>
+              <a:t>": absent</a:t>
+            </a:r>
+          </a:p>
+          <a:p>
+            <a:pPr defTabSz="457200"/>
             <a:r>
               <a:rPr lang="en-US" sz="1100" dirty="0">
                 <a:solidFill>
                   <a:prstClr val="white"/>
                 </a:solidFill>
               </a:rPr>
-              <a:t> </a:t>
+              <a:t>        - "</a:t>
+            </a:r>
+            <a:r>
+              <a:rPr lang="en-US" sz="1100" dirty="0" err="1">
+                <a:solidFill>
+                  <a:prstClr val="white"/>
+                </a:solidFill>
+              </a:rPr>
+              <a:t>tag:Resource</a:t>
             </a:r>
             <a:r>
               <a:rPr lang="en-US" sz="1100" dirty="0">
@@ -12943,7 +13447,7 @@
                   <a:prstClr val="white"/>
                 </a:solidFill>
               </a:rPr>
-              <a:t>tagging policies</a:t>
+              <a:t> Purpose": absent</a:t>
             </a:r>
           </a:p>
           <a:p>
@@ -12954,7 +13458,15 @@
                   <a:prstClr val="white"/>
                 </a:solidFill>
               </a:rPr>
-              <a:t> </a:t>
+              <a:t>        - "</a:t>
+            </a:r>
+            <a:r>
+              <a:rPr lang="en-US" sz="1100" dirty="0" err="1">
+                <a:solidFill>
+                  <a:prstClr val="white"/>
+                </a:solidFill>
+              </a:rPr>
+              <a:t>tag:Business</a:t>
             </a:r>
             <a:r>
               <a:rPr lang="en-US" sz="1100" dirty="0">
@@ -12962,15 +13474,18 @@
                   <a:prstClr val="white"/>
                 </a:solidFill>
               </a:rPr>
-              <a:t>   and tag them </a:t>
-            </a:r>
+              <a:t> Unit": absent  </a:t>
+            </a:r>
+          </a:p>
+          <a:p>
+            <a:pPr defTabSz="457200"/>
             <a:r>
               <a:rPr lang="en-US" sz="1100" dirty="0">
                 <a:solidFill>
                   <a:prstClr val="white"/>
                 </a:solidFill>
               </a:rPr>
-              <a:t>for stoppage in 1 days.</a:t>
+              <a:t>  actions:</a:t>
             </a:r>
           </a:p>
           <a:p>
@@ -12981,15 +13496,18 @@
                   <a:prstClr val="white"/>
                 </a:solidFill>
               </a:rPr>
-              <a:t>  filters</a:t>
-            </a:r>
+              <a:t>    - type: mark-for-op</a:t>
+            </a:r>
+          </a:p>
+          <a:p>
+            <a:pPr defTabSz="457200"/>
             <a:r>
               <a:rPr lang="en-US" sz="1100" dirty="0">
                 <a:solidFill>
                   <a:prstClr val="white"/>
                 </a:solidFill>
               </a:rPr>
-              <a:t>:</a:t>
+              <a:t>      tag: c7n_tag_compliance</a:t>
             </a:r>
           </a:p>
           <a:p>
@@ -13000,53 +13518,37 @@
                   <a:prstClr val="white"/>
                 </a:solidFill>
               </a:rPr>
+              <a:t>      op: stop</a:t>
+            </a:r>
+          </a:p>
+          <a:p>
+            <a:pPr defTabSz="457200"/>
+            <a:r>
+              <a:rPr lang="en-US" sz="1100" dirty="0">
+                <a:solidFill>
+                  <a:prstClr val="white"/>
+                </a:solidFill>
+              </a:rPr>
+              <a:t>      days: 1</a:t>
+            </a:r>
+          </a:p>
+          <a:p>
+            <a:pPr defTabSz="457200"/>
+            <a:r>
+              <a:rPr lang="en-US" sz="1100" dirty="0">
+                <a:solidFill>
+                  <a:prstClr val="white"/>
+                </a:solidFill>
+              </a:rPr>
               <a:t>    - </a:t>
             </a:r>
             <a:r>
-              <a:rPr lang="en-US" sz="900" dirty="0">
-                <a:solidFill>
-                  <a:prstClr val="white"/>
-                </a:solidFill>
-              </a:rPr>
-              <a:t>"</a:t>
-            </a:r>
-            <a:r>
-              <a:rPr lang="en-US" sz="900" dirty="0" err="1">
-                <a:solidFill>
-                  <a:prstClr val="white"/>
-                </a:solidFill>
-              </a:rPr>
-              <a:t>tag:aws:autoscaling:groupName</a:t>
-            </a:r>
-            <a:r>
-              <a:rPr lang="en-US" sz="900" dirty="0">
-                <a:solidFill>
-                  <a:prstClr val="white"/>
-                </a:solidFill>
-              </a:rPr>
-              <a:t>": absent</a:t>
-            </a:r>
-          </a:p>
-          <a:p>
-            <a:pPr defTabSz="457200"/>
-            <a:r>
-              <a:rPr lang="en-US" sz="1100" dirty="0">
-                <a:solidFill>
-                  <a:prstClr val="white"/>
-                </a:solidFill>
-              </a:rPr>
-              <a:t>    - "tag:c7n_tag_compliance": absent</a:t>
-            </a:r>
-          </a:p>
-          <a:p>
-            <a:pPr defTabSz="457200"/>
-            <a:r>
-              <a:rPr lang="en-US" sz="1100" dirty="0">
-                <a:solidFill>
-                  <a:prstClr val="white"/>
-                </a:solidFill>
-              </a:rPr>
-              <a:t>    - or: </a:t>
+              <a:rPr lang="en-US" sz="1100" dirty="0" smtClean="0">
+                <a:solidFill>
+                  <a:prstClr val="white"/>
+                </a:solidFill>
+              </a:rPr>
+              <a:t>notify….</a:t>
             </a:r>
             <a:endParaRPr lang="en-US" sz="1100" dirty="0">
               <a:solidFill>
@@ -13056,155 +13558,7 @@
           </a:p>
           <a:p>
             <a:pPr defTabSz="457200"/>
-            <a:r>
-              <a:rPr lang="en-US" sz="1100" dirty="0">
-                <a:solidFill>
-                  <a:prstClr val="white"/>
-                </a:solidFill>
-              </a:rPr>
-              <a:t>  </a:t>
-            </a:r>
-            <a:r>
-              <a:rPr lang="en-US" sz="1100" dirty="0">
-                <a:solidFill>
-                  <a:prstClr val="white"/>
-                </a:solidFill>
-              </a:rPr>
-              <a:t>      - </a:t>
-            </a:r>
-            <a:r>
-              <a:rPr lang="en-US" sz="1100" dirty="0">
-                <a:solidFill>
-                  <a:prstClr val="white"/>
-                </a:solidFill>
-              </a:rPr>
-              <a:t>"</a:t>
-            </a:r>
-            <a:r>
-              <a:rPr lang="en-US" sz="1100" dirty="0" err="1">
-                <a:solidFill>
-                  <a:prstClr val="white"/>
-                </a:solidFill>
-              </a:rPr>
-              <a:t>tag:Resource</a:t>
-            </a:r>
-            <a:r>
-              <a:rPr lang="en-US" sz="1100" dirty="0">
-                <a:solidFill>
-                  <a:prstClr val="white"/>
-                </a:solidFill>
-              </a:rPr>
-              <a:t> Contact": absent</a:t>
-            </a:r>
-          </a:p>
-          <a:p>
-            <a:pPr defTabSz="457200"/>
-            <a:r>
-              <a:rPr lang="en-US" sz="1100" dirty="0">
-                <a:solidFill>
-                  <a:prstClr val="white"/>
-                </a:solidFill>
-              </a:rPr>
-              <a:t>        - "</a:t>
-            </a:r>
-            <a:r>
-              <a:rPr lang="en-US" sz="1100" dirty="0" err="1">
-                <a:solidFill>
-                  <a:prstClr val="white"/>
-                </a:solidFill>
-              </a:rPr>
-              <a:t>tag:Billing</a:t>
-            </a:r>
-            <a:r>
-              <a:rPr lang="en-US" sz="1100" dirty="0">
-                <a:solidFill>
-                  <a:prstClr val="white"/>
-                </a:solidFill>
-              </a:rPr>
-              <a:t> Cost Center": absent</a:t>
-            </a:r>
-          </a:p>
-          <a:p>
-            <a:pPr defTabSz="457200"/>
-            <a:r>
-              <a:rPr lang="en-US" sz="1100" dirty="0">
-                <a:solidFill>
-                  <a:prstClr val="white"/>
-                </a:solidFill>
-              </a:rPr>
-              <a:t>        - "</a:t>
-            </a:r>
-            <a:r>
-              <a:rPr lang="en-US" sz="1100" dirty="0" err="1">
-                <a:solidFill>
-                  <a:prstClr val="white"/>
-                </a:solidFill>
-              </a:rPr>
-              <a:t>tag:Environment</a:t>
-            </a:r>
-            <a:r>
-              <a:rPr lang="en-US" sz="1100" dirty="0">
-                <a:solidFill>
-                  <a:prstClr val="white"/>
-                </a:solidFill>
-              </a:rPr>
-              <a:t>": absent</a:t>
-            </a:r>
-          </a:p>
-          <a:p>
-            <a:pPr defTabSz="457200"/>
-            <a:r>
-              <a:rPr lang="en-US" sz="1100" dirty="0">
-                <a:solidFill>
-                  <a:prstClr val="white"/>
-                </a:solidFill>
-              </a:rPr>
-              <a:t>        - "</a:t>
-            </a:r>
-            <a:r>
-              <a:rPr lang="en-US" sz="1100" dirty="0" err="1">
-                <a:solidFill>
-                  <a:prstClr val="white"/>
-                </a:solidFill>
-              </a:rPr>
-              <a:t>tag:Resource</a:t>
-            </a:r>
-            <a:r>
-              <a:rPr lang="en-US" sz="1100" dirty="0">
-                <a:solidFill>
-                  <a:prstClr val="white"/>
-                </a:solidFill>
-              </a:rPr>
-              <a:t> Purpose": absent</a:t>
-            </a:r>
-          </a:p>
-          <a:p>
-            <a:pPr defTabSz="457200"/>
-            <a:r>
-              <a:rPr lang="en-US" sz="1100" dirty="0">
-                <a:solidFill>
-                  <a:prstClr val="white"/>
-                </a:solidFill>
-              </a:rPr>
-              <a:t>        - "</a:t>
-            </a:r>
-            <a:r>
-              <a:rPr lang="en-US" sz="1100" dirty="0" err="1">
-                <a:solidFill>
-                  <a:prstClr val="white"/>
-                </a:solidFill>
-              </a:rPr>
-              <a:t>tag:Business</a:t>
-            </a:r>
-            <a:r>
-              <a:rPr lang="en-US" sz="1100" dirty="0">
-                <a:solidFill>
-                  <a:prstClr val="white"/>
-                </a:solidFill>
-              </a:rPr>
-              <a:t> Unit": absent  </a:t>
-            </a:r>
-            <a:endParaRPr lang="en-US" sz="1100" dirty="0">
+            <a:endParaRPr lang="en-US" sz="800" dirty="0" smtClean="0">
               <a:solidFill>
                 <a:prstClr val="white"/>
               </a:solidFill>
@@ -13212,110 +13566,55 @@
           </a:p>
           <a:p>
             <a:pPr defTabSz="457200"/>
-            <a:r>
-              <a:rPr lang="en-US" sz="1100" dirty="0">
-                <a:solidFill>
-                  <a:prstClr val="white"/>
-                </a:solidFill>
-              </a:rPr>
-              <a:t> </a:t>
-            </a:r>
-            <a:r>
-              <a:rPr lang="en-US" sz="1100" dirty="0">
-                <a:solidFill>
-                  <a:prstClr val="white"/>
-                </a:solidFill>
-              </a:rPr>
-              <a:t> actions</a:t>
-            </a:r>
-            <a:r>
-              <a:rPr lang="en-US" sz="1100" dirty="0">
-                <a:solidFill>
-                  <a:prstClr val="white"/>
-                </a:solidFill>
-              </a:rPr>
-              <a:t>:</a:t>
-            </a:r>
-          </a:p>
-          <a:p>
-            <a:pPr defTabSz="457200"/>
-            <a:r>
-              <a:rPr lang="en-US" sz="1100" dirty="0">
-                <a:solidFill>
-                  <a:prstClr val="white"/>
-                </a:solidFill>
-              </a:rPr>
-              <a:t>    - type: mark-for-op</a:t>
-            </a:r>
-          </a:p>
-          <a:p>
-            <a:pPr defTabSz="457200"/>
-            <a:r>
-              <a:rPr lang="en-US" sz="1100" dirty="0">
-                <a:solidFill>
-                  <a:prstClr val="white"/>
-                </a:solidFill>
-              </a:rPr>
-              <a:t>      tag: c7n_tag_compliance</a:t>
-            </a:r>
-          </a:p>
-          <a:p>
-            <a:pPr defTabSz="457200"/>
-            <a:r>
-              <a:rPr lang="en-US" sz="1100" dirty="0">
-                <a:solidFill>
-                  <a:prstClr val="white"/>
-                </a:solidFill>
-              </a:rPr>
-              <a:t>      op: stop</a:t>
-            </a:r>
-          </a:p>
-          <a:p>
-            <a:pPr defTabSz="457200"/>
-            <a:r>
-              <a:rPr lang="en-US" sz="1100" dirty="0">
-                <a:solidFill>
-                  <a:prstClr val="white"/>
-                </a:solidFill>
-              </a:rPr>
-              <a:t>      days: </a:t>
-            </a:r>
-            <a:r>
-              <a:rPr lang="en-US" sz="1100" dirty="0">
-                <a:solidFill>
-                  <a:prstClr val="white"/>
-                </a:solidFill>
-              </a:rPr>
-              <a:t>1</a:t>
-            </a:r>
-          </a:p>
-          <a:p>
-            <a:pPr defTabSz="457200"/>
-            <a:r>
-              <a:rPr lang="en-US" sz="1100" dirty="0">
-                <a:solidFill>
-                  <a:prstClr val="white"/>
-                </a:solidFill>
-              </a:rPr>
-              <a:t> </a:t>
-            </a:r>
-            <a:r>
-              <a:rPr lang="en-US" sz="1100" dirty="0">
-                <a:solidFill>
-                  <a:prstClr val="white"/>
-                </a:solidFill>
-              </a:rPr>
-              <a:t>   - </a:t>
-            </a:r>
-            <a:r>
-              <a:rPr lang="en-US" sz="1100" dirty="0" smtClean="0">
-                <a:solidFill>
-                  <a:prstClr val="white"/>
-                </a:solidFill>
-              </a:rPr>
-              <a:t>notify….</a:t>
-            </a:r>
-            <a:endParaRPr lang="en-US" sz="1100" dirty="0">
+            <a:endParaRPr lang="en-US" sz="800" dirty="0">
+              <a:solidFill>
+                <a:prstClr val="white"/>
+              </a:solidFill>
+            </a:endParaRPr>
+          </a:p>
+          <a:p>
+            <a:pPr defTabSz="457200"/>
+            <a:endParaRPr lang="en-US" sz="800" dirty="0" smtClean="0">
+              <a:solidFill>
+                <a:prstClr val="white"/>
+              </a:solidFill>
+            </a:endParaRPr>
+          </a:p>
+          <a:p>
+            <a:pPr defTabSz="457200"/>
+            <a:endParaRPr lang="en-US" sz="800" dirty="0">
+              <a:solidFill>
+                <a:prstClr val="white"/>
+              </a:solidFill>
+            </a:endParaRPr>
+          </a:p>
+          <a:p>
+            <a:pPr defTabSz="457200"/>
+            <a:endParaRPr lang="en-US" sz="800" dirty="0" smtClean="0">
+              <a:solidFill>
+                <a:prstClr val="white"/>
+              </a:solidFill>
+            </a:endParaRPr>
+          </a:p>
+          <a:p>
+            <a:pPr defTabSz="457200"/>
+            <a:endParaRPr lang="en-US" sz="800" dirty="0">
+              <a:solidFill>
+                <a:prstClr val="white"/>
+              </a:solidFill>
+            </a:endParaRPr>
+          </a:p>
+          <a:p>
+            <a:pPr defTabSz="457200"/>
+            <a:endParaRPr lang="en-US" sz="800" dirty="0" smtClean="0">
+              <a:solidFill>
+                <a:prstClr val="white"/>
+              </a:solidFill>
+            </a:endParaRPr>
+          </a:p>
+          <a:p>
+            <a:pPr defTabSz="457200"/>
+            <a:endParaRPr lang="en-US" sz="800">
               <a:solidFill>
                 <a:prstClr val="white"/>
               </a:solidFill>
@@ -13347,7 +13646,7 @@
         </p:nvSpPr>
         <p:spPr>
           <a:xfrm>
-            <a:off x="3457848" y="1010245"/>
+            <a:off x="3382905" y="910590"/>
             <a:ext cx="2500539" cy="5847755"/>
           </a:xfrm>
           <a:prstGeom prst="rect">
@@ -13451,7 +13750,15 @@
                   <a:prstClr val="white"/>
                 </a:solidFill>
               </a:rPr>
-              <a:t>    Stop all </a:t>
+              <a:t>    Stop all non-</a:t>
+            </a:r>
+            <a:r>
+              <a:rPr lang="en-US" sz="1100" dirty="0" err="1">
+                <a:solidFill>
+                  <a:prstClr val="white"/>
+                </a:solidFill>
+              </a:rPr>
+              <a:t>autoscaling</a:t>
             </a:r>
             <a:r>
               <a:rPr lang="en-US" sz="1100" dirty="0">
@@ -13459,7 +13766,108 @@
                   <a:prstClr val="white"/>
                 </a:solidFill>
               </a:rPr>
-              <a:t>non-</a:t>
+              <a:t> group</a:t>
+            </a:r>
+          </a:p>
+          <a:p>
+            <a:pPr defTabSz="457200"/>
+            <a:r>
+              <a:rPr lang="en-US" sz="1100" dirty="0">
+                <a:solidFill>
+                  <a:prstClr val="white"/>
+                </a:solidFill>
+              </a:rPr>
+              <a:t>    instances previously marked for</a:t>
+            </a:r>
+          </a:p>
+          <a:p>
+            <a:pPr defTabSz="457200"/>
+            <a:r>
+              <a:rPr lang="en-US" sz="1100" dirty="0">
+                <a:solidFill>
+                  <a:prstClr val="white"/>
+                </a:solidFill>
+              </a:rPr>
+              <a:t>    stoppage by today's date, and</a:t>
+            </a:r>
+          </a:p>
+          <a:p>
+            <a:pPr defTabSz="457200"/>
+            <a:r>
+              <a:rPr lang="en-US" sz="1100" dirty="0">
+                <a:solidFill>
+                  <a:prstClr val="white"/>
+                </a:solidFill>
+              </a:rPr>
+              <a:t>    schedule termination in 2 days.</a:t>
+            </a:r>
+          </a:p>
+          <a:p>
+            <a:pPr defTabSz="457200"/>
+            <a:r>
+              <a:rPr lang="en-US" sz="1100" dirty="0">
+                <a:solidFill>
+                  <a:prstClr val="white"/>
+                </a:solidFill>
+              </a:rPr>
+              <a:t>  filters:</a:t>
+            </a:r>
+          </a:p>
+          <a:p>
+            <a:pPr defTabSz="457200"/>
+            <a:r>
+              <a:rPr lang="en-US" sz="1100" dirty="0">
+                <a:solidFill>
+                  <a:prstClr val="white"/>
+                </a:solidFill>
+              </a:rPr>
+              <a:t>    </a:t>
+            </a:r>
+            <a:r>
+              <a:rPr lang="en-US" sz="900" dirty="0">
+                <a:solidFill>
+                  <a:prstClr val="white"/>
+                </a:solidFill>
+              </a:rPr>
+              <a:t>- "</a:t>
+            </a:r>
+            <a:r>
+              <a:rPr lang="en-US" sz="900" dirty="0" err="1">
+                <a:solidFill>
+                  <a:prstClr val="white"/>
+                </a:solidFill>
+              </a:rPr>
+              <a:t>tag:aws:autoscaling:groupName</a:t>
+            </a:r>
+            <a:r>
+              <a:rPr lang="en-US" sz="900" dirty="0">
+                <a:solidFill>
+                  <a:prstClr val="white"/>
+                </a:solidFill>
+              </a:rPr>
+              <a:t>": absent</a:t>
+            </a:r>
+          </a:p>
+          <a:p>
+            <a:pPr defTabSz="457200"/>
+            <a:r>
+              <a:rPr lang="en-US" sz="1100" dirty="0">
+                <a:solidFill>
+                  <a:prstClr val="white"/>
+                </a:solidFill>
+              </a:rPr>
+              <a:t>    - or:</a:t>
+            </a:r>
+          </a:p>
+          <a:p>
+            <a:pPr defTabSz="457200"/>
+            <a:r>
+              <a:rPr lang="en-US" sz="1100" dirty="0">
+                <a:solidFill>
+                  <a:prstClr val="white"/>
+                </a:solidFill>
+              </a:rPr>
+              <a:t>        - "</a:t>
             </a:r>
             <a:r>
               <a:rPr lang="en-US" sz="1100" dirty="0" err="1">
@@ -13467,7 +13875,7 @@
                   <a:prstClr val="white"/>
                 </a:solidFill>
               </a:rPr>
-              <a:t>autoscaling</a:t>
+              <a:t>tag:Resource</a:t>
             </a:r>
             <a:r>
               <a:rPr lang="en-US" sz="1100" dirty="0">
@@ -13475,7 +13883,7 @@
                   <a:prstClr val="white"/>
                 </a:solidFill>
               </a:rPr>
-              <a:t> group</a:t>
+              <a:t> Contact": absent</a:t>
             </a:r>
           </a:p>
           <a:p>
@@ -13486,7 +13894,15 @@
                   <a:prstClr val="white"/>
                 </a:solidFill>
               </a:rPr>
-              <a:t> </a:t>
+              <a:t>        - "</a:t>
+            </a:r>
+            <a:r>
+              <a:rPr lang="en-US" sz="1100" dirty="0" err="1">
+                <a:solidFill>
+                  <a:prstClr val="white"/>
+                </a:solidFill>
+              </a:rPr>
+              <a:t>tag:Billing</a:t>
             </a:r>
             <a:r>
               <a:rPr lang="en-US" sz="1100" dirty="0">
@@ -13494,7 +13910,7 @@
                   <a:prstClr val="white"/>
                 </a:solidFill>
               </a:rPr>
-              <a:t>   instances previously marked for</a:t>
+              <a:t> Cost Center": absent</a:t>
             </a:r>
           </a:p>
           <a:p>
@@ -13505,7 +13921,15 @@
                   <a:prstClr val="white"/>
                 </a:solidFill>
               </a:rPr>
-              <a:t> </a:t>
+              <a:t>        - "</a:t>
+            </a:r>
+            <a:r>
+              <a:rPr lang="en-US" sz="1100" dirty="0" err="1">
+                <a:solidFill>
+                  <a:prstClr val="white"/>
+                </a:solidFill>
+              </a:rPr>
+              <a:t>tag:Environment</a:t>
             </a:r>
             <a:r>
               <a:rPr lang="en-US" sz="1100" dirty="0">
@@ -13513,15 +13937,26 @@
                   <a:prstClr val="white"/>
                 </a:solidFill>
               </a:rPr>
-              <a:t>   stoppage </a:t>
-            </a:r>
+              <a:t>": absent</a:t>
+            </a:r>
+          </a:p>
+          <a:p>
+            <a:pPr defTabSz="457200"/>
             <a:r>
               <a:rPr lang="en-US" sz="1100" dirty="0">
                 <a:solidFill>
                   <a:prstClr val="white"/>
                 </a:solidFill>
               </a:rPr>
-              <a:t>by today's date, </a:t>
+              <a:t>        - "</a:t>
+            </a:r>
+            <a:r>
+              <a:rPr lang="en-US" sz="1100" dirty="0" err="1">
+                <a:solidFill>
+                  <a:prstClr val="white"/>
+                </a:solidFill>
+              </a:rPr>
+              <a:t>tag:Resource</a:t>
             </a:r>
             <a:r>
               <a:rPr lang="en-US" sz="1100" dirty="0">
@@ -13529,7 +13964,7 @@
                   <a:prstClr val="white"/>
                 </a:solidFill>
               </a:rPr>
-              <a:t>and</a:t>
+              <a:t> Purpose": absent</a:t>
             </a:r>
           </a:p>
           <a:p>
@@ -13540,7 +13975,15 @@
                   <a:prstClr val="white"/>
                 </a:solidFill>
               </a:rPr>
-              <a:t> </a:t>
+              <a:t>        - "</a:t>
+            </a:r>
+            <a:r>
+              <a:rPr lang="en-US" sz="1100" dirty="0" err="1">
+                <a:solidFill>
+                  <a:prstClr val="white"/>
+                </a:solidFill>
+              </a:rPr>
+              <a:t>tag:Business</a:t>
             </a:r>
             <a:r>
               <a:rPr lang="en-US" sz="1100" dirty="0">
@@ -13548,29 +13991,30 @@
                   <a:prstClr val="white"/>
                 </a:solidFill>
               </a:rPr>
-              <a:t>   schedule termination in 2 </a:t>
-            </a:r>
+              <a:t> Unit": absent </a:t>
+            </a:r>
+          </a:p>
+          <a:p>
+            <a:pPr defTabSz="457200"/>
             <a:r>
               <a:rPr lang="en-US" sz="1100" dirty="0">
                 <a:solidFill>
                   <a:prstClr val="white"/>
                 </a:solidFill>
               </a:rPr>
-              <a:t>days</a:t>
-            </a:r>
+              <a:t>    - type: marked-for-op</a:t>
+            </a:r>
+          </a:p>
+          <a:p>
+            <a:pPr defTabSz="457200"/>
             <a:r>
               <a:rPr lang="en-US" sz="1100" dirty="0">
                 <a:solidFill>
                   <a:prstClr val="white"/>
                 </a:solidFill>
               </a:rPr>
-              <a:t>.</a:t>
-            </a:r>
-            <a:endParaRPr lang="en-US" sz="1100" dirty="0">
-              <a:solidFill>
-                <a:prstClr val="white"/>
-              </a:solidFill>
-            </a:endParaRPr>
+              <a:t>      tag: c7n_tag_compliance</a:t>
+            </a:r>
           </a:p>
           <a:p>
             <a:pPr defTabSz="457200"/>
@@ -13580,15 +14024,18 @@
                   <a:prstClr val="white"/>
                 </a:solidFill>
               </a:rPr>
-              <a:t>  filters</a:t>
-            </a:r>
+              <a:t>      op: stop</a:t>
+            </a:r>
+          </a:p>
+          <a:p>
+            <a:pPr defTabSz="457200"/>
             <a:r>
               <a:rPr lang="en-US" sz="1100" dirty="0">
                 <a:solidFill>
                   <a:prstClr val="white"/>
                 </a:solidFill>
               </a:rPr>
-              <a:t>:</a:t>
+              <a:t>    - type: instance-age</a:t>
             </a:r>
           </a:p>
           <a:p>
@@ -13599,31 +14046,7 @@
                   <a:prstClr val="white"/>
                 </a:solidFill>
               </a:rPr>
-              <a:t>    </a:t>
-            </a:r>
-            <a:r>
-              <a:rPr lang="en-US" sz="900" dirty="0">
-                <a:solidFill>
-                  <a:prstClr val="white"/>
-                </a:solidFill>
-              </a:rPr>
-              <a:t>- "</a:t>
-            </a:r>
-            <a:r>
-              <a:rPr lang="en-US" sz="900" dirty="0" err="1">
-                <a:solidFill>
-                  <a:prstClr val="white"/>
-                </a:solidFill>
-              </a:rPr>
-              <a:t>tag:aws:autoscaling:groupName</a:t>
-            </a:r>
-            <a:r>
-              <a:rPr lang="en-US" sz="900" dirty="0">
-                <a:solidFill>
-                  <a:prstClr val="white"/>
-                </a:solidFill>
-              </a:rPr>
-              <a:t>": absent</a:t>
+              <a:t>      op: greater-than</a:t>
             </a:r>
           </a:p>
           <a:p>
@@ -13634,15 +14057,18 @@
                   <a:prstClr val="white"/>
                 </a:solidFill>
               </a:rPr>
-              <a:t>    - or</a:t>
-            </a:r>
+              <a:t>      hours: 24</a:t>
+            </a:r>
+          </a:p>
+          <a:p>
+            <a:pPr defTabSz="457200"/>
             <a:r>
               <a:rPr lang="en-US" sz="1100" dirty="0">
                 <a:solidFill>
                   <a:prstClr val="white"/>
                 </a:solidFill>
               </a:rPr>
-              <a:t>:</a:t>
+              <a:t>    - not:</a:t>
             </a:r>
           </a:p>
           <a:p>
@@ -13653,7 +14079,15 @@
                   <a:prstClr val="white"/>
                 </a:solidFill>
               </a:rPr>
-              <a:t> </a:t>
+              <a:t>        - "</a:t>
+            </a:r>
+            <a:r>
+              <a:rPr lang="en-US" sz="1100" dirty="0" err="1">
+                <a:solidFill>
+                  <a:prstClr val="white"/>
+                </a:solidFill>
+              </a:rPr>
+              <a:t>State.Name</a:t>
             </a:r>
             <a:r>
               <a:rPr lang="en-US" sz="1100" dirty="0">
@@ -13661,31 +14095,29 @@
                   <a:prstClr val="white"/>
                 </a:solidFill>
               </a:rPr>
-              <a:t>       - </a:t>
-            </a:r>
+              <a:t>": terminated</a:t>
+            </a:r>
+          </a:p>
+          <a:p>
+            <a:pPr defTabSz="457200"/>
             <a:r>
               <a:rPr lang="en-US" sz="1100" dirty="0">
                 <a:solidFill>
                   <a:prstClr val="white"/>
                 </a:solidFill>
               </a:rPr>
-              <a:t>"</a:t>
-            </a:r>
-            <a:r>
-              <a:rPr lang="en-US" sz="1100" dirty="0" err="1">
-                <a:solidFill>
-                  <a:prstClr val="white"/>
-                </a:solidFill>
-              </a:rPr>
-              <a:t>tag:Resource</a:t>
-            </a:r>
+              <a:t>  actions:</a:t>
+            </a:r>
+          </a:p>
+          <a:p>
+            <a:pPr defTabSz="457200"/>
             <a:r>
               <a:rPr lang="en-US" sz="1100" dirty="0">
                 <a:solidFill>
                   <a:prstClr val="white"/>
                 </a:solidFill>
               </a:rPr>
-              <a:t> Contact": absent</a:t>
+              <a:t>    - stop</a:t>
             </a:r>
           </a:p>
           <a:p>
@@ -13696,23 +14128,18 @@
                   <a:prstClr val="white"/>
                 </a:solidFill>
               </a:rPr>
-              <a:t>        - "</a:t>
-            </a:r>
-            <a:r>
-              <a:rPr lang="en-US" sz="1100" dirty="0" err="1">
-                <a:solidFill>
-                  <a:prstClr val="white"/>
-                </a:solidFill>
-              </a:rPr>
-              <a:t>tag:Billing</a:t>
-            </a:r>
+              <a:t>    - type: mark-for-op</a:t>
+            </a:r>
+          </a:p>
+          <a:p>
+            <a:pPr defTabSz="457200"/>
             <a:r>
               <a:rPr lang="en-US" sz="1100" dirty="0">
                 <a:solidFill>
                   <a:prstClr val="white"/>
                 </a:solidFill>
               </a:rPr>
-              <a:t> Cost Center": absent</a:t>
+              <a:t>      tag: c7n_tag_compliance</a:t>
             </a:r>
           </a:p>
           <a:p>
@@ -13723,23 +14150,18 @@
                   <a:prstClr val="white"/>
                 </a:solidFill>
               </a:rPr>
-              <a:t>        - "</a:t>
-            </a:r>
-            <a:r>
-              <a:rPr lang="en-US" sz="1100" dirty="0" err="1">
-                <a:solidFill>
-                  <a:prstClr val="white"/>
-                </a:solidFill>
-              </a:rPr>
-              <a:t>tag:Environment</a:t>
-            </a:r>
+              <a:t>      op: terminate</a:t>
+            </a:r>
+          </a:p>
+          <a:p>
+            <a:pPr defTabSz="457200"/>
             <a:r>
               <a:rPr lang="en-US" sz="1100" dirty="0">
                 <a:solidFill>
                   <a:prstClr val="white"/>
                 </a:solidFill>
               </a:rPr>
-              <a:t>": absent</a:t>
+              <a:t>      days: 2</a:t>
             </a:r>
           </a:p>
           <a:p>
@@ -13750,247 +14172,7 @@
                   <a:prstClr val="white"/>
                 </a:solidFill>
               </a:rPr>
-              <a:t>        - "</a:t>
-            </a:r>
-            <a:r>
-              <a:rPr lang="en-US" sz="1100" dirty="0" err="1">
-                <a:solidFill>
-                  <a:prstClr val="white"/>
-                </a:solidFill>
-              </a:rPr>
-              <a:t>tag:Resource</a:t>
-            </a:r>
-            <a:r>
-              <a:rPr lang="en-US" sz="1100" dirty="0">
-                <a:solidFill>
-                  <a:prstClr val="white"/>
-                </a:solidFill>
-              </a:rPr>
-              <a:t> Purpose": absent</a:t>
-            </a:r>
-          </a:p>
-          <a:p>
-            <a:pPr defTabSz="457200"/>
-            <a:r>
-              <a:rPr lang="en-US" sz="1100" dirty="0">
-                <a:solidFill>
-                  <a:prstClr val="white"/>
-                </a:solidFill>
-              </a:rPr>
-              <a:t>        - "</a:t>
-            </a:r>
-            <a:r>
-              <a:rPr lang="en-US" sz="1100" dirty="0" err="1">
-                <a:solidFill>
-                  <a:prstClr val="white"/>
-                </a:solidFill>
-              </a:rPr>
-              <a:t>tag:Business</a:t>
-            </a:r>
-            <a:r>
-              <a:rPr lang="en-US" sz="1100" dirty="0">
-                <a:solidFill>
-                  <a:prstClr val="white"/>
-                </a:solidFill>
-              </a:rPr>
-              <a:t> Unit": absent </a:t>
-            </a:r>
-          </a:p>
-          <a:p>
-            <a:pPr defTabSz="457200"/>
-            <a:r>
-              <a:rPr lang="en-US" sz="1100" dirty="0">
-                <a:solidFill>
-                  <a:prstClr val="white"/>
-                </a:solidFill>
-              </a:rPr>
-              <a:t>    - type: marked-for-op</a:t>
-            </a:r>
-          </a:p>
-          <a:p>
-            <a:pPr defTabSz="457200"/>
-            <a:r>
-              <a:rPr lang="en-US" sz="1100" dirty="0">
-                <a:solidFill>
-                  <a:prstClr val="white"/>
-                </a:solidFill>
-              </a:rPr>
-              <a:t>      tag: c7n_tag_compliance</a:t>
-            </a:r>
-          </a:p>
-          <a:p>
-            <a:pPr defTabSz="457200"/>
-            <a:r>
-              <a:rPr lang="en-US" sz="1100" dirty="0">
-                <a:solidFill>
-                  <a:prstClr val="white"/>
-                </a:solidFill>
-              </a:rPr>
-              <a:t>      op: stop</a:t>
-            </a:r>
-          </a:p>
-          <a:p>
-            <a:pPr defTabSz="457200"/>
-            <a:r>
-              <a:rPr lang="en-US" sz="1100" dirty="0">
-                <a:solidFill>
-                  <a:prstClr val="white"/>
-                </a:solidFill>
-              </a:rPr>
-              <a:t>    - type: instance-age</a:t>
-            </a:r>
-          </a:p>
-          <a:p>
-            <a:pPr defTabSz="457200"/>
-            <a:r>
-              <a:rPr lang="en-US" sz="1100" dirty="0">
-                <a:solidFill>
-                  <a:prstClr val="white"/>
-                </a:solidFill>
-              </a:rPr>
-              <a:t>      op: greater-than</a:t>
-            </a:r>
-          </a:p>
-          <a:p>
-            <a:pPr defTabSz="457200"/>
-            <a:r>
-              <a:rPr lang="en-US" sz="1100" dirty="0">
-                <a:solidFill>
-                  <a:prstClr val="white"/>
-                </a:solidFill>
-              </a:rPr>
-              <a:t>      hours: 24</a:t>
-            </a:r>
-          </a:p>
-          <a:p>
-            <a:pPr defTabSz="457200"/>
-            <a:r>
-              <a:rPr lang="en-US" sz="1100" dirty="0">
-                <a:solidFill>
-                  <a:prstClr val="white"/>
-                </a:solidFill>
-              </a:rPr>
-              <a:t>    - not:</a:t>
-            </a:r>
-          </a:p>
-          <a:p>
-            <a:pPr defTabSz="457200"/>
-            <a:r>
-              <a:rPr lang="en-US" sz="1100" dirty="0">
-                <a:solidFill>
-                  <a:prstClr val="white"/>
-                </a:solidFill>
-              </a:rPr>
-              <a:t>        - "</a:t>
-            </a:r>
-            <a:r>
-              <a:rPr lang="en-US" sz="1100" dirty="0" err="1">
-                <a:solidFill>
-                  <a:prstClr val="white"/>
-                </a:solidFill>
-              </a:rPr>
-              <a:t>State.Name</a:t>
-            </a:r>
-            <a:r>
-              <a:rPr lang="en-US" sz="1100" dirty="0">
-                <a:solidFill>
-                  <a:prstClr val="white"/>
-                </a:solidFill>
-              </a:rPr>
-              <a:t>": terminated</a:t>
-            </a:r>
-          </a:p>
-          <a:p>
-            <a:pPr defTabSz="457200"/>
-            <a:r>
-              <a:rPr lang="en-US" sz="1100" dirty="0">
-                <a:solidFill>
-                  <a:prstClr val="white"/>
-                </a:solidFill>
-              </a:rPr>
-              <a:t>  actions:</a:t>
-            </a:r>
-          </a:p>
-          <a:p>
-            <a:pPr defTabSz="457200"/>
-            <a:r>
-              <a:rPr lang="en-US" sz="1100" dirty="0">
-                <a:solidFill>
-                  <a:prstClr val="white"/>
-                </a:solidFill>
-              </a:rPr>
-              <a:t>    - stop</a:t>
-            </a:r>
-          </a:p>
-          <a:p>
-            <a:pPr defTabSz="457200"/>
-            <a:r>
-              <a:rPr lang="en-US" sz="1100" dirty="0">
-                <a:solidFill>
-                  <a:prstClr val="white"/>
-                </a:solidFill>
-              </a:rPr>
-              <a:t>    - type: mark-for-op</a:t>
-            </a:r>
-          </a:p>
-          <a:p>
-            <a:pPr defTabSz="457200"/>
-            <a:r>
-              <a:rPr lang="en-US" sz="1100" dirty="0">
-                <a:solidFill>
-                  <a:prstClr val="white"/>
-                </a:solidFill>
-              </a:rPr>
-              <a:t>      tag: c7n_tag_compliance</a:t>
-            </a:r>
-          </a:p>
-          <a:p>
-            <a:pPr defTabSz="457200"/>
-            <a:r>
-              <a:rPr lang="en-US" sz="1100" dirty="0">
-                <a:solidFill>
-                  <a:prstClr val="white"/>
-                </a:solidFill>
-              </a:rPr>
-              <a:t>      op: terminate</a:t>
-            </a:r>
-          </a:p>
-          <a:p>
-            <a:pPr defTabSz="457200"/>
-            <a:r>
-              <a:rPr lang="en-US" sz="1100" dirty="0">
-                <a:solidFill>
-                  <a:prstClr val="white"/>
-                </a:solidFill>
-              </a:rPr>
-              <a:t>      days: </a:t>
-            </a:r>
-            <a:r>
-              <a:rPr lang="en-US" sz="1100" dirty="0">
-                <a:solidFill>
-                  <a:prstClr val="white"/>
-                </a:solidFill>
-              </a:rPr>
-              <a:t>2</a:t>
-            </a:r>
-          </a:p>
-          <a:p>
-            <a:pPr defTabSz="457200"/>
-            <a:r>
-              <a:rPr lang="en-US" sz="1100" dirty="0">
-                <a:solidFill>
-                  <a:prstClr val="white"/>
-                </a:solidFill>
-              </a:rPr>
-              <a:t> </a:t>
-            </a:r>
-            <a:r>
-              <a:rPr lang="en-US" sz="1100" dirty="0">
-                <a:solidFill>
-                  <a:prstClr val="white"/>
-                </a:solidFill>
-              </a:rPr>
-              <a:t>   - </a:t>
+              <a:t>    - </a:t>
             </a:r>
             <a:r>
               <a:rPr lang="en-US" sz="1100" dirty="0" smtClean="0">
@@ -13998,8 +14180,19 @@
                   <a:prstClr val="white"/>
                 </a:solidFill>
               </a:rPr>
-              <a:t>notify….</a:t>
-            </a:r>
+              <a:t>notify</a:t>
+            </a:r>
+            <a:r>
+              <a:rPr lang="en-US" sz="1100" dirty="0" smtClean="0">
+                <a:solidFill>
+                  <a:prstClr val="white"/>
+                </a:solidFill>
+              </a:rPr>
+              <a:t>….</a:t>
+            </a:r>
+          </a:p>
+          <a:p>
+            <a:pPr defTabSz="457200"/>
             <a:endParaRPr lang="en-US" sz="1100" dirty="0">
               <a:solidFill>
                 <a:prstClr val="white"/>
@@ -14016,8 +14209,8 @@
         </p:nvSpPr>
         <p:spPr>
           <a:xfrm>
-            <a:off x="6307112" y="1033272"/>
-            <a:ext cx="2500539" cy="4970591"/>
+            <a:off x="6307112" y="992082"/>
+            <a:ext cx="2500539" cy="5647700"/>
           </a:xfrm>
           <a:prstGeom prst="rect">
             <a:avLst/>
@@ -14120,15 +14313,18 @@
                   <a:prstClr val="white"/>
                 </a:solidFill>
               </a:rPr>
-              <a:t>    Stop all instances marked </a:t>
-            </a:r>
+              <a:t>    Stop all instances marked for</a:t>
+            </a:r>
+          </a:p>
+          <a:p>
+            <a:pPr defTabSz="457200"/>
             <a:r>
               <a:rPr lang="en-US" sz="1100" dirty="0">
                 <a:solidFill>
                   <a:prstClr val="white"/>
                 </a:solidFill>
               </a:rPr>
-              <a:t>for</a:t>
+              <a:t>    termination every hour starting 1 day</a:t>
             </a:r>
           </a:p>
           <a:p>
@@ -14139,31 +14335,75 @@
                   <a:prstClr val="white"/>
                 </a:solidFill>
               </a:rPr>
-              <a:t> </a:t>
-            </a:r>
+              <a:t>    before their termination.</a:t>
+            </a:r>
+          </a:p>
+          <a:p>
+            <a:pPr defTabSz="457200"/>
             <a:r>
               <a:rPr lang="en-US" sz="1100" dirty="0">
                 <a:solidFill>
                   <a:prstClr val="white"/>
                 </a:solidFill>
               </a:rPr>
-              <a:t>   termination </a:t>
-            </a:r>
+              <a:t>  filters:</a:t>
+            </a:r>
+          </a:p>
+          <a:p>
+            <a:pPr defTabSz="457200"/>
+            <a:r>
+              <a:rPr lang="en-US" sz="900" dirty="0">
+                <a:solidFill>
+                  <a:prstClr val="white"/>
+                </a:solidFill>
+              </a:rPr>
+              <a:t>    - "</a:t>
+            </a:r>
+            <a:r>
+              <a:rPr lang="en-US" sz="900" dirty="0" err="1">
+                <a:solidFill>
+                  <a:prstClr val="white"/>
+                </a:solidFill>
+              </a:rPr>
+              <a:t>tag:aws:autoscaling:groupName</a:t>
+            </a:r>
+            <a:r>
+              <a:rPr lang="en-US" sz="900" dirty="0">
+                <a:solidFill>
+                  <a:prstClr val="white"/>
+                </a:solidFill>
+              </a:rPr>
+              <a:t>": absent</a:t>
+            </a:r>
+          </a:p>
+          <a:p>
+            <a:pPr defTabSz="457200"/>
             <a:r>
               <a:rPr lang="en-US" sz="1100" dirty="0">
                 <a:solidFill>
                   <a:prstClr val="white"/>
                 </a:solidFill>
               </a:rPr>
-              <a:t>every </a:t>
-            </a:r>
+              <a:t>    - or:</a:t>
+            </a:r>
+          </a:p>
+          <a:p>
+            <a:pPr defTabSz="457200"/>
             <a:r>
               <a:rPr lang="en-US" sz="1100" dirty="0">
                 <a:solidFill>
                   <a:prstClr val="white"/>
                 </a:solidFill>
               </a:rPr>
-              <a:t>hour starting </a:t>
+              <a:t>        - "</a:t>
+            </a:r>
+            <a:r>
+              <a:rPr lang="en-US" sz="1100" dirty="0" err="1">
+                <a:solidFill>
+                  <a:prstClr val="white"/>
+                </a:solidFill>
+              </a:rPr>
+              <a:t>tag:Resource</a:t>
             </a:r>
             <a:r>
               <a:rPr lang="en-US" sz="1100" dirty="0">
@@ -14171,34 +14411,53 @@
                   <a:prstClr val="white"/>
                 </a:solidFill>
               </a:rPr>
-              <a:t>1 </a:t>
-            </a:r>
+              <a:t> Contact": absent</a:t>
+            </a:r>
+          </a:p>
+          <a:p>
+            <a:pPr defTabSz="457200"/>
             <a:r>
               <a:rPr lang="en-US" sz="1100" dirty="0">
                 <a:solidFill>
                   <a:prstClr val="white"/>
                 </a:solidFill>
               </a:rPr>
-              <a:t>day</a:t>
-            </a:r>
-          </a:p>
-          <a:p>
-            <a:pPr defTabSz="457200"/>
+              <a:t>        - "</a:t>
+            </a:r>
+            <a:r>
+              <a:rPr lang="en-US" sz="1100" dirty="0" err="1">
+                <a:solidFill>
+                  <a:prstClr val="white"/>
+                </a:solidFill>
+              </a:rPr>
+              <a:t>tag:Billing</a:t>
+            </a:r>
             <a:r>
               <a:rPr lang="en-US" sz="1100" dirty="0">
                 <a:solidFill>
                   <a:prstClr val="white"/>
                 </a:solidFill>
               </a:rPr>
-              <a:t> </a:t>
-            </a:r>
+              <a:t> Cost Center": absent</a:t>
+            </a:r>
+          </a:p>
+          <a:p>
+            <a:pPr defTabSz="457200"/>
             <a:r>
               <a:rPr lang="en-US" sz="1100" dirty="0">
                 <a:solidFill>
                   <a:prstClr val="white"/>
                 </a:solidFill>
               </a:rPr>
-              <a:t>   before </a:t>
+              <a:t>        - "</a:t>
+            </a:r>
+            <a:r>
+              <a:rPr lang="en-US" sz="1100" dirty="0" err="1">
+                <a:solidFill>
+                  <a:prstClr val="white"/>
+                </a:solidFill>
+              </a:rPr>
+              <a:t>tag:Environment</a:t>
             </a:r>
             <a:r>
               <a:rPr lang="en-US" sz="1100" dirty="0">
@@ -14206,7 +14465,7 @@
                   <a:prstClr val="white"/>
                 </a:solidFill>
               </a:rPr>
-              <a:t>their termination.</a:t>
+              <a:t>": absent</a:t>
             </a:r>
           </a:p>
           <a:p>
@@ -14217,7 +14476,15 @@
                   <a:prstClr val="white"/>
                 </a:solidFill>
               </a:rPr>
-              <a:t>  filters</a:t>
+              <a:t>        - "</a:t>
+            </a:r>
+            <a:r>
+              <a:rPr lang="en-US" sz="1100" dirty="0" err="1">
+                <a:solidFill>
+                  <a:prstClr val="white"/>
+                </a:solidFill>
+              </a:rPr>
+              <a:t>tag:Resource</a:t>
             </a:r>
             <a:r>
               <a:rPr lang="en-US" sz="1100" dirty="0">
@@ -14225,34 +14492,7 @@
                   <a:prstClr val="white"/>
                 </a:solidFill>
               </a:rPr>
-              <a:t>:</a:t>
-            </a:r>
-          </a:p>
-          <a:p>
-            <a:pPr defTabSz="457200"/>
-            <a:r>
-              <a:rPr lang="en-US" sz="900" dirty="0">
-                <a:solidFill>
-                  <a:prstClr val="white"/>
-                </a:solidFill>
-              </a:rPr>
-              <a:t>    - "</a:t>
-            </a:r>
-            <a:r>
-              <a:rPr lang="en-US" sz="900" dirty="0" err="1">
-                <a:solidFill>
-                  <a:prstClr val="white"/>
-                </a:solidFill>
-              </a:rPr>
-              <a:t>tag:aws:autoscaling:groupName</a:t>
-            </a:r>
-            <a:r>
-              <a:rPr lang="en-US" sz="900" dirty="0">
-                <a:solidFill>
-                  <a:prstClr val="white"/>
-                </a:solidFill>
-              </a:rPr>
-              <a:t>": absent</a:t>
+              <a:t> Purpose": absent</a:t>
             </a:r>
           </a:p>
           <a:p>
@@ -14263,7 +14503,15 @@
                   <a:prstClr val="white"/>
                 </a:solidFill>
               </a:rPr>
-              <a:t>    - or</a:t>
+              <a:t>        - "</a:t>
+            </a:r>
+            <a:r>
+              <a:rPr lang="en-US" sz="1100" dirty="0" err="1">
+                <a:solidFill>
+                  <a:prstClr val="white"/>
+                </a:solidFill>
+              </a:rPr>
+              <a:t>tag:Business</a:t>
             </a:r>
             <a:r>
               <a:rPr lang="en-US" sz="1100" dirty="0">
@@ -14271,7 +14519,7 @@
                   <a:prstClr val="white"/>
                 </a:solidFill>
               </a:rPr>
-              <a:t>:</a:t>
+              <a:t> Unit": absent </a:t>
             </a:r>
           </a:p>
           <a:p>
@@ -14282,23 +14530,95 @@
                   <a:prstClr val="white"/>
                 </a:solidFill>
               </a:rPr>
-              <a:t> </a:t>
-            </a:r>
+              <a:t>    - type: marked-for-op</a:t>
+            </a:r>
+          </a:p>
+          <a:p>
+            <a:pPr defTabSz="457200"/>
             <a:r>
               <a:rPr lang="en-US" sz="1100" dirty="0">
                 <a:solidFill>
                   <a:prstClr val="white"/>
                 </a:solidFill>
               </a:rPr>
-              <a:t>       - </a:t>
-            </a:r>
+              <a:t>      tag: c7n_tag_compliance</a:t>
+            </a:r>
+          </a:p>
+          <a:p>
+            <a:pPr defTabSz="457200"/>
             <a:r>
               <a:rPr lang="en-US" sz="1100" dirty="0">
                 <a:solidFill>
                   <a:prstClr val="white"/>
                 </a:solidFill>
               </a:rPr>
-              <a:t>"</a:t>
+              <a:t>      op: terminate</a:t>
+            </a:r>
+          </a:p>
+          <a:p>
+            <a:pPr defTabSz="457200"/>
+            <a:r>
+              <a:rPr lang="en-US" sz="1100" dirty="0">
+                <a:solidFill>
+                  <a:prstClr val="white"/>
+                </a:solidFill>
+              </a:rPr>
+              <a:t>      skew: 1</a:t>
+            </a:r>
+          </a:p>
+          <a:p>
+            <a:pPr defTabSz="457200"/>
+            <a:r>
+              <a:rPr lang="en-US" sz="1100" dirty="0">
+                <a:solidFill>
+                  <a:prstClr val="white"/>
+                </a:solidFill>
+              </a:rPr>
+              <a:t>    - type: instance-age</a:t>
+            </a:r>
+          </a:p>
+          <a:p>
+            <a:pPr defTabSz="457200"/>
+            <a:r>
+              <a:rPr lang="en-US" sz="1100" dirty="0">
+                <a:solidFill>
+                  <a:prstClr val="white"/>
+                </a:solidFill>
+              </a:rPr>
+              <a:t>      op: greater-than</a:t>
+            </a:r>
+          </a:p>
+          <a:p>
+            <a:pPr defTabSz="457200"/>
+            <a:r>
+              <a:rPr lang="en-US" sz="1100" dirty="0">
+                <a:solidFill>
+                  <a:prstClr val="white"/>
+                </a:solidFill>
+              </a:rPr>
+              <a:t>      hours: 48</a:t>
+            </a:r>
+          </a:p>
+          <a:p>
+            <a:pPr defTabSz="457200"/>
+            <a:r>
+              <a:rPr lang="en-US" sz="1100" dirty="0">
+                <a:solidFill>
+                  <a:prstClr val="white"/>
+                </a:solidFill>
+              </a:rPr>
+              <a:t>    - not:</a:t>
+            </a:r>
+          </a:p>
+          <a:p>
+            <a:pPr defTabSz="457200"/>
+            <a:r>
+              <a:rPr lang="en-US" sz="1100" dirty="0">
+                <a:solidFill>
+                  <a:prstClr val="white"/>
+                </a:solidFill>
+              </a:rPr>
+              <a:t>        - "</a:t>
             </a:r>
             <a:r>
               <a:rPr lang="en-US" sz="1100" dirty="0" err="1">
@@ -14306,7 +14626,7 @@
                   <a:prstClr val="white"/>
                 </a:solidFill>
               </a:rPr>
-              <a:t>tag:Resource</a:t>
+              <a:t>State.Name</a:t>
             </a:r>
             <a:r>
               <a:rPr lang="en-US" sz="1100" dirty="0">
@@ -14314,7 +14634,7 @@
                   <a:prstClr val="white"/>
                 </a:solidFill>
               </a:rPr>
-              <a:t> Contact": absent</a:t>
+              <a:t>": terminated</a:t>
             </a:r>
           </a:p>
           <a:p>
@@ -14325,23 +14645,18 @@
                   <a:prstClr val="white"/>
                 </a:solidFill>
               </a:rPr>
-              <a:t>        - "</a:t>
-            </a:r>
-            <a:r>
-              <a:rPr lang="en-US" sz="1100" dirty="0" err="1">
-                <a:solidFill>
-                  <a:prstClr val="white"/>
-                </a:solidFill>
-              </a:rPr>
-              <a:t>tag:Billing</a:t>
-            </a:r>
+              <a:t>  actions:</a:t>
+            </a:r>
+          </a:p>
+          <a:p>
+            <a:pPr defTabSz="457200"/>
             <a:r>
               <a:rPr lang="en-US" sz="1100" dirty="0">
                 <a:solidFill>
                   <a:prstClr val="white"/>
                 </a:solidFill>
               </a:rPr>
-              <a:t> Cost Center": absent</a:t>
+              <a:t>    - stop</a:t>
             </a:r>
           </a:p>
           <a:p>
@@ -14352,224 +14667,6 @@
                   <a:prstClr val="white"/>
                 </a:solidFill>
               </a:rPr>
-              <a:t>        - "</a:t>
-            </a:r>
-            <a:r>
-              <a:rPr lang="en-US" sz="1100" dirty="0" err="1">
-                <a:solidFill>
-                  <a:prstClr val="white"/>
-                </a:solidFill>
-              </a:rPr>
-              <a:t>tag:Environment</a:t>
-            </a:r>
-            <a:r>
-              <a:rPr lang="en-US" sz="1100" dirty="0">
-                <a:solidFill>
-                  <a:prstClr val="white"/>
-                </a:solidFill>
-              </a:rPr>
-              <a:t>": absent</a:t>
-            </a:r>
-          </a:p>
-          <a:p>
-            <a:pPr defTabSz="457200"/>
-            <a:r>
-              <a:rPr lang="en-US" sz="1100" dirty="0">
-                <a:solidFill>
-                  <a:prstClr val="white"/>
-                </a:solidFill>
-              </a:rPr>
-              <a:t>        - "</a:t>
-            </a:r>
-            <a:r>
-              <a:rPr lang="en-US" sz="1100" dirty="0" err="1">
-                <a:solidFill>
-                  <a:prstClr val="white"/>
-                </a:solidFill>
-              </a:rPr>
-              <a:t>tag:Resource</a:t>
-            </a:r>
-            <a:r>
-              <a:rPr lang="en-US" sz="1100" dirty="0">
-                <a:solidFill>
-                  <a:prstClr val="white"/>
-                </a:solidFill>
-              </a:rPr>
-              <a:t> Purpose": absent</a:t>
-            </a:r>
-          </a:p>
-          <a:p>
-            <a:pPr defTabSz="457200"/>
-            <a:r>
-              <a:rPr lang="en-US" sz="1100" dirty="0">
-                <a:solidFill>
-                  <a:prstClr val="white"/>
-                </a:solidFill>
-              </a:rPr>
-              <a:t>        - "</a:t>
-            </a:r>
-            <a:r>
-              <a:rPr lang="en-US" sz="1100" dirty="0" err="1">
-                <a:solidFill>
-                  <a:prstClr val="white"/>
-                </a:solidFill>
-              </a:rPr>
-              <a:t>tag:Business</a:t>
-            </a:r>
-            <a:r>
-              <a:rPr lang="en-US" sz="1100" dirty="0">
-                <a:solidFill>
-                  <a:prstClr val="white"/>
-                </a:solidFill>
-              </a:rPr>
-              <a:t> Unit": absent </a:t>
-            </a:r>
-          </a:p>
-          <a:p>
-            <a:pPr defTabSz="457200"/>
-            <a:r>
-              <a:rPr lang="en-US" sz="1100" dirty="0">
-                <a:solidFill>
-                  <a:prstClr val="white"/>
-                </a:solidFill>
-              </a:rPr>
-              <a:t>    - type: marked-for-op</a:t>
-            </a:r>
-          </a:p>
-          <a:p>
-            <a:pPr defTabSz="457200"/>
-            <a:r>
-              <a:rPr lang="en-US" sz="1100" dirty="0">
-                <a:solidFill>
-                  <a:prstClr val="white"/>
-                </a:solidFill>
-              </a:rPr>
-              <a:t>      tag: c7n_tag_compliance</a:t>
-            </a:r>
-          </a:p>
-          <a:p>
-            <a:pPr defTabSz="457200"/>
-            <a:r>
-              <a:rPr lang="en-US" sz="1100" dirty="0">
-                <a:solidFill>
-                  <a:prstClr val="white"/>
-                </a:solidFill>
-              </a:rPr>
-              <a:t>      op: terminate</a:t>
-            </a:r>
-          </a:p>
-          <a:p>
-            <a:pPr defTabSz="457200"/>
-            <a:r>
-              <a:rPr lang="en-US" sz="1100" dirty="0">
-                <a:solidFill>
-                  <a:prstClr val="white"/>
-                </a:solidFill>
-              </a:rPr>
-              <a:t>      skew: 1</a:t>
-            </a:r>
-          </a:p>
-          <a:p>
-            <a:pPr defTabSz="457200"/>
-            <a:r>
-              <a:rPr lang="en-US" sz="1100" dirty="0">
-                <a:solidFill>
-                  <a:prstClr val="white"/>
-                </a:solidFill>
-              </a:rPr>
-              <a:t>    - type: instance-age</a:t>
-            </a:r>
-          </a:p>
-          <a:p>
-            <a:pPr defTabSz="457200"/>
-            <a:r>
-              <a:rPr lang="en-US" sz="1100" dirty="0">
-                <a:solidFill>
-                  <a:prstClr val="white"/>
-                </a:solidFill>
-              </a:rPr>
-              <a:t>      op: greater-than</a:t>
-            </a:r>
-          </a:p>
-          <a:p>
-            <a:pPr defTabSz="457200"/>
-            <a:r>
-              <a:rPr lang="en-US" sz="1100" dirty="0">
-                <a:solidFill>
-                  <a:prstClr val="white"/>
-                </a:solidFill>
-              </a:rPr>
-              <a:t>      hours: 48</a:t>
-            </a:r>
-          </a:p>
-          <a:p>
-            <a:pPr defTabSz="457200"/>
-            <a:r>
-              <a:rPr lang="en-US" sz="1100" dirty="0">
-                <a:solidFill>
-                  <a:prstClr val="white"/>
-                </a:solidFill>
-              </a:rPr>
-              <a:t>    - not:</a:t>
-            </a:r>
-          </a:p>
-          <a:p>
-            <a:pPr defTabSz="457200"/>
-            <a:r>
-              <a:rPr lang="en-US" sz="1100" dirty="0">
-                <a:solidFill>
-                  <a:prstClr val="white"/>
-                </a:solidFill>
-              </a:rPr>
-              <a:t>        - "</a:t>
-            </a:r>
-            <a:r>
-              <a:rPr lang="en-US" sz="1100" dirty="0" err="1">
-                <a:solidFill>
-                  <a:prstClr val="white"/>
-                </a:solidFill>
-              </a:rPr>
-              <a:t>State.Name</a:t>
-            </a:r>
-            <a:r>
-              <a:rPr lang="en-US" sz="1100" dirty="0">
-                <a:solidFill>
-                  <a:prstClr val="white"/>
-                </a:solidFill>
-              </a:rPr>
-              <a:t>": terminated</a:t>
-            </a:r>
-          </a:p>
-          <a:p>
-            <a:pPr defTabSz="457200"/>
-            <a:r>
-              <a:rPr lang="en-US" sz="1100" dirty="0">
-                <a:solidFill>
-                  <a:prstClr val="white"/>
-                </a:solidFill>
-              </a:rPr>
-              <a:t>  actions:</a:t>
-            </a:r>
-          </a:p>
-          <a:p>
-            <a:pPr defTabSz="457200"/>
-            <a:r>
-              <a:rPr lang="en-US" sz="1100" dirty="0">
-                <a:solidFill>
-                  <a:prstClr val="white"/>
-                </a:solidFill>
-              </a:rPr>
-              <a:t>    - stop</a:t>
-            </a:r>
-          </a:p>
-          <a:p>
-            <a:pPr defTabSz="457200"/>
-            <a:r>
-              <a:rPr lang="en-US" sz="1100" dirty="0">
-                <a:solidFill>
-                  <a:prstClr val="white"/>
-                </a:solidFill>
-              </a:rPr>
               <a:t>    - </a:t>
             </a:r>
             <a:r>
@@ -14578,8 +14675,43 @@
                   <a:prstClr val="white"/>
                 </a:solidFill>
               </a:rPr>
-              <a:t>notify….</a:t>
-            </a:r>
+              <a:t>notify</a:t>
+            </a:r>
+            <a:r>
+              <a:rPr lang="en-US" sz="1100" dirty="0" smtClean="0">
+                <a:solidFill>
+                  <a:prstClr val="white"/>
+                </a:solidFill>
+              </a:rPr>
+              <a:t>….</a:t>
+            </a:r>
+          </a:p>
+          <a:p>
+            <a:pPr defTabSz="457200"/>
+            <a:endParaRPr lang="en-US" sz="1100" dirty="0">
+              <a:solidFill>
+                <a:prstClr val="white"/>
+              </a:solidFill>
+            </a:endParaRPr>
+          </a:p>
+          <a:p>
+            <a:pPr defTabSz="457200"/>
+            <a:endParaRPr lang="en-US" sz="1100" dirty="0" smtClean="0">
+              <a:solidFill>
+                <a:prstClr val="white"/>
+              </a:solidFill>
+            </a:endParaRPr>
+          </a:p>
+          <a:p>
+            <a:pPr defTabSz="457200"/>
+            <a:endParaRPr lang="en-US" sz="1100" dirty="0">
+              <a:solidFill>
+                <a:prstClr val="white"/>
+              </a:solidFill>
+            </a:endParaRPr>
+          </a:p>
+          <a:p>
+            <a:pPr defTabSz="457200"/>
             <a:endParaRPr lang="en-US" sz="1100" dirty="0">
               <a:solidFill>
                 <a:prstClr val="white"/>
@@ -14596,8 +14728,8 @@
         </p:nvSpPr>
         <p:spPr>
           <a:xfrm>
-            <a:off x="9184318" y="1047369"/>
-            <a:ext cx="2500539" cy="4801314"/>
+            <a:off x="9184318" y="1006179"/>
+            <a:ext cx="2500539" cy="5478423"/>
           </a:xfrm>
           <a:prstGeom prst="rect">
             <a:avLst/>
@@ -14700,15 +14832,18 @@
                   <a:prstClr val="white"/>
                 </a:solidFill>
               </a:rPr>
-              <a:t>    Terminate all stopped </a:t>
-            </a:r>
+              <a:t>    Terminate all stopped instances</a:t>
+            </a:r>
+          </a:p>
+          <a:p>
+            <a:pPr defTabSz="457200"/>
             <a:r>
               <a:rPr lang="en-US" sz="1100" dirty="0">
                 <a:solidFill>
                   <a:prstClr val="white"/>
                 </a:solidFill>
               </a:rPr>
-              <a:t>instances</a:t>
+              <a:t>    marked for termination today</a:t>
             </a:r>
           </a:p>
           <a:p>
@@ -14719,23 +14854,64 @@
                   <a:prstClr val="white"/>
                 </a:solidFill>
               </a:rPr>
-              <a:t> </a:t>
-            </a:r>
+              <a:t>  filters:</a:t>
+            </a:r>
+          </a:p>
+          <a:p>
+            <a:pPr defTabSz="457200"/>
+            <a:r>
+              <a:rPr lang="en-US" sz="900" dirty="0">
+                <a:solidFill>
+                  <a:prstClr val="white"/>
+                </a:solidFill>
+              </a:rPr>
+              <a:t>     - "</a:t>
+            </a:r>
+            <a:r>
+              <a:rPr lang="en-US" sz="900" dirty="0" err="1">
+                <a:solidFill>
+                  <a:prstClr val="white"/>
+                </a:solidFill>
+              </a:rPr>
+              <a:t>tag:aws:autoscaling:groupName</a:t>
+            </a:r>
+            <a:r>
+              <a:rPr lang="en-US" sz="900" dirty="0">
+                <a:solidFill>
+                  <a:prstClr val="white"/>
+                </a:solidFill>
+              </a:rPr>
+              <a:t>": absent</a:t>
+            </a:r>
+          </a:p>
+          <a:p>
+            <a:pPr defTabSz="457200"/>
             <a:r>
               <a:rPr lang="en-US" sz="1100" dirty="0">
                 <a:solidFill>
                   <a:prstClr val="white"/>
                 </a:solidFill>
               </a:rPr>
-              <a:t>   marked </a:t>
-            </a:r>
+              <a:t>    - or:</a:t>
+            </a:r>
+          </a:p>
+          <a:p>
+            <a:pPr defTabSz="457200"/>
             <a:r>
               <a:rPr lang="en-US" sz="1100" dirty="0">
                 <a:solidFill>
                   <a:prstClr val="white"/>
                 </a:solidFill>
               </a:rPr>
-              <a:t>for </a:t>
+              <a:t>        - "</a:t>
+            </a:r>
+            <a:r>
+              <a:rPr lang="en-US" sz="1100" dirty="0" err="1">
+                <a:solidFill>
+                  <a:prstClr val="white"/>
+                </a:solidFill>
+              </a:rPr>
+              <a:t>tag:Resource</a:t>
             </a:r>
             <a:r>
               <a:rPr lang="en-US" sz="1100" dirty="0">
@@ -14743,8 +14919,291 @@
                   <a:prstClr val="white"/>
                 </a:solidFill>
               </a:rPr>
-              <a:t>termination today</a:t>
-            </a:r>
+              <a:t> Contact": absent</a:t>
+            </a:r>
+          </a:p>
+          <a:p>
+            <a:pPr defTabSz="457200"/>
+            <a:r>
+              <a:rPr lang="en-US" sz="1100" dirty="0">
+                <a:solidFill>
+                  <a:prstClr val="white"/>
+                </a:solidFill>
+              </a:rPr>
+              <a:t>        - "</a:t>
+            </a:r>
+            <a:r>
+              <a:rPr lang="en-US" sz="1100" dirty="0" err="1">
+                <a:solidFill>
+                  <a:prstClr val="white"/>
+                </a:solidFill>
+              </a:rPr>
+              <a:t>tag:Billing</a:t>
+            </a:r>
+            <a:r>
+              <a:rPr lang="en-US" sz="1100" dirty="0">
+                <a:solidFill>
+                  <a:prstClr val="white"/>
+                </a:solidFill>
+              </a:rPr>
+              <a:t> Cost Center": absent</a:t>
+            </a:r>
+          </a:p>
+          <a:p>
+            <a:pPr defTabSz="457200"/>
+            <a:r>
+              <a:rPr lang="en-US" sz="1100" dirty="0">
+                <a:solidFill>
+                  <a:prstClr val="white"/>
+                </a:solidFill>
+              </a:rPr>
+              <a:t>        - "</a:t>
+            </a:r>
+            <a:r>
+              <a:rPr lang="en-US" sz="1100" dirty="0" err="1">
+                <a:solidFill>
+                  <a:prstClr val="white"/>
+                </a:solidFill>
+              </a:rPr>
+              <a:t>tag:Environment</a:t>
+            </a:r>
+            <a:r>
+              <a:rPr lang="en-US" sz="1100" dirty="0">
+                <a:solidFill>
+                  <a:prstClr val="white"/>
+                </a:solidFill>
+              </a:rPr>
+              <a:t>": absent</a:t>
+            </a:r>
+          </a:p>
+          <a:p>
+            <a:pPr defTabSz="457200"/>
+            <a:r>
+              <a:rPr lang="en-US" sz="1100" dirty="0">
+                <a:solidFill>
+                  <a:prstClr val="white"/>
+                </a:solidFill>
+              </a:rPr>
+              <a:t>        - "</a:t>
+            </a:r>
+            <a:r>
+              <a:rPr lang="en-US" sz="1100" dirty="0" err="1">
+                <a:solidFill>
+                  <a:prstClr val="white"/>
+                </a:solidFill>
+              </a:rPr>
+              <a:t>tag:Resource</a:t>
+            </a:r>
+            <a:r>
+              <a:rPr lang="en-US" sz="1100" dirty="0">
+                <a:solidFill>
+                  <a:prstClr val="white"/>
+                </a:solidFill>
+              </a:rPr>
+              <a:t> Purpose": absent</a:t>
+            </a:r>
+          </a:p>
+          <a:p>
+            <a:pPr defTabSz="457200"/>
+            <a:r>
+              <a:rPr lang="en-US" sz="1100" dirty="0">
+                <a:solidFill>
+                  <a:prstClr val="white"/>
+                </a:solidFill>
+              </a:rPr>
+              <a:t>        - "</a:t>
+            </a:r>
+            <a:r>
+              <a:rPr lang="en-US" sz="1100" dirty="0" err="1">
+                <a:solidFill>
+                  <a:prstClr val="white"/>
+                </a:solidFill>
+              </a:rPr>
+              <a:t>tag:Business</a:t>
+            </a:r>
+            <a:r>
+              <a:rPr lang="en-US" sz="1100" dirty="0">
+                <a:solidFill>
+                  <a:prstClr val="white"/>
+                </a:solidFill>
+              </a:rPr>
+              <a:t> Unit": absent</a:t>
+            </a:r>
+          </a:p>
+          <a:p>
+            <a:pPr defTabSz="457200"/>
+            <a:r>
+              <a:rPr lang="en-US" sz="1100" dirty="0">
+                <a:solidFill>
+                  <a:prstClr val="white"/>
+                </a:solidFill>
+              </a:rPr>
+              <a:t>    - type: marked-for-op</a:t>
+            </a:r>
+          </a:p>
+          <a:p>
+            <a:pPr defTabSz="457200"/>
+            <a:r>
+              <a:rPr lang="en-US" sz="1100" dirty="0">
+                <a:solidFill>
+                  <a:prstClr val="white"/>
+                </a:solidFill>
+              </a:rPr>
+              <a:t>      tag: c7n_tag_compliance</a:t>
+            </a:r>
+          </a:p>
+          <a:p>
+            <a:pPr defTabSz="457200"/>
+            <a:r>
+              <a:rPr lang="en-US" sz="1100" dirty="0">
+                <a:solidFill>
+                  <a:prstClr val="white"/>
+                </a:solidFill>
+              </a:rPr>
+              <a:t>      op: terminate</a:t>
+            </a:r>
+          </a:p>
+          <a:p>
+            <a:pPr defTabSz="457200"/>
+            <a:r>
+              <a:rPr lang="en-US" sz="1100" dirty="0">
+                <a:solidFill>
+                  <a:prstClr val="white"/>
+                </a:solidFill>
+              </a:rPr>
+              <a:t>    - type: instance-age</a:t>
+            </a:r>
+          </a:p>
+          <a:p>
+            <a:pPr defTabSz="457200"/>
+            <a:r>
+              <a:rPr lang="en-US" sz="1100" dirty="0">
+                <a:solidFill>
+                  <a:prstClr val="white"/>
+                </a:solidFill>
+              </a:rPr>
+              <a:t>      op: greater-than</a:t>
+            </a:r>
+          </a:p>
+          <a:p>
+            <a:pPr defTabSz="457200"/>
+            <a:r>
+              <a:rPr lang="en-US" sz="1100" dirty="0">
+                <a:solidFill>
+                  <a:prstClr val="white"/>
+                </a:solidFill>
+              </a:rPr>
+              <a:t>      hours: 72</a:t>
+            </a:r>
+          </a:p>
+          <a:p>
+            <a:pPr defTabSz="457200"/>
+            <a:r>
+              <a:rPr lang="en-US" sz="1100" dirty="0">
+                <a:solidFill>
+                  <a:prstClr val="white"/>
+                </a:solidFill>
+              </a:rPr>
+              <a:t>    - not:</a:t>
+            </a:r>
+          </a:p>
+          <a:p>
+            <a:pPr defTabSz="457200"/>
+            <a:r>
+              <a:rPr lang="en-US" sz="1100" dirty="0">
+                <a:solidFill>
+                  <a:prstClr val="white"/>
+                </a:solidFill>
+              </a:rPr>
+              <a:t>        - "</a:t>
+            </a:r>
+            <a:r>
+              <a:rPr lang="en-US" sz="1100" dirty="0" err="1">
+                <a:solidFill>
+                  <a:prstClr val="white"/>
+                </a:solidFill>
+              </a:rPr>
+              <a:t>State.Name</a:t>
+            </a:r>
+            <a:r>
+              <a:rPr lang="en-US" sz="1100" dirty="0">
+                <a:solidFill>
+                  <a:prstClr val="white"/>
+                </a:solidFill>
+              </a:rPr>
+              <a:t>": terminated</a:t>
+            </a:r>
+          </a:p>
+          <a:p>
+            <a:pPr defTabSz="457200"/>
+            <a:r>
+              <a:rPr lang="en-US" sz="1100" dirty="0">
+                <a:solidFill>
+                  <a:prstClr val="white"/>
+                </a:solidFill>
+              </a:rPr>
+              <a:t>  actions:</a:t>
+            </a:r>
+          </a:p>
+          <a:p>
+            <a:pPr defTabSz="457200"/>
+            <a:r>
+              <a:rPr lang="en-US" sz="1100" dirty="0">
+                <a:solidFill>
+                  <a:prstClr val="white"/>
+                </a:solidFill>
+              </a:rPr>
+              <a:t>    - type: terminate</a:t>
+            </a:r>
+          </a:p>
+          <a:p>
+            <a:pPr defTabSz="457200"/>
+            <a:r>
+              <a:rPr lang="en-US" sz="1100" dirty="0">
+                <a:solidFill>
+                  <a:prstClr val="white"/>
+                </a:solidFill>
+              </a:rPr>
+              <a:t>      force: true</a:t>
+            </a:r>
+          </a:p>
+          <a:p>
+            <a:pPr defTabSz="457200"/>
+            <a:r>
+              <a:rPr lang="en-US" sz="1100" dirty="0">
+                <a:solidFill>
+                  <a:prstClr val="white"/>
+                </a:solidFill>
+              </a:rPr>
+              <a:t>    - </a:t>
+            </a:r>
+            <a:r>
+              <a:rPr lang="en-US" sz="1100" dirty="0" smtClean="0">
+                <a:solidFill>
+                  <a:prstClr val="white"/>
+                </a:solidFill>
+              </a:rPr>
+              <a:t>notify</a:t>
+            </a:r>
+            <a:r>
+              <a:rPr lang="en-US" sz="1100" dirty="0" smtClean="0">
+                <a:solidFill>
+                  <a:prstClr val="white"/>
+                </a:solidFill>
+              </a:rPr>
+              <a:t>….</a:t>
+            </a:r>
+          </a:p>
+          <a:p>
+            <a:pPr defTabSz="457200"/>
+            <a:endParaRPr lang="en-US" sz="1100" dirty="0" smtClean="0">
+              <a:solidFill>
+                <a:prstClr val="white"/>
+              </a:solidFill>
+            </a:endParaRPr>
+          </a:p>
+          <a:p>
+            <a:pPr defTabSz="457200"/>
             <a:endParaRPr lang="en-US" sz="1100" dirty="0">
               <a:solidFill>
                 <a:prstClr val="white"/>
@@ -14753,407 +15212,14 @@
           </a:p>
           <a:p>
             <a:pPr defTabSz="457200"/>
-            <a:r>
-              <a:rPr lang="en-US" sz="1100" dirty="0">
-                <a:solidFill>
-                  <a:prstClr val="white"/>
-                </a:solidFill>
-              </a:rPr>
-              <a:t>  filters</a:t>
-            </a:r>
-            <a:r>
-              <a:rPr lang="en-US" sz="1100" dirty="0">
-                <a:solidFill>
-                  <a:prstClr val="white"/>
-                </a:solidFill>
-              </a:rPr>
-              <a:t>:</a:t>
-            </a:r>
-          </a:p>
-          <a:p>
-            <a:pPr defTabSz="457200"/>
-            <a:r>
-              <a:rPr lang="en-US" sz="900" dirty="0">
-                <a:solidFill>
-                  <a:prstClr val="white"/>
-                </a:solidFill>
-              </a:rPr>
-              <a:t>   </a:t>
-            </a:r>
-            <a:r>
-              <a:rPr lang="en-US" sz="900" dirty="0">
-                <a:solidFill>
-                  <a:prstClr val="white"/>
-                </a:solidFill>
-              </a:rPr>
-              <a:t>  </a:t>
-            </a:r>
-            <a:r>
-              <a:rPr lang="en-US" sz="900" dirty="0">
-                <a:solidFill>
-                  <a:prstClr val="white"/>
-                </a:solidFill>
-              </a:rPr>
-              <a:t>- "</a:t>
-            </a:r>
-            <a:r>
-              <a:rPr lang="en-US" sz="900" dirty="0" err="1">
-                <a:solidFill>
-                  <a:prstClr val="white"/>
-                </a:solidFill>
-              </a:rPr>
-              <a:t>tag:aws:autoscaling:groupName</a:t>
-            </a:r>
-            <a:r>
-              <a:rPr lang="en-US" sz="900" dirty="0">
-                <a:solidFill>
-                  <a:prstClr val="white"/>
-                </a:solidFill>
-              </a:rPr>
-              <a:t>": absent</a:t>
-            </a:r>
-          </a:p>
-          <a:p>
-            <a:pPr defTabSz="457200"/>
-            <a:r>
-              <a:rPr lang="en-US" sz="1100" dirty="0">
-                <a:solidFill>
-                  <a:prstClr val="white"/>
-                </a:solidFill>
-              </a:rPr>
-              <a:t> </a:t>
-            </a:r>
-            <a:r>
-              <a:rPr lang="en-US" sz="1100" dirty="0">
-                <a:solidFill>
-                  <a:prstClr val="white"/>
-                </a:solidFill>
-              </a:rPr>
-              <a:t>   - </a:t>
-            </a:r>
-            <a:r>
-              <a:rPr lang="en-US" sz="1100" dirty="0">
-                <a:solidFill>
-                  <a:prstClr val="white"/>
-                </a:solidFill>
-              </a:rPr>
-              <a:t>or:</a:t>
-            </a:r>
-          </a:p>
-          <a:p>
-            <a:pPr defTabSz="457200"/>
-            <a:r>
-              <a:rPr lang="en-US" sz="1100" dirty="0">
-                <a:solidFill>
-                  <a:prstClr val="white"/>
-                </a:solidFill>
-              </a:rPr>
-              <a:t>        - "</a:t>
-            </a:r>
-            <a:r>
-              <a:rPr lang="en-US" sz="1100" dirty="0" err="1">
-                <a:solidFill>
-                  <a:prstClr val="white"/>
-                </a:solidFill>
-              </a:rPr>
-              <a:t>tag:Resource</a:t>
-            </a:r>
-            <a:r>
-              <a:rPr lang="en-US" sz="1100" dirty="0">
-                <a:solidFill>
-                  <a:prstClr val="white"/>
-                </a:solidFill>
-              </a:rPr>
-              <a:t> Contact": absent</a:t>
-            </a:r>
-          </a:p>
-          <a:p>
-            <a:pPr defTabSz="457200"/>
-            <a:r>
-              <a:rPr lang="en-US" sz="1100" dirty="0">
-                <a:solidFill>
-                  <a:prstClr val="white"/>
-                </a:solidFill>
-              </a:rPr>
-              <a:t>        - "</a:t>
-            </a:r>
-            <a:r>
-              <a:rPr lang="en-US" sz="1100" dirty="0" err="1">
-                <a:solidFill>
-                  <a:prstClr val="white"/>
-                </a:solidFill>
-              </a:rPr>
-              <a:t>tag:Billing</a:t>
-            </a:r>
-            <a:r>
-              <a:rPr lang="en-US" sz="1100" dirty="0">
-                <a:solidFill>
-                  <a:prstClr val="white"/>
-                </a:solidFill>
-              </a:rPr>
-              <a:t> Cost Center": absent</a:t>
-            </a:r>
-          </a:p>
-          <a:p>
-            <a:pPr defTabSz="457200"/>
-            <a:r>
-              <a:rPr lang="en-US" sz="1100" dirty="0">
-                <a:solidFill>
-                  <a:prstClr val="white"/>
-                </a:solidFill>
-              </a:rPr>
-              <a:t>        - "</a:t>
-            </a:r>
-            <a:r>
-              <a:rPr lang="en-US" sz="1100" dirty="0" err="1">
-                <a:solidFill>
-                  <a:prstClr val="white"/>
-                </a:solidFill>
-              </a:rPr>
-              <a:t>tag:Environment</a:t>
-            </a:r>
-            <a:r>
-              <a:rPr lang="en-US" sz="1100" dirty="0">
-                <a:solidFill>
-                  <a:prstClr val="white"/>
-                </a:solidFill>
-              </a:rPr>
-              <a:t>": absent</a:t>
-            </a:r>
-          </a:p>
-          <a:p>
-            <a:pPr defTabSz="457200"/>
-            <a:r>
-              <a:rPr lang="en-US" sz="1100" dirty="0">
-                <a:solidFill>
-                  <a:prstClr val="white"/>
-                </a:solidFill>
-              </a:rPr>
-              <a:t>        - "</a:t>
-            </a:r>
-            <a:r>
-              <a:rPr lang="en-US" sz="1100" dirty="0" err="1">
-                <a:solidFill>
-                  <a:prstClr val="white"/>
-                </a:solidFill>
-              </a:rPr>
-              <a:t>tag:Resource</a:t>
-            </a:r>
-            <a:r>
-              <a:rPr lang="en-US" sz="1100" dirty="0">
-                <a:solidFill>
-                  <a:prstClr val="white"/>
-                </a:solidFill>
-              </a:rPr>
-              <a:t> Purpose": absent</a:t>
-            </a:r>
-          </a:p>
-          <a:p>
-            <a:pPr defTabSz="457200"/>
-            <a:r>
-              <a:rPr lang="en-US" sz="1100" dirty="0">
-                <a:solidFill>
-                  <a:prstClr val="white"/>
-                </a:solidFill>
-              </a:rPr>
-              <a:t>        - "</a:t>
-            </a:r>
-            <a:r>
-              <a:rPr lang="en-US" sz="1100" dirty="0" err="1">
-                <a:solidFill>
-                  <a:prstClr val="white"/>
-                </a:solidFill>
-              </a:rPr>
-              <a:t>tag:Business</a:t>
-            </a:r>
-            <a:r>
-              <a:rPr lang="en-US" sz="1100" dirty="0">
-                <a:solidFill>
-                  <a:prstClr val="white"/>
-                </a:solidFill>
-              </a:rPr>
-              <a:t> Unit": </a:t>
-            </a:r>
-            <a:r>
-              <a:rPr lang="en-US" sz="1100" dirty="0">
-                <a:solidFill>
-                  <a:prstClr val="white"/>
-                </a:solidFill>
-              </a:rPr>
-              <a:t>absent</a:t>
-            </a:r>
-          </a:p>
-          <a:p>
-            <a:pPr defTabSz="457200"/>
-            <a:r>
-              <a:rPr lang="en-US" sz="1100" dirty="0">
-                <a:solidFill>
-                  <a:prstClr val="white"/>
-                </a:solidFill>
-              </a:rPr>
-              <a:t> </a:t>
-            </a:r>
-            <a:r>
-              <a:rPr lang="en-US" sz="1100" dirty="0">
-                <a:solidFill>
-                  <a:prstClr val="white"/>
-                </a:solidFill>
-              </a:rPr>
-              <a:t>   - </a:t>
-            </a:r>
-            <a:r>
-              <a:rPr lang="en-US" sz="1100" dirty="0">
-                <a:solidFill>
-                  <a:prstClr val="white"/>
-                </a:solidFill>
-              </a:rPr>
-              <a:t>type: marked-for-op</a:t>
-            </a:r>
-          </a:p>
-          <a:p>
-            <a:pPr defTabSz="457200"/>
-            <a:r>
-              <a:rPr lang="en-US" sz="1100" dirty="0">
-                <a:solidFill>
-                  <a:prstClr val="white"/>
-                </a:solidFill>
-              </a:rPr>
-              <a:t>      tag: c7n_tag_compliance</a:t>
-            </a:r>
-          </a:p>
-          <a:p>
-            <a:pPr defTabSz="457200"/>
-            <a:r>
-              <a:rPr lang="en-US" sz="1100" dirty="0">
-                <a:solidFill>
-                  <a:prstClr val="white"/>
-                </a:solidFill>
-              </a:rPr>
-              <a:t>      op: terminate</a:t>
-            </a:r>
-          </a:p>
-          <a:p>
-            <a:pPr defTabSz="457200"/>
-            <a:r>
-              <a:rPr lang="en-US" sz="1100" dirty="0">
-                <a:solidFill>
-                  <a:prstClr val="white"/>
-                </a:solidFill>
-              </a:rPr>
-              <a:t>    - type: instance-age</a:t>
-            </a:r>
-          </a:p>
-          <a:p>
-            <a:pPr defTabSz="457200"/>
-            <a:r>
-              <a:rPr lang="en-US" sz="1100" dirty="0">
-                <a:solidFill>
-                  <a:prstClr val="white"/>
-                </a:solidFill>
-              </a:rPr>
-              <a:t>      op: greater-than</a:t>
-            </a:r>
-          </a:p>
-          <a:p>
-            <a:pPr defTabSz="457200"/>
-            <a:r>
-              <a:rPr lang="en-US" sz="1100" dirty="0">
-                <a:solidFill>
-                  <a:prstClr val="white"/>
-                </a:solidFill>
-              </a:rPr>
-              <a:t>      hours: 72</a:t>
-            </a:r>
-          </a:p>
-          <a:p>
-            <a:pPr defTabSz="457200"/>
-            <a:r>
-              <a:rPr lang="en-US" sz="1100" dirty="0">
-                <a:solidFill>
-                  <a:prstClr val="white"/>
-                </a:solidFill>
-              </a:rPr>
-              <a:t>    - not:</a:t>
-            </a:r>
-          </a:p>
-          <a:p>
-            <a:pPr defTabSz="457200"/>
-            <a:r>
-              <a:rPr lang="en-US" sz="1100" dirty="0">
-                <a:solidFill>
-                  <a:prstClr val="white"/>
-                </a:solidFill>
-              </a:rPr>
-              <a:t>        - "</a:t>
-            </a:r>
-            <a:r>
-              <a:rPr lang="en-US" sz="1100" dirty="0" err="1">
-                <a:solidFill>
-                  <a:prstClr val="white"/>
-                </a:solidFill>
-              </a:rPr>
-              <a:t>State.Name</a:t>
-            </a:r>
-            <a:r>
-              <a:rPr lang="en-US" sz="1100" dirty="0">
-                <a:solidFill>
-                  <a:prstClr val="white"/>
-                </a:solidFill>
-              </a:rPr>
-              <a:t>": terminated</a:t>
-            </a:r>
-          </a:p>
-          <a:p>
-            <a:pPr defTabSz="457200"/>
-            <a:r>
-              <a:rPr lang="en-US" sz="1100" dirty="0">
-                <a:solidFill>
-                  <a:prstClr val="white"/>
-                </a:solidFill>
-              </a:rPr>
-              <a:t>  actions:</a:t>
-            </a:r>
-          </a:p>
-          <a:p>
-            <a:pPr defTabSz="457200"/>
-            <a:r>
-              <a:rPr lang="en-US" sz="1100" dirty="0">
-                <a:solidFill>
-                  <a:prstClr val="white"/>
-                </a:solidFill>
-              </a:rPr>
-              <a:t>    - type: terminate</a:t>
-            </a:r>
-          </a:p>
-          <a:p>
-            <a:pPr defTabSz="457200"/>
-            <a:r>
-              <a:rPr lang="en-US" sz="1100" dirty="0">
-                <a:solidFill>
-                  <a:prstClr val="white"/>
-                </a:solidFill>
-              </a:rPr>
-              <a:t>      force: true</a:t>
-            </a:r>
-          </a:p>
-          <a:p>
-            <a:pPr defTabSz="457200"/>
-            <a:r>
-              <a:rPr lang="en-US" sz="1100" dirty="0">
-                <a:solidFill>
-                  <a:prstClr val="white"/>
-                </a:solidFill>
-              </a:rPr>
-              <a:t>    - </a:t>
-            </a:r>
-            <a:r>
-              <a:rPr lang="en-US" sz="1100" dirty="0" smtClean="0">
-                <a:solidFill>
-                  <a:prstClr val="white"/>
-                </a:solidFill>
-              </a:rPr>
-              <a:t>notify….</a:t>
-            </a:r>
+            <a:endParaRPr lang="en-US" sz="1100" dirty="0">
+              <a:solidFill>
+                <a:prstClr val="white"/>
+              </a:solidFill>
+            </a:endParaRPr>
+          </a:p>
+          <a:p>
+            <a:pPr defTabSz="457200"/>
             <a:endParaRPr lang="en-US" sz="1100" dirty="0">
               <a:solidFill>
                 <a:prstClr val="white"/>
@@ -15307,7 +15373,7 @@
 </p:sld>
 </file>
 
-<file path=ppt/slides/slide14.xml><?xml version="1.0" encoding="utf-8"?>
+<file path=ppt/slides/slide15.xml><?xml version="1.0" encoding="utf-8"?>
 <p:sld xmlns:a="http://schemas.openxmlformats.org/drawingml/2006/main" xmlns:r="http://schemas.openxmlformats.org/officeDocument/2006/relationships" xmlns:p="http://schemas.openxmlformats.org/presentationml/2006/main" showMasterSp="0">
   <p:cSld>
     <p:bg>
@@ -15890,11 +15956,6 @@
               </a:rPr>
               <a:t>     Tag any new instance with the </a:t>
             </a:r>
-            <a:endParaRPr lang="en-US" sz="1100" dirty="0">
-              <a:solidFill>
-                <a:prstClr val="white"/>
-              </a:solidFill>
-            </a:endParaRPr>
           </a:p>
           <a:p>
             <a:pPr defTabSz="457200"/>
@@ -15904,23 +15965,7 @@
                   <a:prstClr val="white"/>
                 </a:solidFill>
               </a:rPr>
-              <a:t> </a:t>
-            </a:r>
-            <a:r>
-              <a:rPr lang="en-US" sz="1100" dirty="0">
-                <a:solidFill>
-                  <a:prstClr val="white"/>
-                </a:solidFill>
-              </a:rPr>
-              <a:t>    Creators </a:t>
-            </a:r>
-            <a:r>
-              <a:rPr lang="en-US" sz="1100" dirty="0">
-                <a:solidFill>
-                  <a:prstClr val="white"/>
-                </a:solidFill>
-              </a:rPr>
-              <a:t>ID and Principle ID.</a:t>
+              <a:t>     Creators ID and Principle ID.</a:t>
             </a:r>
           </a:p>
           <a:p>
@@ -16335,15 +16380,37 @@
                   <a:prstClr val="white"/>
                 </a:solidFill>
               </a:rPr>
-              <a:t>        op: </a:t>
-            </a:r>
+              <a:t>        op: less-than</a:t>
+            </a:r>
+          </a:p>
+          <a:p>
+            <a:pPr defTabSz="457200"/>
             <a:r>
               <a:rPr lang="en-US" sz="900" dirty="0">
                 <a:solidFill>
                   <a:prstClr val="white"/>
                 </a:solidFill>
               </a:rPr>
-              <a:t>less-than</a:t>
+              <a:t>      - type: password-policy</a:t>
+            </a:r>
+          </a:p>
+          <a:p>
+            <a:pPr defTabSz="457200"/>
+            <a:r>
+              <a:rPr lang="en-US" sz="900" dirty="0">
+                <a:solidFill>
+                  <a:prstClr val="white"/>
+                </a:solidFill>
+              </a:rPr>
+              <a:t>        key: </a:t>
+            </a:r>
+            <a:r>
+              <a:rPr lang="en-US" sz="900" dirty="0" err="1">
+                <a:solidFill>
+                  <a:prstClr val="white"/>
+                </a:solidFill>
+              </a:rPr>
+              <a:t>RequireSymbols</a:t>
             </a:r>
             <a:endParaRPr lang="en-US" sz="900" dirty="0">
               <a:solidFill>
@@ -16359,6 +16426,17 @@
                   <a:prstClr val="white"/>
                 </a:solidFill>
               </a:rPr>
+              <a:t>        value: false</a:t>
+            </a:r>
+          </a:p>
+          <a:p>
+            <a:pPr defTabSz="457200"/>
+            <a:r>
+              <a:rPr lang="en-US" sz="900" dirty="0">
+                <a:solidFill>
+                  <a:prstClr val="white"/>
+                </a:solidFill>
+              </a:rPr>
               <a:t>      - type: password-policy</a:t>
             </a:r>
           </a:p>
@@ -16378,7 +16456,7 @@
                   <a:prstClr val="white"/>
                 </a:solidFill>
               </a:rPr>
-              <a:t>RequireSymbols</a:t>
+              <a:t>RequireNumbers</a:t>
             </a:r>
             <a:endParaRPr lang="en-US" sz="900" dirty="0">
               <a:solidFill>
@@ -16424,7 +16502,7 @@
                   <a:prstClr val="white"/>
                 </a:solidFill>
               </a:rPr>
-              <a:t>RequireNumbers</a:t>
+              <a:t>RequireUppercaseCharacters</a:t>
             </a:r>
             <a:endParaRPr lang="en-US" sz="900" dirty="0">
               <a:solidFill>
@@ -16470,7 +16548,7 @@
                   <a:prstClr val="white"/>
                 </a:solidFill>
               </a:rPr>
-              <a:t>RequireUppercaseCharacters</a:t>
+              <a:t>RequireLowercaseCharacters</a:t>
             </a:r>
             <a:endParaRPr lang="en-US" sz="900" dirty="0">
               <a:solidFill>
@@ -16516,7 +16594,7 @@
                   <a:prstClr val="white"/>
                 </a:solidFill>
               </a:rPr>
-              <a:t>RequireLowercaseCharacters</a:t>
+              <a:t>PasswordReusePrevention</a:t>
             </a:r>
             <a:endParaRPr lang="en-US" sz="900" dirty="0">
               <a:solidFill>
@@ -16532,7 +16610,7 @@
                   <a:prstClr val="white"/>
                 </a:solidFill>
               </a:rPr>
-              <a:t>        value: false</a:t>
+              <a:t>        value: 2</a:t>
             </a:r>
           </a:p>
           <a:p>
@@ -16543,6 +16621,17 @@
                   <a:prstClr val="white"/>
                 </a:solidFill>
               </a:rPr>
+              <a:t>        op: less-than</a:t>
+            </a:r>
+          </a:p>
+          <a:p>
+            <a:pPr defTabSz="457200"/>
+            <a:r>
+              <a:rPr lang="en-US" sz="900" dirty="0">
+                <a:solidFill>
+                  <a:prstClr val="white"/>
+                </a:solidFill>
+              </a:rPr>
               <a:t>      - type: password-policy</a:t>
             </a:r>
           </a:p>
@@ -16562,7 +16651,7 @@
                   <a:prstClr val="white"/>
                 </a:solidFill>
               </a:rPr>
-              <a:t>PasswordReusePrevention</a:t>
+              <a:t>MaxPasswordAge</a:t>
             </a:r>
             <a:endParaRPr lang="en-US" sz="900" dirty="0">
               <a:solidFill>
@@ -16578,115 +16667,19 @@
                   <a:prstClr val="white"/>
                 </a:solidFill>
               </a:rPr>
-              <a:t>        value: </a:t>
-            </a:r>
+              <a:t>        value: 90</a:t>
+            </a:r>
+          </a:p>
+          <a:p>
+            <a:pPr defTabSz="457200"/>
             <a:r>
               <a:rPr lang="en-US" sz="900" dirty="0">
                 <a:solidFill>
                   <a:prstClr val="white"/>
                 </a:solidFill>
               </a:rPr>
-              <a:t>2</a:t>
-            </a:r>
-            <a:endParaRPr lang="en-US" sz="900" dirty="0">
-              <a:solidFill>
-                <a:prstClr val="white"/>
-              </a:solidFill>
-            </a:endParaRPr>
-          </a:p>
-          <a:p>
-            <a:pPr defTabSz="457200"/>
-            <a:r>
-              <a:rPr lang="en-US" sz="900" dirty="0">
-                <a:solidFill>
-                  <a:prstClr val="white"/>
-                </a:solidFill>
-              </a:rPr>
-              <a:t>        op: </a:t>
-            </a:r>
-            <a:r>
-              <a:rPr lang="en-US" sz="900" dirty="0">
-                <a:solidFill>
-                  <a:prstClr val="white"/>
-                </a:solidFill>
-              </a:rPr>
-              <a:t>less-than</a:t>
-            </a:r>
-            <a:endParaRPr lang="en-US" sz="900" dirty="0">
-              <a:solidFill>
-                <a:prstClr val="white"/>
-              </a:solidFill>
-            </a:endParaRPr>
-          </a:p>
-          <a:p>
-            <a:pPr defTabSz="457200"/>
-            <a:r>
-              <a:rPr lang="en-US" sz="900" dirty="0">
-                <a:solidFill>
-                  <a:prstClr val="white"/>
-                </a:solidFill>
-              </a:rPr>
-              <a:t>      - type: password-policy</a:t>
-            </a:r>
-          </a:p>
-          <a:p>
-            <a:pPr defTabSz="457200"/>
-            <a:r>
-              <a:rPr lang="en-US" sz="900" dirty="0">
-                <a:solidFill>
-                  <a:prstClr val="white"/>
-                </a:solidFill>
-              </a:rPr>
-              <a:t>        key: </a:t>
-            </a:r>
-            <a:r>
-              <a:rPr lang="en-US" sz="900" dirty="0" err="1">
-                <a:solidFill>
-                  <a:prstClr val="white"/>
-                </a:solidFill>
-              </a:rPr>
-              <a:t>MaxPasswordAge</a:t>
-            </a:r>
-            <a:endParaRPr lang="en-US" sz="900" dirty="0">
-              <a:solidFill>
-                <a:prstClr val="white"/>
-              </a:solidFill>
-            </a:endParaRPr>
-          </a:p>
-          <a:p>
-            <a:pPr defTabSz="457200"/>
-            <a:r>
-              <a:rPr lang="en-US" sz="900" dirty="0">
-                <a:solidFill>
-                  <a:prstClr val="white"/>
-                </a:solidFill>
-              </a:rPr>
-              <a:t>        value: 90</a:t>
-            </a:r>
-          </a:p>
-          <a:p>
-            <a:pPr defTabSz="457200"/>
-            <a:r>
-              <a:rPr lang="en-US" sz="900" dirty="0">
-                <a:solidFill>
-                  <a:prstClr val="white"/>
-                </a:solidFill>
-              </a:rPr>
-              <a:t>        op: </a:t>
-            </a:r>
-            <a:r>
-              <a:rPr lang="en-US" sz="900" dirty="0">
-                <a:solidFill>
-                  <a:prstClr val="white"/>
-                </a:solidFill>
-              </a:rPr>
-              <a:t>less-than</a:t>
-            </a:r>
-            <a:endParaRPr lang="en-US" sz="900" dirty="0">
-              <a:solidFill>
-                <a:prstClr val="white"/>
-              </a:solidFill>
-            </a:endParaRPr>
+              <a:t>        op: less-than</a:t>
+            </a:r>
           </a:p>
           <a:p>
             <a:pPr defTabSz="457200"/>
@@ -16962,7 +16955,7 @@
 </p:sld>
 </file>
 
-<file path=ppt/slides/slide15.xml><?xml version="1.0" encoding="utf-8"?>
+<file path=ppt/slides/slide16.xml><?xml version="1.0" encoding="utf-8"?>
 <p:sld xmlns:a="http://schemas.openxmlformats.org/drawingml/2006/main" xmlns:r="http://schemas.openxmlformats.org/officeDocument/2006/relationships" xmlns:p="http://schemas.openxmlformats.org/presentationml/2006/main" showMasterSp="0">
   <p:cSld>
     <p:bg>
@@ -17415,6 +17408,291 @@
       </p:sp>
       <p:sp>
         <p:nvSpPr>
+          <p:cNvPr id="5" name="Content Placeholder 4"/>
+          <p:cNvSpPr>
+            <a:spLocks noGrp="1"/>
+          </p:cNvSpPr>
+          <p:nvPr>
+            <p:ph idx="1"/>
+          </p:nvPr>
+        </p:nvSpPr>
+        <p:spPr>
+          <a:xfrm>
+            <a:off x="922165" y="1421028"/>
+            <a:ext cx="10178322" cy="3593591"/>
+          </a:xfrm>
+        </p:spPr>
+        <p:txBody>
+          <a:bodyPr>
+            <a:normAutofit lnSpcReduction="10000"/>
+          </a:bodyPr>
+          <a:lstStyle/>
+          <a:p>
+            <a:r>
+              <a:rPr lang="en-US" dirty="0">
+                <a:solidFill>
+                  <a:schemeClr val="bg1"/>
+                </a:solidFill>
+              </a:rPr>
+              <a:t>We want developers to be able to use the cloud and get the full </a:t>
+            </a:r>
+            <a:r>
+              <a:rPr lang="en-US" dirty="0" smtClean="0">
+                <a:solidFill>
+                  <a:schemeClr val="bg1"/>
+                </a:solidFill>
+              </a:rPr>
+              <a:t>native experience </a:t>
+            </a:r>
+            <a:r>
+              <a:rPr lang="en-US" dirty="0">
+                <a:solidFill>
+                  <a:schemeClr val="bg1"/>
+                </a:solidFill>
+              </a:rPr>
+              <a:t>but sometimes developers </a:t>
+            </a:r>
+            <a:r>
+              <a:rPr lang="en-US" dirty="0" smtClean="0">
+                <a:solidFill>
+                  <a:schemeClr val="bg1"/>
+                </a:solidFill>
+              </a:rPr>
+              <a:t>make mistakes and create S3 </a:t>
+            </a:r>
+            <a:r>
+              <a:rPr lang="en-US" dirty="0">
+                <a:solidFill>
+                  <a:schemeClr val="bg1"/>
+                </a:solidFill>
+              </a:rPr>
+              <a:t>buckets </a:t>
+            </a:r>
+            <a:r>
+              <a:rPr lang="en-US" dirty="0" smtClean="0">
+                <a:solidFill>
+                  <a:schemeClr val="bg1"/>
+                </a:solidFill>
+              </a:rPr>
+              <a:t>or databases that </a:t>
+            </a:r>
+            <a:r>
+              <a:rPr lang="en-US" dirty="0">
+                <a:solidFill>
+                  <a:schemeClr val="bg1"/>
+                </a:solidFill>
+              </a:rPr>
+              <a:t>are publicly accessible </a:t>
+            </a:r>
+            <a:r>
+              <a:rPr lang="en-US" dirty="0" smtClean="0">
+                <a:solidFill>
+                  <a:schemeClr val="bg1"/>
+                </a:solidFill>
+              </a:rPr>
+              <a:t>to </a:t>
+            </a:r>
+            <a:r>
+              <a:rPr lang="en-US" dirty="0">
+                <a:solidFill>
+                  <a:schemeClr val="bg1"/>
+                </a:solidFill>
+              </a:rPr>
+              <a:t>the </a:t>
+            </a:r>
+            <a:r>
+              <a:rPr lang="en-US" dirty="0" smtClean="0">
+                <a:solidFill>
+                  <a:schemeClr val="bg1"/>
+                </a:solidFill>
+              </a:rPr>
+              <a:t>internet etc.  </a:t>
+            </a:r>
+            <a:endParaRPr lang="en-US" dirty="0">
+              <a:solidFill>
+                <a:schemeClr val="bg1"/>
+              </a:solidFill>
+            </a:endParaRPr>
+          </a:p>
+          <a:p>
+            <a:r>
+              <a:rPr lang="en-US" dirty="0" smtClean="0">
+                <a:solidFill>
+                  <a:schemeClr val="bg1"/>
+                </a:solidFill>
+              </a:rPr>
+              <a:t>Cloud Custodian provides an easy method to </a:t>
+            </a:r>
+            <a:r>
+              <a:rPr lang="en-US" dirty="0">
+                <a:solidFill>
+                  <a:schemeClr val="bg1"/>
+                </a:solidFill>
+              </a:rPr>
+              <a:t>put guardrails in place </a:t>
+            </a:r>
+            <a:r>
+              <a:rPr lang="en-US" dirty="0" smtClean="0">
+                <a:solidFill>
+                  <a:schemeClr val="bg1"/>
+                </a:solidFill>
+              </a:rPr>
+              <a:t>through real-time and reactive automation instead of the old </a:t>
+            </a:r>
+            <a:r>
+              <a:rPr lang="en-US" dirty="0">
+                <a:solidFill>
+                  <a:schemeClr val="bg1"/>
+                </a:solidFill>
+              </a:rPr>
+              <a:t>way of manual process </a:t>
+            </a:r>
+            <a:r>
+              <a:rPr lang="en-US" dirty="0" smtClean="0">
+                <a:solidFill>
+                  <a:schemeClr val="bg1"/>
+                </a:solidFill>
+              </a:rPr>
+              <a:t>and checklists.  </a:t>
+            </a:r>
+          </a:p>
+          <a:p>
+            <a:r>
+              <a:rPr lang="en-US" dirty="0" smtClean="0">
+                <a:solidFill>
+                  <a:schemeClr val="bg1"/>
+                </a:solidFill>
+              </a:rPr>
+              <a:t>It helps keep developers in a safe space while being productive without the manual side of management which can lock down their ability for innovation.</a:t>
+            </a:r>
+          </a:p>
+          <a:p>
+            <a:r>
+              <a:rPr lang="en-US" dirty="0" smtClean="0">
+                <a:solidFill>
+                  <a:schemeClr val="bg1"/>
+                </a:solidFill>
+              </a:rPr>
+              <a:t>Using </a:t>
+            </a:r>
+            <a:r>
+              <a:rPr lang="en-US" dirty="0">
+                <a:solidFill>
+                  <a:schemeClr val="bg1"/>
+                </a:solidFill>
+              </a:rPr>
+              <a:t>repeatable actions and filters </a:t>
+            </a:r>
+            <a:r>
+              <a:rPr lang="en-US" dirty="0" smtClean="0">
+                <a:solidFill>
+                  <a:schemeClr val="bg1"/>
+                </a:solidFill>
+              </a:rPr>
+              <a:t>effectively provides millions </a:t>
+            </a:r>
+            <a:r>
+              <a:rPr lang="en-US" dirty="0">
+                <a:solidFill>
+                  <a:schemeClr val="bg1"/>
+                </a:solidFill>
+              </a:rPr>
+              <a:t>of Lego bricks to build </a:t>
+            </a:r>
+            <a:r>
+              <a:rPr lang="en-US" dirty="0" smtClean="0">
+                <a:solidFill>
+                  <a:schemeClr val="bg1"/>
+                </a:solidFill>
+              </a:rPr>
+              <a:t>ad-hoc </a:t>
+            </a:r>
+            <a:r>
+              <a:rPr lang="en-US" dirty="0">
+                <a:solidFill>
+                  <a:schemeClr val="bg1"/>
+                </a:solidFill>
+              </a:rPr>
+              <a:t>policies from.  There isn't a specific number of things Cloud Custodian can do, it's really up to the imagination.</a:t>
+            </a:r>
+          </a:p>
+        </p:txBody>
+      </p:sp>
+    </p:spTree>
+    <p:extLst>
+      <p:ext uri="{BB962C8B-B14F-4D97-AF65-F5344CB8AC3E}">
+        <p14:creationId xmlns:p14="http://schemas.microsoft.com/office/powerpoint/2010/main" val="1648500436"/>
+      </p:ext>
+    </p:extLst>
+  </p:cSld>
+  <p:clrMapOvr>
+    <a:masterClrMapping/>
+  </p:clrMapOvr>
+  <p:timing>
+    <p:tnLst>
+      <p:par>
+        <p:cTn id="1" dur="indefinite" restart="never" nodeType="tmRoot"/>
+      </p:par>
+    </p:tnLst>
+  </p:timing>
+</p:sld>
+</file>
+
+<file path=ppt/slides/slide4.xml><?xml version="1.0" encoding="utf-8"?>
+<p:sld xmlns:a="http://schemas.openxmlformats.org/drawingml/2006/main" xmlns:r="http://schemas.openxmlformats.org/officeDocument/2006/relationships" xmlns:p="http://schemas.openxmlformats.org/presentationml/2006/main" showMasterSp="0">
+  <p:cSld>
+    <p:spTree>
+      <p:nvGrpSpPr>
+        <p:cNvPr id="1" name=""/>
+        <p:cNvGrpSpPr/>
+        <p:nvPr/>
+      </p:nvGrpSpPr>
+      <p:grpSpPr>
+        <a:xfrm>
+          <a:off x="0" y="0"/>
+          <a:ext cx="0" cy="0"/>
+          <a:chOff x="0" y="0"/>
+          <a:chExt cx="0" cy="0"/>
+        </a:xfrm>
+      </p:grpSpPr>
+      <p:sp>
+        <p:nvSpPr>
+          <p:cNvPr id="2" name="Title 1"/>
+          <p:cNvSpPr>
+            <a:spLocks noGrp="1"/>
+          </p:cNvSpPr>
+          <p:nvPr>
+            <p:ph type="title"/>
+          </p:nvPr>
+        </p:nvSpPr>
+        <p:spPr>
+          <a:xfrm>
+            <a:off x="1251678" y="287135"/>
+            <a:ext cx="10178322" cy="1492132"/>
+          </a:xfrm>
+        </p:spPr>
+        <p:txBody>
+          <a:bodyPr/>
+          <a:lstStyle/>
+          <a:p>
+            <a:r>
+              <a:rPr lang="en-US" dirty="0" smtClean="0">
+                <a:solidFill>
+                  <a:schemeClr val="bg1"/>
+                </a:solidFill>
+              </a:rPr>
+              <a:t>What is cloud custodian?</a:t>
+            </a:r>
+            <a:endParaRPr lang="en-US" dirty="0">
+              <a:solidFill>
+                <a:schemeClr val="bg1"/>
+              </a:solidFill>
+            </a:endParaRPr>
+          </a:p>
+        </p:txBody>
+      </p:sp>
+      <p:sp>
+        <p:nvSpPr>
           <p:cNvPr id="3" name="Content Placeholder 2"/>
           <p:cNvSpPr>
             <a:spLocks noGrp="1"/>
@@ -17444,7 +17722,7 @@
         </p:spPr>
         <p:txBody>
           <a:bodyPr>
-            <a:normAutofit fontScale="77500" lnSpcReduction="20000"/>
+            <a:normAutofit fontScale="85000" lnSpcReduction="20000"/>
           </a:bodyPr>
           <a:lstStyle/>
           <a:p>
@@ -17592,11 +17870,6 @@
               </a:rPr>
               <a:t>Brief statement of what the policy does</a:t>
             </a:r>
-            <a:endParaRPr lang="en-US" sz="1700" dirty="0" smtClean="0">
-              <a:solidFill>
-                <a:schemeClr val="bg1"/>
-              </a:solidFill>
-            </a:endParaRPr>
           </a:p>
           <a:p>
             <a:pPr>
@@ -17625,18 +17898,26 @@
                   <a:schemeClr val="bg1"/>
                 </a:solidFill>
               </a:rPr>
-              <a:t>How the policy will be executed (event(API Triggered), periodic(</a:t>
-            </a:r>
-            <a:r>
-              <a:rPr lang="en-US" sz="1700" dirty="0" err="1" smtClean="0">
+              <a:t>How the policy will be executed </a:t>
+            </a:r>
+            <a:r>
+              <a:rPr lang="en-US" sz="1400" dirty="0" smtClean="0">
                 <a:solidFill>
                   <a:schemeClr val="bg1"/>
                 </a:solidFill>
               </a:rPr>
+              <a:t>(event(API Triggered), periodic(</a:t>
+            </a:r>
+            <a:r>
+              <a:rPr lang="en-US" sz="1400" dirty="0" err="1" smtClean="0">
+                <a:solidFill>
+                  <a:schemeClr val="bg1"/>
+                </a:solidFill>
+              </a:rPr>
               <a:t>Cron</a:t>
             </a:r>
             <a:r>
-              <a:rPr lang="en-US" sz="1700" dirty="0" smtClean="0">
+              <a:rPr lang="en-US" sz="1400" dirty="0" smtClean="0">
                 <a:solidFill>
                   <a:schemeClr val="bg1"/>
                 </a:solidFill>
@@ -17644,7 +17925,7 @@
               <a:t> Scheduled), </a:t>
             </a:r>
             <a:r>
-              <a:rPr lang="en-US" sz="1700" dirty="0" err="1" smtClean="0">
+              <a:rPr lang="en-US" sz="1400" dirty="0" err="1" smtClean="0">
                 <a:solidFill>
                   <a:schemeClr val="bg1"/>
                 </a:solidFill>
@@ -17652,7 +17933,7 @@
               <a:t>config</a:t>
             </a:r>
             <a:r>
-              <a:rPr lang="en-US" sz="1700" dirty="0" smtClean="0">
+              <a:rPr lang="en-US" sz="1400" dirty="0" smtClean="0">
                 <a:solidFill>
                   <a:schemeClr val="bg1"/>
                 </a:solidFill>
@@ -17660,7 +17941,7 @@
               <a:t>(</a:t>
             </a:r>
             <a:r>
-              <a:rPr lang="en-US" sz="1700" dirty="0" err="1" smtClean="0">
+              <a:rPr lang="en-US" sz="1400" dirty="0" err="1" smtClean="0">
                 <a:solidFill>
                   <a:schemeClr val="bg1"/>
                 </a:solidFill>
@@ -17668,7 +17949,7 @@
               <a:t>Config</a:t>
             </a:r>
             <a:r>
-              <a:rPr lang="en-US" sz="1700" dirty="0" smtClean="0">
+              <a:rPr lang="en-US" sz="1400" dirty="0" smtClean="0">
                 <a:solidFill>
                   <a:schemeClr val="bg1"/>
                 </a:solidFill>
@@ -17839,7 +18120,7 @@
     </p:spTree>
     <p:extLst>
       <p:ext uri="{BB962C8B-B14F-4D97-AF65-F5344CB8AC3E}">
-        <p14:creationId xmlns:p14="http://schemas.microsoft.com/office/powerpoint/2010/main" val="1648500436"/>
+        <p14:creationId xmlns:p14="http://schemas.microsoft.com/office/powerpoint/2010/main" val="3693841404"/>
       </p:ext>
     </p:extLst>
   </p:cSld>
@@ -17856,7 +18137,7 @@
 </p:sld>
 </file>
 
-<file path=ppt/slides/slide4.xml><?xml version="1.0" encoding="utf-8"?>
+<file path=ppt/slides/slide5.xml><?xml version="1.0" encoding="utf-8"?>
 <p:sld xmlns:a="http://schemas.openxmlformats.org/drawingml/2006/main" xmlns:r="http://schemas.openxmlformats.org/officeDocument/2006/relationships" xmlns:p="http://schemas.openxmlformats.org/presentationml/2006/main" showMasterSp="0">
   <p:cSld>
     <p:spTree>
@@ -17973,15 +18254,29 @@
                   <a:schemeClr val="bg1"/>
                 </a:solidFill>
               </a:rPr>
-              <a:t>Cost </a:t>
-            </a:r>
-            <a:r>
-              <a:rPr lang="en-US" sz="4000" u="sng" dirty="0" smtClean="0">
+              <a:t>Cost Savings:</a:t>
+            </a:r>
+          </a:p>
+          <a:p>
+            <a:pPr lvl="2"/>
+            <a:r>
+              <a:rPr lang="en-US" sz="3600" dirty="0" smtClean="0">
                 <a:solidFill>
                   <a:schemeClr val="bg1"/>
                 </a:solidFill>
               </a:rPr>
-              <a:t>Savings:</a:t>
+              <a:t>Resource Off Hours</a:t>
+            </a:r>
+          </a:p>
+          <a:p>
+            <a:pPr lvl="3"/>
+            <a:r>
+              <a:rPr lang="en-US" sz="1900" dirty="0" smtClean="0">
+                <a:solidFill>
+                  <a:schemeClr val="bg1"/>
+                </a:solidFill>
+              </a:rPr>
+              <a:t>Easy way to cut expenses by turning on/off resources on a automated schedule.</a:t>
             </a:r>
           </a:p>
           <a:p>
@@ -17992,15 +18287,29 @@
                   <a:schemeClr val="bg1"/>
                 </a:solidFill>
               </a:rPr>
-              <a:t>Resource Off </a:t>
-            </a:r>
+              <a:t>Resource Resizing</a:t>
+            </a:r>
+          </a:p>
+          <a:p>
+            <a:pPr lvl="3"/>
+            <a:r>
+              <a:rPr lang="en-US" sz="1900" dirty="0" smtClean="0">
+                <a:solidFill>
+                  <a:schemeClr val="bg1"/>
+                </a:solidFill>
+              </a:rPr>
+              <a:t>Ability to automatically resize resources based on metrics over time.</a:t>
+            </a:r>
+          </a:p>
+          <a:p>
+            <a:pPr lvl="2"/>
             <a:r>
               <a:rPr lang="en-US" sz="3600" dirty="0" smtClean="0">
                 <a:solidFill>
                   <a:schemeClr val="bg1"/>
                 </a:solidFill>
               </a:rPr>
-              <a:t>Hours</a:t>
+              <a:t>Garbage Collection</a:t>
             </a:r>
           </a:p>
           <a:p>
@@ -18011,62 +18320,8 @@
                   <a:schemeClr val="bg1"/>
                 </a:solidFill>
               </a:rPr>
-              <a:t>Easy way to cut expenses by turning on/off resources on a automated schedule.</a:t>
-            </a:r>
-          </a:p>
-          <a:p>
-            <a:pPr lvl="2"/>
-            <a:r>
-              <a:rPr lang="en-US" sz="3600" dirty="0" smtClean="0">
-                <a:solidFill>
-                  <a:schemeClr val="bg1"/>
-                </a:solidFill>
-              </a:rPr>
-              <a:t>Resource Resizing</a:t>
-            </a:r>
-          </a:p>
-          <a:p>
-            <a:pPr lvl="3"/>
-            <a:r>
-              <a:rPr lang="en-US" sz="1900" dirty="0" smtClean="0">
-                <a:solidFill>
-                  <a:schemeClr val="bg1"/>
-                </a:solidFill>
-              </a:rPr>
-              <a:t>Ability to automatically resize resources based on metrics over time.</a:t>
-            </a:r>
-            <a:endParaRPr lang="en-US" sz="1900" dirty="0" smtClean="0">
-              <a:solidFill>
-                <a:schemeClr val="bg1"/>
-              </a:solidFill>
-            </a:endParaRPr>
-          </a:p>
-          <a:p>
-            <a:pPr lvl="2"/>
-            <a:r>
-              <a:rPr lang="en-US" sz="3600" dirty="0" smtClean="0">
-                <a:solidFill>
-                  <a:schemeClr val="bg1"/>
-                </a:solidFill>
-              </a:rPr>
-              <a:t>Garbage Collection</a:t>
-            </a:r>
-          </a:p>
-          <a:p>
-            <a:pPr lvl="3"/>
-            <a:r>
-              <a:rPr lang="en-US" sz="1900" dirty="0" smtClean="0">
-                <a:solidFill>
-                  <a:schemeClr val="bg1"/>
-                </a:solidFill>
-              </a:rPr>
               <a:t>Automatic notifications and removal of stale and unused resources.</a:t>
             </a:r>
-            <a:endParaRPr lang="en-US" sz="1900" dirty="0" smtClean="0">
-              <a:solidFill>
-                <a:schemeClr val="bg1"/>
-              </a:solidFill>
-            </a:endParaRPr>
           </a:p>
         </p:txBody>
       </p:sp>
@@ -18215,7 +18470,7 @@
 </p:sld>
 </file>
 
-<file path=ppt/slides/slide5.xml><?xml version="1.0" encoding="utf-8"?>
+<file path=ppt/slides/slide6.xml><?xml version="1.0" encoding="utf-8"?>
 <p:sld xmlns:a="http://schemas.openxmlformats.org/drawingml/2006/main" xmlns:r="http://schemas.openxmlformats.org/officeDocument/2006/relationships" xmlns:p="http://schemas.openxmlformats.org/presentationml/2006/main" showMasterSp="0">
   <p:cSld>
     <p:spTree>
@@ -18364,34 +18619,18 @@
                   <a:schemeClr val="bg1"/>
                 </a:solidFill>
               </a:rPr>
-              <a:t>Tag </a:t>
-            </a:r>
-            <a:r>
-              <a:rPr lang="en-US" sz="3600" dirty="0" smtClean="0">
+              <a:t>Tag Enforcement</a:t>
+            </a:r>
+          </a:p>
+          <a:p>
+            <a:pPr lvl="3"/>
+            <a:r>
+              <a:rPr lang="en-US" sz="1800" dirty="0" smtClean="0">
                 <a:solidFill>
                   <a:schemeClr val="bg1"/>
                 </a:solidFill>
               </a:rPr>
-              <a:t>Enforcement</a:t>
-            </a:r>
-          </a:p>
-          <a:p>
-            <a:pPr lvl="3"/>
-            <a:r>
-              <a:rPr lang="en-US" sz="1800" dirty="0" smtClean="0">
-                <a:solidFill>
-                  <a:schemeClr val="bg1"/>
-                </a:solidFill>
-              </a:rPr>
-              <a:t>Proper tags are necessary fo</a:t>
-            </a:r>
-            <a:r>
-              <a:rPr lang="en-US" sz="1800" dirty="0" smtClean="0">
-                <a:solidFill>
-                  <a:schemeClr val="bg1"/>
-                </a:solidFill>
-              </a:rPr>
-              <a:t>r resource support and tracking.</a:t>
+              <a:t>Proper tags are necessary for resource support and tracking.</a:t>
             </a:r>
             <a:endParaRPr lang="en-US" sz="2300" dirty="0" smtClean="0">
               <a:solidFill>
@@ -18635,7 +18874,7 @@
 </p:sld>
 </file>
 
-<file path=ppt/slides/slide6.xml><?xml version="1.0" encoding="utf-8"?>
+<file path=ppt/slides/slide7.xml><?xml version="1.0" encoding="utf-8"?>
 <p:sld xmlns:a="http://schemas.openxmlformats.org/drawingml/2006/main" xmlns:r="http://schemas.openxmlformats.org/officeDocument/2006/relationships" xmlns:p="http://schemas.openxmlformats.org/presentationml/2006/main" showMasterSp="0">
   <p:cSld>
     <p:spTree>
@@ -18759,15 +18998,7 @@
                   <a:schemeClr val="bg1"/>
                 </a:solidFill>
               </a:rPr>
-              <a:t>New AWS </a:t>
-            </a:r>
-            <a:r>
-              <a:rPr lang="en-US" sz="3600" dirty="0" smtClean="0">
-                <a:solidFill>
-                  <a:schemeClr val="bg1"/>
-                </a:solidFill>
-              </a:rPr>
-              <a:t>Accounts</a:t>
+              <a:t>New AWS Accounts</a:t>
             </a:r>
           </a:p>
           <a:p>
@@ -19058,7 +19289,7 @@
 </p:sld>
 </file>
 
-<file path=ppt/slides/slide7.xml><?xml version="1.0" encoding="utf-8"?>
+<file path=ppt/slides/slide8.xml><?xml version="1.0" encoding="utf-8"?>
 <p:sld xmlns:a="http://schemas.openxmlformats.org/drawingml/2006/main" xmlns:r="http://schemas.openxmlformats.org/officeDocument/2006/relationships" xmlns:p="http://schemas.openxmlformats.org/presentationml/2006/main" showMasterSp="0">
   <p:cSld>
     <p:spTree>
@@ -19160,7 +19391,7 @@
 </p:sld>
 </file>
 
-<file path=ppt/slides/slide8.xml><?xml version="1.0" encoding="utf-8"?>
+<file path=ppt/slides/slide9.xml><?xml version="1.0" encoding="utf-8"?>
 <p:sld xmlns:a="http://schemas.openxmlformats.org/drawingml/2006/main" xmlns:r="http://schemas.openxmlformats.org/officeDocument/2006/relationships" xmlns:p="http://schemas.openxmlformats.org/presentationml/2006/main" showMasterSp="0">
   <p:cSld>
     <p:spTree>
@@ -19335,11 +19566,6 @@
               </a:rPr>
               <a:t>Stops any EC2 instance which has a c7n_maid_offhours </a:t>
             </a:r>
-            <a:endParaRPr lang="en-US" sz="1100" dirty="0">
-              <a:solidFill>
-                <a:prstClr val="white"/>
-              </a:solidFill>
-            </a:endParaRPr>
           </a:p>
           <a:p>
             <a:pPr defTabSz="457200"/>
@@ -19349,74 +19575,18 @@
                   <a:prstClr val="white"/>
                 </a:solidFill>
               </a:rPr>
-              <a:t> </a:t>
-            </a:r>
+              <a:t>          tag set if the day and time specified in the tag match the</a:t>
+            </a:r>
+          </a:p>
+          <a:p>
+            <a:pPr defTabSz="457200"/>
             <a:r>
               <a:rPr lang="en-US" sz="1100" dirty="0">
                 <a:solidFill>
                   <a:prstClr val="white"/>
                 </a:solidFill>
               </a:rPr>
-              <a:t>         tag </a:t>
-            </a:r>
-            <a:r>
-              <a:rPr lang="en-US" sz="1100" dirty="0">
-                <a:solidFill>
-                  <a:prstClr val="white"/>
-                </a:solidFill>
-              </a:rPr>
-              <a:t>set if the day and </a:t>
-            </a:r>
-            <a:r>
-              <a:rPr lang="en-US" sz="1100" dirty="0">
-                <a:solidFill>
-                  <a:prstClr val="white"/>
-                </a:solidFill>
-              </a:rPr>
-              <a:t>time specified </a:t>
-            </a:r>
-            <a:r>
-              <a:rPr lang="en-US" sz="1100" dirty="0">
-                <a:solidFill>
-                  <a:prstClr val="white"/>
-                </a:solidFill>
-              </a:rPr>
-              <a:t>in the tag match </a:t>
-            </a:r>
-            <a:r>
-              <a:rPr lang="en-US" sz="1100" dirty="0">
-                <a:solidFill>
-                  <a:prstClr val="white"/>
-                </a:solidFill>
-              </a:rPr>
-              <a:t>the</a:t>
-            </a:r>
-          </a:p>
-          <a:p>
-            <a:pPr defTabSz="457200"/>
-            <a:r>
-              <a:rPr lang="en-US" sz="1100" dirty="0">
-                <a:solidFill>
-                  <a:prstClr val="white"/>
-                </a:solidFill>
-              </a:rPr>
-              <a:t> </a:t>
-            </a:r>
-            <a:r>
-              <a:rPr lang="en-US" sz="1100" dirty="0">
-                <a:solidFill>
-                  <a:prstClr val="white"/>
-                </a:solidFill>
-              </a:rPr>
-              <a:t>         current </a:t>
-            </a:r>
-            <a:r>
-              <a:rPr lang="en-US" sz="1100" dirty="0">
-                <a:solidFill>
-                  <a:prstClr val="white"/>
-                </a:solidFill>
-              </a:rPr>
-              <a:t>day and time. Ex off=(M-F,19);on=(M-F,7);</a:t>
+              <a:t>          current day and time. Ex off=(M-F,19);on=(M-F,7);</a:t>
             </a:r>
             <a:r>
               <a:rPr lang="en-US" sz="1100" dirty="0" err="1">
@@ -19659,15 +19829,7 @@
                   <a:prstClr val="white"/>
                 </a:solidFill>
               </a:rPr>
-              <a:t>- </a:t>
-            </a:r>
-            <a:r>
-              <a:rPr lang="en-US" dirty="0">
-                <a:solidFill>
-                  <a:prstClr val="white"/>
-                </a:solidFill>
-              </a:rPr>
-              <a:t>name: </a:t>
+              <a:t>- name: </a:t>
             </a:r>
             <a:r>
               <a:rPr lang="en-US" dirty="0" smtClean="0">
@@ -19721,15 +19883,18 @@
                   <a:prstClr val="white"/>
                 </a:solidFill>
               </a:rPr>
-              <a:t>Starts any EC2 instance which has a c7n_maid_offhours tag </a:t>
-            </a:r>
+              <a:t>Starts any EC2 instance which has a c7n_maid_offhours tag set</a:t>
+            </a:r>
+          </a:p>
+          <a:p>
+            <a:pPr defTabSz="457200"/>
             <a:r>
               <a:rPr lang="en-US" sz="1100" dirty="0">
                 <a:solidFill>
                   <a:prstClr val="white"/>
                 </a:solidFill>
               </a:rPr>
-              <a:t>set</a:t>
+              <a:t>          if the day and time specified in the tag match the current day and time. </a:t>
             </a:r>
           </a:p>
           <a:p>
@@ -19740,7 +19905,15 @@
                   <a:prstClr val="white"/>
                 </a:solidFill>
               </a:rPr>
-              <a:t> </a:t>
+              <a:t>          Ex off=(M-F,19);on=(M-F,7);</a:t>
+            </a:r>
+            <a:r>
+              <a:rPr lang="en-US" sz="1100" dirty="0" err="1">
+                <a:solidFill>
+                  <a:prstClr val="white"/>
+                </a:solidFill>
+              </a:rPr>
+              <a:t>tz</a:t>
             </a:r>
             <a:r>
               <a:rPr lang="en-US" sz="1100" dirty="0">
@@ -19748,31 +19921,15 @@
                   <a:prstClr val="white"/>
                 </a:solidFill>
               </a:rPr>
-              <a:t>         if </a:t>
-            </a:r>
-            <a:r>
-              <a:rPr lang="en-US" sz="1100" dirty="0">
-                <a:solidFill>
-                  <a:prstClr val="white"/>
-                </a:solidFill>
-              </a:rPr>
-              <a:t>the day and time </a:t>
-            </a:r>
-            <a:r>
-              <a:rPr lang="en-US" sz="1100" dirty="0">
-                <a:solidFill>
-                  <a:prstClr val="white"/>
-                </a:solidFill>
-              </a:rPr>
-              <a:t>specified </a:t>
-            </a:r>
-            <a:r>
-              <a:rPr lang="en-US" sz="1100" dirty="0">
-                <a:solidFill>
-                  <a:prstClr val="white"/>
-                </a:solidFill>
-              </a:rPr>
-              <a:t>in the tag match the current day and time. </a:t>
+              <a:t>=</a:t>
+            </a:r>
+            <a:r>
+              <a:rPr lang="en-US" sz="1100" dirty="0" err="1">
+                <a:solidFill>
+                  <a:prstClr val="white"/>
+                </a:solidFill>
+              </a:rPr>
+              <a:t>ct</a:t>
             </a:r>
             <a:endParaRPr lang="en-US" sz="1100" dirty="0">
               <a:solidFill>
@@ -19783,62 +19940,6 @@
           <a:p>
             <a:pPr defTabSz="457200"/>
             <a:r>
-              <a:rPr lang="en-US" sz="1100" dirty="0">
-                <a:solidFill>
-                  <a:prstClr val="white"/>
-                </a:solidFill>
-              </a:rPr>
-              <a:t> </a:t>
-            </a:r>
-            <a:r>
-              <a:rPr lang="en-US" sz="1100" dirty="0">
-                <a:solidFill>
-                  <a:prstClr val="white"/>
-                </a:solidFill>
-              </a:rPr>
-              <a:t>         Ex </a:t>
-            </a:r>
-            <a:r>
-              <a:rPr lang="en-US" sz="1100" dirty="0">
-                <a:solidFill>
-                  <a:prstClr val="white"/>
-                </a:solidFill>
-              </a:rPr>
-              <a:t>off=(M-F,19);on=(M-F,7);</a:t>
-            </a:r>
-            <a:r>
-              <a:rPr lang="en-US" sz="1100" dirty="0" err="1">
-                <a:solidFill>
-                  <a:prstClr val="white"/>
-                </a:solidFill>
-              </a:rPr>
-              <a:t>tz</a:t>
-            </a:r>
-            <a:r>
-              <a:rPr lang="en-US" sz="1100" dirty="0">
-                <a:solidFill>
-                  <a:prstClr val="white"/>
-                </a:solidFill>
-              </a:rPr>
-              <a:t>=</a:t>
-            </a:r>
-            <a:r>
-              <a:rPr lang="en-US" sz="1100" dirty="0" err="1">
-                <a:solidFill>
-                  <a:prstClr val="white"/>
-                </a:solidFill>
-              </a:rPr>
-              <a:t>ct</a:t>
-            </a:r>
-            <a:endParaRPr lang="en-US" sz="1100" dirty="0">
-              <a:solidFill>
-                <a:prstClr val="white"/>
-              </a:solidFill>
-            </a:endParaRPr>
-          </a:p>
-          <a:p>
-            <a:pPr defTabSz="457200"/>
-            <a:r>
               <a:rPr lang="en-US" dirty="0">
                 <a:solidFill>
                   <a:prstClr val="white"/>
@@ -19877,15 +19978,7 @@
                   <a:prstClr val="white"/>
                 </a:solidFill>
               </a:rPr>
-              <a:t>filters</a:t>
-            </a:r>
-            <a:r>
-              <a:rPr lang="en-US" dirty="0">
-                <a:solidFill>
-                  <a:prstClr val="white"/>
-                </a:solidFill>
-              </a:rPr>
-              <a:t>:</a:t>
+              <a:t>filters:</a:t>
             </a:r>
           </a:p>
           <a:p>
@@ -20026,1247 +20119,6 @@
     <p:extLst>
       <p:ext uri="{BB962C8B-B14F-4D97-AF65-F5344CB8AC3E}">
         <p14:creationId xmlns:p14="http://schemas.microsoft.com/office/powerpoint/2010/main" val="755951697"/>
-      </p:ext>
-    </p:extLst>
-  </p:cSld>
-  <p:clrMapOvr>
-    <a:masterClrMapping/>
-  </p:clrMapOvr>
-  <p:timing>
-    <p:tnLst>
-      <p:par>
-        <p:cTn id="1" dur="indefinite" restart="never" nodeType="tmRoot">
-          <p:childTnLst>
-            <p:seq concurrent="1" nextAc="seek">
-              <p:cTn id="2" dur="indefinite" nodeType="mainSeq">
-                <p:childTnLst>
-                  <p:par>
-                    <p:cTn id="3" fill="hold">
-                      <p:stCondLst>
-                        <p:cond delay="indefinite"/>
-                        <p:cond evt="onBegin" delay="0">
-                          <p:tn val="2"/>
-                        </p:cond>
-                      </p:stCondLst>
-                      <p:childTnLst>
-                        <p:par>
-                          <p:cTn id="4" fill="hold">
-                            <p:stCondLst>
-                              <p:cond delay="0"/>
-                            </p:stCondLst>
-                            <p:childTnLst>
-                              <p:par>
-                                <p:cTn id="5" presetID="42" presetClass="entr" presetSubtype="0" fill="hold" nodeType="afterEffect">
-                                  <p:stCondLst>
-                                    <p:cond delay="1000"/>
-                                  </p:stCondLst>
-                                  <p:childTnLst>
-                                    <p:set>
-                                      <p:cBhvr>
-                                        <p:cTn id="6" dur="1" fill="hold">
-                                          <p:stCondLst>
-                                            <p:cond delay="0"/>
-                                          </p:stCondLst>
-                                        </p:cTn>
-                                        <p:tgtEl>
-                                          <p:spTgt spid="5"/>
-                                        </p:tgtEl>
-                                        <p:attrNameLst>
-                                          <p:attrName>style.visibility</p:attrName>
-                                        </p:attrNameLst>
-                                      </p:cBhvr>
-                                      <p:to>
-                                        <p:strVal val="visible"/>
-                                      </p:to>
-                                    </p:set>
-                                    <p:animEffect transition="in" filter="fade">
-                                      <p:cBhvr>
-                                        <p:cTn id="7" dur="1000"/>
-                                        <p:tgtEl>
-                                          <p:spTgt spid="5"/>
-                                        </p:tgtEl>
-                                      </p:cBhvr>
-                                    </p:animEffect>
-                                    <p:anim calcmode="lin" valueType="num">
-                                      <p:cBhvr>
-                                        <p:cTn id="8" dur="1000" fill="hold"/>
-                                        <p:tgtEl>
-                                          <p:spTgt spid="5"/>
-                                        </p:tgtEl>
-                                        <p:attrNameLst>
-                                          <p:attrName>ppt_x</p:attrName>
-                                        </p:attrNameLst>
-                                      </p:cBhvr>
-                                      <p:tavLst>
-                                        <p:tav tm="0">
-                                          <p:val>
-                                            <p:strVal val="#ppt_x"/>
-                                          </p:val>
-                                        </p:tav>
-                                        <p:tav tm="100000">
-                                          <p:val>
-                                            <p:strVal val="#ppt_x"/>
-                                          </p:val>
-                                        </p:tav>
-                                      </p:tavLst>
-                                    </p:anim>
-                                    <p:anim calcmode="lin" valueType="num">
-                                      <p:cBhvr>
-                                        <p:cTn id="9" dur="1000" fill="hold"/>
-                                        <p:tgtEl>
-                                          <p:spTgt spid="5"/>
-                                        </p:tgtEl>
-                                        <p:attrNameLst>
-                                          <p:attrName>ppt_y</p:attrName>
-                                        </p:attrNameLst>
-                                      </p:cBhvr>
-                                      <p:tavLst>
-                                        <p:tav tm="0">
-                                          <p:val>
-                                            <p:strVal val="#ppt_y+.1"/>
-                                          </p:val>
-                                        </p:tav>
-                                        <p:tav tm="100000">
-                                          <p:val>
-                                            <p:strVal val="#ppt_y"/>
-                                          </p:val>
-                                        </p:tav>
-                                      </p:tavLst>
-                                    </p:anim>
-                                  </p:childTnLst>
-                                </p:cTn>
-                              </p:par>
-                            </p:childTnLst>
-                          </p:cTn>
-                        </p:par>
-                      </p:childTnLst>
-                    </p:cTn>
-                  </p:par>
-                </p:childTnLst>
-              </p:cTn>
-              <p:prevCondLst>
-                <p:cond evt="onPrev" delay="0">
-                  <p:tgtEl>
-                    <p:sldTgt/>
-                  </p:tgtEl>
-                </p:cond>
-              </p:prevCondLst>
-              <p:nextCondLst>
-                <p:cond evt="onNext" delay="0">
-                  <p:tgtEl>
-                    <p:sldTgt/>
-                  </p:tgtEl>
-                </p:cond>
-              </p:nextCondLst>
-            </p:seq>
-          </p:childTnLst>
-        </p:cTn>
-      </p:par>
-    </p:tnLst>
-  </p:timing>
-</p:sld>
-</file>
-
-<file path=ppt/slides/slide9.xml><?xml version="1.0" encoding="utf-8"?>
-<p:sld xmlns:a="http://schemas.openxmlformats.org/drawingml/2006/main" xmlns:r="http://schemas.openxmlformats.org/officeDocument/2006/relationships" xmlns:p="http://schemas.openxmlformats.org/presentationml/2006/main" showMasterSp="0">
-  <p:cSld>
-    <p:spTree>
-      <p:nvGrpSpPr>
-        <p:cNvPr id="1" name=""/>
-        <p:cNvGrpSpPr/>
-        <p:nvPr/>
-      </p:nvGrpSpPr>
-      <p:grpSpPr>
-        <a:xfrm>
-          <a:off x="0" y="0"/>
-          <a:ext cx="0" cy="0"/>
-          <a:chOff x="0" y="0"/>
-          <a:chExt cx="0" cy="0"/>
-        </a:xfrm>
-      </p:grpSpPr>
-      <p:pic>
-        <p:nvPicPr>
-          <p:cNvPr id="5" name="Picture 4"/>
-          <p:cNvPicPr>
-            <a:picLocks noChangeAspect="1"/>
-          </p:cNvPicPr>
-          <p:nvPr/>
-        </p:nvPicPr>
-        <p:blipFill rotWithShape="1">
-          <a:blip r:embed="rId3">
-            <a:extLst>
-              <a:ext uri="{28A0092B-C50C-407E-A947-70E740481C1C}">
-                <a14:useLocalDpi xmlns:a14="http://schemas.microsoft.com/office/drawing/2010/main" val="0"/>
-              </a:ext>
-            </a:extLst>
-          </a:blip>
-          <a:srcRect l="51348" t="-2083" r="-131" b="2083"/>
-          <a:stretch/>
-        </p:blipFill>
-        <p:spPr>
-          <a:xfrm>
-            <a:off x="8986365" y="670180"/>
-            <a:ext cx="3205635" cy="6187820"/>
-          </a:xfrm>
-          <a:prstGeom prst="rect">
-            <a:avLst/>
-          </a:prstGeom>
-          <a:effectLst>
-            <a:reflection stA="45000" endPos="0" dist="50800" dir="5400000" sy="-100000" algn="bl" rotWithShape="0"/>
-            <a:softEdge rad="0"/>
-          </a:effectLst>
-        </p:spPr>
-      </p:pic>
-      <p:sp>
-        <p:nvSpPr>
-          <p:cNvPr id="2" name="Title 1"/>
-          <p:cNvSpPr>
-            <a:spLocks noGrp="1"/>
-          </p:cNvSpPr>
-          <p:nvPr>
-            <p:ph type="title"/>
-          </p:nvPr>
-        </p:nvSpPr>
-        <p:spPr>
-          <a:xfrm>
-            <a:off x="752475" y="287135"/>
-            <a:ext cx="10677525" cy="1492132"/>
-          </a:xfrm>
-        </p:spPr>
-        <p:txBody>
-          <a:bodyPr/>
-          <a:lstStyle/>
-          <a:p>
-            <a:r>
-              <a:rPr lang="en-US" dirty="0">
-                <a:solidFill>
-                  <a:schemeClr val="bg1"/>
-                </a:solidFill>
-              </a:rPr>
-              <a:t>Cost savings - Resizing </a:t>
-            </a:r>
-            <a:r>
-              <a:rPr lang="en-US" dirty="0" smtClean="0">
-                <a:solidFill>
-                  <a:schemeClr val="bg1"/>
-                </a:solidFill>
-              </a:rPr>
-              <a:t>Resources</a:t>
-            </a:r>
-            <a:endParaRPr lang="en-US" dirty="0">
-              <a:solidFill>
-                <a:schemeClr val="bg1"/>
-              </a:solidFill>
-            </a:endParaRPr>
-          </a:p>
-        </p:txBody>
-      </p:sp>
-      <p:sp>
-        <p:nvSpPr>
-          <p:cNvPr id="6" name="TextBox 5"/>
-          <p:cNvSpPr txBox="1"/>
-          <p:nvPr/>
-        </p:nvSpPr>
-        <p:spPr>
-          <a:xfrm>
-            <a:off x="1122998" y="1247788"/>
-            <a:ext cx="4441372" cy="3816429"/>
-          </a:xfrm>
-          <a:prstGeom prst="rect">
-            <a:avLst/>
-          </a:prstGeom>
-          <a:solidFill>
-            <a:srgbClr val="374050">
-              <a:alpha val="70000"/>
-            </a:srgbClr>
-          </a:solidFill>
-        </p:spPr>
-        <p:txBody>
-          <a:bodyPr wrap="square" rtlCol="0">
-            <a:spAutoFit/>
-          </a:bodyPr>
-          <a:lstStyle/>
-          <a:p>
-            <a:pPr defTabSz="457200"/>
-            <a:r>
-              <a:rPr lang="en-US" sz="1600" dirty="0">
-                <a:solidFill>
-                  <a:prstClr val="white"/>
-                </a:solidFill>
-              </a:rPr>
-              <a:t>- name</a:t>
-            </a:r>
-            <a:r>
-              <a:rPr lang="en-US" sz="1600" dirty="0">
-                <a:solidFill>
-                  <a:prstClr val="white"/>
-                </a:solidFill>
-              </a:rPr>
-              <a:t>: </a:t>
-            </a:r>
-            <a:r>
-              <a:rPr lang="en-US" sz="1600" dirty="0" err="1">
-                <a:solidFill>
-                  <a:prstClr val="white"/>
-                </a:solidFill>
-              </a:rPr>
-              <a:t>rds</a:t>
-            </a:r>
-            <a:r>
-              <a:rPr lang="en-US" sz="1600" dirty="0">
-                <a:solidFill>
-                  <a:prstClr val="white"/>
-                </a:solidFill>
-              </a:rPr>
-              <a:t>-resize-storage</a:t>
-            </a:r>
-          </a:p>
-          <a:p>
-            <a:pPr defTabSz="457200"/>
-            <a:r>
-              <a:rPr lang="en-US" sz="1600" dirty="0">
-                <a:solidFill>
-                  <a:prstClr val="white"/>
-                </a:solidFill>
-              </a:rPr>
-              <a:t> </a:t>
-            </a:r>
-            <a:r>
-              <a:rPr lang="en-US" sz="1600" dirty="0">
-                <a:solidFill>
-                  <a:prstClr val="white"/>
-                </a:solidFill>
-              </a:rPr>
-              <a:t> resource</a:t>
-            </a:r>
-            <a:r>
-              <a:rPr lang="en-US" sz="1600" dirty="0">
-                <a:solidFill>
-                  <a:prstClr val="white"/>
-                </a:solidFill>
-              </a:rPr>
-              <a:t>: </a:t>
-            </a:r>
-            <a:r>
-              <a:rPr lang="en-US" sz="1600" dirty="0" err="1">
-                <a:solidFill>
-                  <a:prstClr val="white"/>
-                </a:solidFill>
-              </a:rPr>
-              <a:t>rds</a:t>
-            </a:r>
-            <a:endParaRPr lang="en-US" sz="1600" dirty="0">
-              <a:solidFill>
-                <a:prstClr val="white"/>
-              </a:solidFill>
-            </a:endParaRPr>
-          </a:p>
-          <a:p>
-            <a:pPr defTabSz="457200"/>
-            <a:r>
-              <a:rPr lang="en-US" sz="1600" dirty="0">
-                <a:solidFill>
-                  <a:prstClr val="white"/>
-                </a:solidFill>
-              </a:rPr>
-              <a:t> </a:t>
-            </a:r>
-            <a:r>
-              <a:rPr lang="en-US" sz="1600" dirty="0">
-                <a:solidFill>
-                  <a:prstClr val="white"/>
-                </a:solidFill>
-              </a:rPr>
-              <a:t> description: |</a:t>
-            </a:r>
-          </a:p>
-          <a:p>
-            <a:pPr defTabSz="457200"/>
-            <a:r>
-              <a:rPr lang="en-US" sz="1400" dirty="0">
-                <a:solidFill>
-                  <a:prstClr val="white"/>
-                </a:solidFill>
-              </a:rPr>
-              <a:t> </a:t>
-            </a:r>
-            <a:r>
-              <a:rPr lang="en-US" sz="1400" dirty="0">
-                <a:solidFill>
-                  <a:prstClr val="white"/>
-                </a:solidFill>
-              </a:rPr>
-              <a:t>    Resizes RDS databases who are using more than 90%</a:t>
-            </a:r>
-          </a:p>
-          <a:p>
-            <a:pPr defTabSz="457200"/>
-            <a:r>
-              <a:rPr lang="en-US" sz="1400" dirty="0">
-                <a:solidFill>
-                  <a:prstClr val="white"/>
-                </a:solidFill>
-              </a:rPr>
-              <a:t>     of their storage space and adds 30% more space</a:t>
-            </a:r>
-            <a:endParaRPr lang="en-US" sz="1400" dirty="0">
-              <a:solidFill>
-                <a:prstClr val="white"/>
-              </a:solidFill>
-            </a:endParaRPr>
-          </a:p>
-          <a:p>
-            <a:pPr defTabSz="457200"/>
-            <a:r>
-              <a:rPr lang="en-US" sz="1600" dirty="0">
-                <a:solidFill>
-                  <a:prstClr val="white"/>
-                </a:solidFill>
-              </a:rPr>
-              <a:t> </a:t>
-            </a:r>
-            <a:r>
-              <a:rPr lang="en-US" sz="1600" dirty="0">
-                <a:solidFill>
-                  <a:prstClr val="white"/>
-                </a:solidFill>
-              </a:rPr>
-              <a:t> filters</a:t>
-            </a:r>
-            <a:r>
-              <a:rPr lang="en-US" sz="1600" dirty="0">
-                <a:solidFill>
-                  <a:prstClr val="white"/>
-                </a:solidFill>
-              </a:rPr>
-              <a:t>: </a:t>
-            </a:r>
-            <a:endParaRPr lang="en-US" sz="1600" dirty="0">
-              <a:solidFill>
-                <a:prstClr val="white"/>
-              </a:solidFill>
-            </a:endParaRPr>
-          </a:p>
-          <a:p>
-            <a:pPr defTabSz="457200"/>
-            <a:r>
-              <a:rPr lang="en-US" sz="1600" dirty="0">
-                <a:solidFill>
-                  <a:prstClr val="white"/>
-                </a:solidFill>
-              </a:rPr>
-              <a:t> </a:t>
-            </a:r>
-            <a:r>
-              <a:rPr lang="en-US" sz="1600" dirty="0">
-                <a:solidFill>
-                  <a:prstClr val="white"/>
-                </a:solidFill>
-              </a:rPr>
-              <a:t>    - </a:t>
-            </a:r>
-            <a:r>
-              <a:rPr lang="en-US" sz="1600" dirty="0">
-                <a:solidFill>
-                  <a:prstClr val="white"/>
-                </a:solidFill>
-              </a:rPr>
-              <a:t>type: </a:t>
-            </a:r>
-            <a:r>
-              <a:rPr lang="en-US" sz="1600" dirty="0">
-                <a:solidFill>
-                  <a:prstClr val="white"/>
-                </a:solidFill>
-              </a:rPr>
-              <a:t>metrics</a:t>
-            </a:r>
-          </a:p>
-          <a:p>
-            <a:pPr defTabSz="457200"/>
-            <a:r>
-              <a:rPr lang="en-US" sz="1600" dirty="0">
-                <a:solidFill>
-                  <a:prstClr val="white"/>
-                </a:solidFill>
-              </a:rPr>
-              <a:t> </a:t>
-            </a:r>
-            <a:r>
-              <a:rPr lang="en-US" sz="1600" dirty="0">
-                <a:solidFill>
-                  <a:prstClr val="white"/>
-                </a:solidFill>
-              </a:rPr>
-              <a:t>      name</a:t>
-            </a:r>
-            <a:r>
-              <a:rPr lang="en-US" sz="1600" dirty="0">
-                <a:solidFill>
-                  <a:prstClr val="white"/>
-                </a:solidFill>
-              </a:rPr>
-              <a:t>: </a:t>
-            </a:r>
-            <a:r>
-              <a:rPr lang="en-US" sz="1600" dirty="0" err="1">
-                <a:solidFill>
-                  <a:prstClr val="white"/>
-                </a:solidFill>
-              </a:rPr>
-              <a:t>FreeStorageSpace</a:t>
-            </a:r>
-            <a:endParaRPr lang="en-US" sz="1600" dirty="0">
-              <a:solidFill>
-                <a:prstClr val="white"/>
-              </a:solidFill>
-            </a:endParaRPr>
-          </a:p>
-          <a:p>
-            <a:pPr defTabSz="457200"/>
-            <a:r>
-              <a:rPr lang="en-US" sz="1600" dirty="0">
-                <a:solidFill>
-                  <a:prstClr val="white"/>
-                </a:solidFill>
-              </a:rPr>
-              <a:t> </a:t>
-            </a:r>
-            <a:r>
-              <a:rPr lang="en-US" sz="1600" dirty="0">
-                <a:solidFill>
-                  <a:prstClr val="white"/>
-                </a:solidFill>
-              </a:rPr>
-              <a:t>      percent-</a:t>
-            </a:r>
-            <a:r>
-              <a:rPr lang="en-US" sz="1600" dirty="0" err="1">
-                <a:solidFill>
-                  <a:prstClr val="white"/>
-                </a:solidFill>
-              </a:rPr>
-              <a:t>attr</a:t>
-            </a:r>
-            <a:r>
-              <a:rPr lang="en-US" sz="1600" dirty="0">
-                <a:solidFill>
-                  <a:prstClr val="white"/>
-                </a:solidFill>
-              </a:rPr>
-              <a:t>: </a:t>
-            </a:r>
-            <a:r>
-              <a:rPr lang="en-US" sz="1600" dirty="0" err="1">
-                <a:solidFill>
-                  <a:prstClr val="white"/>
-                </a:solidFill>
-              </a:rPr>
-              <a:t>AllocatedStorage</a:t>
-            </a:r>
-            <a:endParaRPr lang="en-US" sz="1600" dirty="0">
-              <a:solidFill>
-                <a:prstClr val="white"/>
-              </a:solidFill>
-            </a:endParaRPr>
-          </a:p>
-          <a:p>
-            <a:pPr defTabSz="457200"/>
-            <a:r>
-              <a:rPr lang="en-US" sz="1600" dirty="0">
-                <a:solidFill>
-                  <a:prstClr val="white"/>
-                </a:solidFill>
-              </a:rPr>
-              <a:t> </a:t>
-            </a:r>
-            <a:r>
-              <a:rPr lang="en-US" sz="1600" dirty="0">
-                <a:solidFill>
-                  <a:prstClr val="white"/>
-                </a:solidFill>
-              </a:rPr>
-              <a:t>      </a:t>
-            </a:r>
-            <a:r>
-              <a:rPr lang="en-US" sz="1600" dirty="0" err="1">
-                <a:solidFill>
-                  <a:prstClr val="white"/>
-                </a:solidFill>
-              </a:rPr>
-              <a:t>attr</a:t>
-            </a:r>
-            <a:r>
-              <a:rPr lang="en-US" sz="1600" dirty="0">
-                <a:solidFill>
-                  <a:prstClr val="white"/>
-                </a:solidFill>
-              </a:rPr>
-              <a:t>-multiplier</a:t>
-            </a:r>
-            <a:r>
-              <a:rPr lang="en-US" sz="1600" dirty="0">
-                <a:solidFill>
-                  <a:prstClr val="white"/>
-                </a:solidFill>
-              </a:rPr>
-              <a:t>: </a:t>
-            </a:r>
-            <a:r>
-              <a:rPr lang="en-US" sz="1600" dirty="0">
-                <a:solidFill>
-                  <a:prstClr val="white"/>
-                </a:solidFill>
-              </a:rPr>
-              <a:t>1073741824</a:t>
-            </a:r>
-          </a:p>
-          <a:p>
-            <a:pPr defTabSz="457200"/>
-            <a:r>
-              <a:rPr lang="en-US" sz="1600" dirty="0">
-                <a:solidFill>
-                  <a:prstClr val="white"/>
-                </a:solidFill>
-              </a:rPr>
-              <a:t> </a:t>
-            </a:r>
-            <a:r>
-              <a:rPr lang="en-US" sz="1600" dirty="0">
-                <a:solidFill>
-                  <a:prstClr val="white"/>
-                </a:solidFill>
-              </a:rPr>
-              <a:t>      value</a:t>
-            </a:r>
-            <a:r>
-              <a:rPr lang="en-US" sz="1600" dirty="0">
-                <a:solidFill>
-                  <a:prstClr val="white"/>
-                </a:solidFill>
-              </a:rPr>
-              <a:t>: </a:t>
-            </a:r>
-            <a:r>
-              <a:rPr lang="en-US" sz="1600" dirty="0">
-                <a:solidFill>
-                  <a:prstClr val="white"/>
-                </a:solidFill>
-              </a:rPr>
-              <a:t>90</a:t>
-            </a:r>
-          </a:p>
-          <a:p>
-            <a:pPr defTabSz="457200"/>
-            <a:r>
-              <a:rPr lang="en-US" sz="1600" dirty="0">
-                <a:solidFill>
-                  <a:prstClr val="white"/>
-                </a:solidFill>
-              </a:rPr>
-              <a:t> </a:t>
-            </a:r>
-            <a:r>
-              <a:rPr lang="en-US" sz="1600" dirty="0">
-                <a:solidFill>
-                  <a:prstClr val="white"/>
-                </a:solidFill>
-              </a:rPr>
-              <a:t>      op</a:t>
-            </a:r>
-            <a:r>
-              <a:rPr lang="en-US" sz="1600" dirty="0">
-                <a:solidFill>
-                  <a:prstClr val="white"/>
-                </a:solidFill>
-              </a:rPr>
-              <a:t>: </a:t>
-            </a:r>
-            <a:r>
-              <a:rPr lang="en-US" sz="1600" dirty="0">
-                <a:solidFill>
-                  <a:prstClr val="white"/>
-                </a:solidFill>
-              </a:rPr>
-              <a:t>greater-than</a:t>
-            </a:r>
-          </a:p>
-          <a:p>
-            <a:pPr defTabSz="457200"/>
-            <a:r>
-              <a:rPr lang="en-US" sz="1600" dirty="0">
-                <a:solidFill>
-                  <a:prstClr val="white"/>
-                </a:solidFill>
-              </a:rPr>
-              <a:t> </a:t>
-            </a:r>
-            <a:r>
-              <a:rPr lang="en-US" sz="1600" dirty="0">
-                <a:solidFill>
-                  <a:prstClr val="white"/>
-                </a:solidFill>
-              </a:rPr>
-              <a:t> actions</a:t>
-            </a:r>
-            <a:r>
-              <a:rPr lang="en-US" sz="1600" dirty="0">
-                <a:solidFill>
-                  <a:prstClr val="white"/>
-                </a:solidFill>
-              </a:rPr>
-              <a:t>: </a:t>
-            </a:r>
-            <a:endParaRPr lang="en-US" sz="1600" dirty="0">
-              <a:solidFill>
-                <a:prstClr val="white"/>
-              </a:solidFill>
-            </a:endParaRPr>
-          </a:p>
-          <a:p>
-            <a:pPr defTabSz="457200"/>
-            <a:r>
-              <a:rPr lang="en-US" sz="1600" dirty="0">
-                <a:solidFill>
-                  <a:prstClr val="white"/>
-                </a:solidFill>
-              </a:rPr>
-              <a:t> </a:t>
-            </a:r>
-            <a:r>
-              <a:rPr lang="en-US" sz="1600" dirty="0">
-                <a:solidFill>
-                  <a:prstClr val="white"/>
-                </a:solidFill>
-              </a:rPr>
-              <a:t>   - </a:t>
-            </a:r>
-            <a:r>
-              <a:rPr lang="en-US" sz="1600" dirty="0">
-                <a:solidFill>
-                  <a:prstClr val="white"/>
-                </a:solidFill>
-              </a:rPr>
-              <a:t>type: </a:t>
-            </a:r>
-            <a:r>
-              <a:rPr lang="en-US" sz="1600" dirty="0">
-                <a:solidFill>
-                  <a:prstClr val="white"/>
-                </a:solidFill>
-              </a:rPr>
-              <a:t>resize</a:t>
-            </a:r>
-          </a:p>
-          <a:p>
-            <a:pPr defTabSz="457200"/>
-            <a:r>
-              <a:rPr lang="en-US" sz="1600" dirty="0">
-                <a:solidFill>
-                  <a:prstClr val="white"/>
-                </a:solidFill>
-              </a:rPr>
-              <a:t> </a:t>
-            </a:r>
-            <a:r>
-              <a:rPr lang="en-US" sz="1600" dirty="0">
-                <a:solidFill>
-                  <a:prstClr val="white"/>
-                </a:solidFill>
-              </a:rPr>
-              <a:t>     percent</a:t>
-            </a:r>
-            <a:r>
-              <a:rPr lang="en-US" sz="1600" dirty="0">
-                <a:solidFill>
-                  <a:prstClr val="white"/>
-                </a:solidFill>
-              </a:rPr>
-              <a:t>: 30</a:t>
-            </a:r>
-          </a:p>
-        </p:txBody>
-      </p:sp>
-      <p:sp>
-        <p:nvSpPr>
-          <p:cNvPr id="7" name="TextBox 6"/>
-          <p:cNvSpPr txBox="1"/>
-          <p:nvPr/>
-        </p:nvSpPr>
-        <p:spPr>
-          <a:xfrm>
-            <a:off x="5934892" y="1247788"/>
-            <a:ext cx="4856934" cy="5509200"/>
-          </a:xfrm>
-          <a:prstGeom prst="rect">
-            <a:avLst/>
-          </a:prstGeom>
-          <a:solidFill>
-            <a:srgbClr val="384050">
-              <a:alpha val="70000"/>
-            </a:srgbClr>
-          </a:solidFill>
-        </p:spPr>
-        <p:txBody>
-          <a:bodyPr wrap="square" rtlCol="0">
-            <a:spAutoFit/>
-          </a:bodyPr>
-          <a:lstStyle/>
-          <a:p>
-            <a:pPr defTabSz="457200"/>
-            <a:r>
-              <a:rPr lang="en-US" sz="1600" dirty="0">
-                <a:solidFill>
-                  <a:prstClr val="white"/>
-                </a:solidFill>
-              </a:rPr>
-              <a:t>- name</a:t>
-            </a:r>
-            <a:r>
-              <a:rPr lang="en-US" sz="1600" dirty="0">
-                <a:solidFill>
-                  <a:prstClr val="white"/>
-                </a:solidFill>
-              </a:rPr>
-              <a:t>: </a:t>
-            </a:r>
-            <a:r>
-              <a:rPr lang="en-US" sz="1600" dirty="0">
-                <a:solidFill>
-                  <a:prstClr val="white"/>
-                </a:solidFill>
-              </a:rPr>
-              <a:t>ec2-instance-too-large-resizer</a:t>
-            </a:r>
-          </a:p>
-          <a:p>
-            <a:pPr defTabSz="457200"/>
-            <a:r>
-              <a:rPr lang="en-US" sz="1600" dirty="0">
-                <a:solidFill>
-                  <a:prstClr val="white"/>
-                </a:solidFill>
-              </a:rPr>
-              <a:t>  resource: ec2</a:t>
-            </a:r>
-          </a:p>
-          <a:p>
-            <a:pPr defTabSz="457200"/>
-            <a:r>
-              <a:rPr lang="en-US" sz="1600" dirty="0">
-                <a:solidFill>
-                  <a:prstClr val="white"/>
-                </a:solidFill>
-              </a:rPr>
-              <a:t> </a:t>
-            </a:r>
-            <a:r>
-              <a:rPr lang="en-US" sz="1600" dirty="0">
-                <a:solidFill>
-                  <a:prstClr val="white"/>
-                </a:solidFill>
-              </a:rPr>
-              <a:t> filters:</a:t>
-            </a:r>
-          </a:p>
-          <a:p>
-            <a:pPr defTabSz="457200"/>
-            <a:r>
-              <a:rPr lang="en-US" sz="1600" dirty="0">
-                <a:solidFill>
-                  <a:prstClr val="white"/>
-                </a:solidFill>
-              </a:rPr>
-              <a:t> </a:t>
-            </a:r>
-            <a:r>
-              <a:rPr lang="en-US" sz="1600" dirty="0">
-                <a:solidFill>
-                  <a:prstClr val="white"/>
-                </a:solidFill>
-              </a:rPr>
-              <a:t>   - type: value</a:t>
-            </a:r>
-          </a:p>
-          <a:p>
-            <a:pPr defTabSz="457200"/>
-            <a:r>
-              <a:rPr lang="en-US" sz="1600" dirty="0">
-                <a:solidFill>
-                  <a:prstClr val="white"/>
-                </a:solidFill>
-              </a:rPr>
-              <a:t> </a:t>
-            </a:r>
-            <a:r>
-              <a:rPr lang="en-US" sz="1600" dirty="0">
-                <a:solidFill>
-                  <a:prstClr val="white"/>
-                </a:solidFill>
-              </a:rPr>
-              <a:t>     key: </a:t>
-            </a:r>
-            <a:r>
-              <a:rPr lang="en-US" sz="1600" dirty="0" err="1">
-                <a:solidFill>
-                  <a:prstClr val="white"/>
-                </a:solidFill>
-              </a:rPr>
-              <a:t>InstanceType</a:t>
-            </a:r>
-            <a:endParaRPr lang="en-US" sz="1600" dirty="0">
-              <a:solidFill>
-                <a:prstClr val="white"/>
-              </a:solidFill>
-            </a:endParaRPr>
-          </a:p>
-          <a:p>
-            <a:pPr defTabSz="457200"/>
-            <a:r>
-              <a:rPr lang="en-US" sz="1600" dirty="0">
-                <a:solidFill>
-                  <a:prstClr val="white"/>
-                </a:solidFill>
-              </a:rPr>
-              <a:t> </a:t>
-            </a:r>
-            <a:r>
-              <a:rPr lang="en-US" sz="1600" dirty="0">
-                <a:solidFill>
-                  <a:prstClr val="white"/>
-                </a:solidFill>
-              </a:rPr>
-              <a:t>     op: in</a:t>
-            </a:r>
-          </a:p>
-          <a:p>
-            <a:pPr defTabSz="457200"/>
-            <a:r>
-              <a:rPr lang="en-US" sz="1600" dirty="0">
-                <a:solidFill>
-                  <a:prstClr val="white"/>
-                </a:solidFill>
-              </a:rPr>
-              <a:t> </a:t>
-            </a:r>
-            <a:r>
-              <a:rPr lang="en-US" sz="1600" dirty="0">
-                <a:solidFill>
-                  <a:prstClr val="white"/>
-                </a:solidFill>
-              </a:rPr>
-              <a:t>     value:</a:t>
-            </a:r>
-          </a:p>
-          <a:p>
-            <a:pPr defTabSz="457200"/>
-            <a:r>
-              <a:rPr lang="en-US" sz="1600" dirty="0">
-                <a:solidFill>
-                  <a:prstClr val="white"/>
-                </a:solidFill>
-              </a:rPr>
-              <a:t> </a:t>
-            </a:r>
-            <a:r>
-              <a:rPr lang="en-US" sz="1600" dirty="0">
-                <a:solidFill>
-                  <a:prstClr val="white"/>
-                </a:solidFill>
-              </a:rPr>
-              <a:t>        - m4.10xlarge</a:t>
-            </a:r>
-          </a:p>
-          <a:p>
-            <a:pPr defTabSz="457200"/>
-            <a:r>
-              <a:rPr lang="en-US" sz="1600" dirty="0">
-                <a:solidFill>
-                  <a:prstClr val="white"/>
-                </a:solidFill>
-              </a:rPr>
-              <a:t> </a:t>
-            </a:r>
-            <a:r>
-              <a:rPr lang="en-US" sz="1600" dirty="0">
-                <a:solidFill>
-                  <a:prstClr val="white"/>
-                </a:solidFill>
-              </a:rPr>
-              <a:t>        - m4.4xlarge</a:t>
-            </a:r>
-          </a:p>
-          <a:p>
-            <a:pPr defTabSz="457200"/>
-            <a:r>
-              <a:rPr lang="en-US" sz="1600" dirty="0">
-                <a:solidFill>
-                  <a:prstClr val="white"/>
-                </a:solidFill>
-              </a:rPr>
-              <a:t> </a:t>
-            </a:r>
-            <a:r>
-              <a:rPr lang="en-US" sz="1600" dirty="0">
-                <a:solidFill>
-                  <a:prstClr val="white"/>
-                </a:solidFill>
-              </a:rPr>
-              <a:t>   - type: instance-age</a:t>
-            </a:r>
-          </a:p>
-          <a:p>
-            <a:pPr defTabSz="457200"/>
-            <a:r>
-              <a:rPr lang="en-US" sz="1600" dirty="0">
-                <a:solidFill>
-                  <a:prstClr val="white"/>
-                </a:solidFill>
-              </a:rPr>
-              <a:t> </a:t>
-            </a:r>
-            <a:r>
-              <a:rPr lang="en-US" sz="1600" dirty="0">
-                <a:solidFill>
-                  <a:prstClr val="white"/>
-                </a:solidFill>
-              </a:rPr>
-              <a:t>     value: 14</a:t>
-            </a:r>
-          </a:p>
-          <a:p>
-            <a:pPr defTabSz="457200"/>
-            <a:r>
-              <a:rPr lang="en-US" sz="1600" dirty="0">
-                <a:solidFill>
-                  <a:prstClr val="white"/>
-                </a:solidFill>
-              </a:rPr>
-              <a:t> </a:t>
-            </a:r>
-            <a:r>
-              <a:rPr lang="en-US" sz="1600" dirty="0">
-                <a:solidFill>
-                  <a:prstClr val="white"/>
-                </a:solidFill>
-              </a:rPr>
-              <a:t>   - type: metrics</a:t>
-            </a:r>
-          </a:p>
-          <a:p>
-            <a:pPr defTabSz="457200"/>
-            <a:r>
-              <a:rPr lang="en-US" sz="1600" dirty="0">
-                <a:solidFill>
-                  <a:prstClr val="white"/>
-                </a:solidFill>
-              </a:rPr>
-              <a:t> </a:t>
-            </a:r>
-            <a:r>
-              <a:rPr lang="en-US" sz="1600" dirty="0">
-                <a:solidFill>
-                  <a:prstClr val="white"/>
-                </a:solidFill>
-              </a:rPr>
-              <a:t>     name: </a:t>
-            </a:r>
-            <a:r>
-              <a:rPr lang="en-US" sz="1600" dirty="0" err="1">
-                <a:solidFill>
-                  <a:prstClr val="white"/>
-                </a:solidFill>
-              </a:rPr>
-              <a:t>CPUUtilization</a:t>
-            </a:r>
-            <a:endParaRPr lang="en-US" sz="1600" dirty="0">
-              <a:solidFill>
-                <a:prstClr val="white"/>
-              </a:solidFill>
-            </a:endParaRPr>
-          </a:p>
-          <a:p>
-            <a:pPr defTabSz="457200"/>
-            <a:r>
-              <a:rPr lang="en-US" sz="1600" dirty="0">
-                <a:solidFill>
-                  <a:prstClr val="white"/>
-                </a:solidFill>
-              </a:rPr>
-              <a:t> </a:t>
-            </a:r>
-            <a:r>
-              <a:rPr lang="en-US" sz="1600" dirty="0">
-                <a:solidFill>
-                  <a:prstClr val="white"/>
-                </a:solidFill>
-              </a:rPr>
-              <a:t>     days: 14</a:t>
-            </a:r>
-          </a:p>
-          <a:p>
-            <a:pPr defTabSz="457200"/>
-            <a:r>
-              <a:rPr lang="en-US" sz="1600" dirty="0">
-                <a:solidFill>
-                  <a:prstClr val="white"/>
-                </a:solidFill>
-              </a:rPr>
-              <a:t> </a:t>
-            </a:r>
-            <a:r>
-              <a:rPr lang="en-US" sz="1600" dirty="0">
-                <a:solidFill>
-                  <a:prstClr val="white"/>
-                </a:solidFill>
-              </a:rPr>
-              <a:t>     value: 3</a:t>
-            </a:r>
-          </a:p>
-          <a:p>
-            <a:pPr defTabSz="457200"/>
-            <a:r>
-              <a:rPr lang="en-US" sz="1600" dirty="0">
-                <a:solidFill>
-                  <a:prstClr val="white"/>
-                </a:solidFill>
-              </a:rPr>
-              <a:t> </a:t>
-            </a:r>
-            <a:r>
-              <a:rPr lang="en-US" sz="1600" dirty="0">
-                <a:solidFill>
-                  <a:prstClr val="white"/>
-                </a:solidFill>
-              </a:rPr>
-              <a:t>     op: less-than</a:t>
-            </a:r>
-          </a:p>
-          <a:p>
-            <a:pPr defTabSz="457200"/>
-            <a:r>
-              <a:rPr lang="en-US" sz="1600" dirty="0">
-                <a:solidFill>
-                  <a:prstClr val="white"/>
-                </a:solidFill>
-              </a:rPr>
-              <a:t> </a:t>
-            </a:r>
-            <a:r>
-              <a:rPr lang="en-US" sz="1600" dirty="0">
-                <a:solidFill>
-                  <a:prstClr val="white"/>
-                </a:solidFill>
-              </a:rPr>
-              <a:t> actions:</a:t>
-            </a:r>
-          </a:p>
-          <a:p>
-            <a:pPr defTabSz="457200"/>
-            <a:r>
-              <a:rPr lang="en-US" sz="1600" dirty="0">
-                <a:solidFill>
-                  <a:prstClr val="white"/>
-                </a:solidFill>
-              </a:rPr>
-              <a:t> </a:t>
-            </a:r>
-            <a:r>
-              <a:rPr lang="en-US" sz="1600" dirty="0">
-                <a:solidFill>
-                  <a:prstClr val="white"/>
-                </a:solidFill>
-              </a:rPr>
-              <a:t>   - type: resize</a:t>
-            </a:r>
-          </a:p>
-          <a:p>
-            <a:pPr defTabSz="457200"/>
-            <a:r>
-              <a:rPr lang="en-US" sz="1600" dirty="0">
-                <a:solidFill>
-                  <a:prstClr val="white"/>
-                </a:solidFill>
-              </a:rPr>
-              <a:t> </a:t>
-            </a:r>
-            <a:r>
-              <a:rPr lang="en-US" sz="1600" dirty="0">
-                <a:solidFill>
-                  <a:prstClr val="white"/>
-                </a:solidFill>
-              </a:rPr>
-              <a:t>     restart: true</a:t>
-            </a:r>
-          </a:p>
-          <a:p>
-            <a:pPr defTabSz="457200"/>
-            <a:r>
-              <a:rPr lang="en-US" sz="1600" dirty="0">
-                <a:solidFill>
-                  <a:prstClr val="white"/>
-                </a:solidFill>
-              </a:rPr>
-              <a:t> </a:t>
-            </a:r>
-            <a:r>
-              <a:rPr lang="en-US" sz="1600" dirty="0">
-                <a:solidFill>
-                  <a:prstClr val="white"/>
-                </a:solidFill>
-              </a:rPr>
-              <a:t>     type-map:</a:t>
-            </a:r>
-          </a:p>
-          <a:p>
-            <a:pPr defTabSz="457200"/>
-            <a:r>
-              <a:rPr lang="en-US" sz="1600" dirty="0">
-                <a:solidFill>
-                  <a:prstClr val="white"/>
-                </a:solidFill>
-              </a:rPr>
-              <a:t> </a:t>
-            </a:r>
-            <a:r>
-              <a:rPr lang="en-US" sz="1600" dirty="0">
-                <a:solidFill>
-                  <a:prstClr val="white"/>
-                </a:solidFill>
-              </a:rPr>
-              <a:t>         m4.4xlarge: m4.2xlarge</a:t>
-            </a:r>
-          </a:p>
-          <a:p>
-            <a:pPr defTabSz="457200"/>
-            <a:r>
-              <a:rPr lang="en-US" sz="1600" dirty="0">
-                <a:solidFill>
-                  <a:prstClr val="white"/>
-                </a:solidFill>
-              </a:rPr>
-              <a:t> </a:t>
-            </a:r>
-            <a:r>
-              <a:rPr lang="en-US" sz="1600" dirty="0">
-                <a:solidFill>
-                  <a:prstClr val="white"/>
-                </a:solidFill>
-              </a:rPr>
-              <a:t>         m4.10xlarge: m4.4xlarge</a:t>
-            </a:r>
-            <a:endParaRPr lang="en-US" sz="1600" dirty="0">
-              <a:solidFill>
-                <a:prstClr val="white"/>
-              </a:solidFill>
-            </a:endParaRPr>
-          </a:p>
-        </p:txBody>
-      </p:sp>
-    </p:spTree>
-    <p:extLst>
-      <p:ext uri="{BB962C8B-B14F-4D97-AF65-F5344CB8AC3E}">
-        <p14:creationId xmlns:p14="http://schemas.microsoft.com/office/powerpoint/2010/main" val="2940595849"/>
       </p:ext>
     </p:extLst>
   </p:cSld>
